--- a/doc/prezi/ztz-presentation.pptx
+++ b/doc/prezi/ztz-presentation.pptx
@@ -3,24 +3,26 @@
 <p:presentation xmlns:a="http://schemas.openxmlformats.org/drawingml/2006/main" xmlns:r="http://schemas.openxmlformats.org/officeDocument/2006/relationships" xmlns:p="http://schemas.openxmlformats.org/presentationml/2006/main" saveSubsetFonts="1" autoCompressPictures="0">
   <p:sldMasterIdLst>
     <p:sldMasterId id="2147483648" r:id="rId1"/>
-    <p:sldMasterId id="2147483655" r:id="rId2"/>
+    <p:sldMasterId id="2147483692" r:id="rId2"/>
+    <p:sldMasterId id="2147483655" r:id="rId3"/>
   </p:sldMasterIdLst>
   <p:notesMasterIdLst>
-    <p:notesMasterId r:id="rId12"/>
+    <p:notesMasterId r:id="rId14"/>
   </p:notesMasterIdLst>
   <p:handoutMasterIdLst>
-    <p:handoutMasterId r:id="rId13"/>
+    <p:handoutMasterId r:id="rId15"/>
   </p:handoutMasterIdLst>
   <p:sldIdLst>
-    <p:sldId id="304" r:id="rId3"/>
-    <p:sldId id="305" r:id="rId4"/>
-    <p:sldId id="307" r:id="rId5"/>
-    <p:sldId id="308" r:id="rId6"/>
-    <p:sldId id="309" r:id="rId7"/>
-    <p:sldId id="310" r:id="rId8"/>
-    <p:sldId id="311" r:id="rId9"/>
-    <p:sldId id="306" r:id="rId10"/>
-    <p:sldId id="312" r:id="rId11"/>
+    <p:sldId id="304" r:id="rId4"/>
+    <p:sldId id="305" r:id="rId5"/>
+    <p:sldId id="307" r:id="rId6"/>
+    <p:sldId id="308" r:id="rId7"/>
+    <p:sldId id="309" r:id="rId8"/>
+    <p:sldId id="310" r:id="rId9"/>
+    <p:sldId id="311" r:id="rId10"/>
+    <p:sldId id="306" r:id="rId11"/>
+    <p:sldId id="313" r:id="rId12"/>
+    <p:sldId id="312" r:id="rId13"/>
   </p:sldIdLst>
   <p:sldSz cx="9144000" cy="6858000" type="screen4x3"/>
   <p:notesSz cx="6858000" cy="9144000"/>
@@ -132,13 +134,14 @@
             <p14:sldId id="310"/>
             <p14:sldId id="311"/>
             <p14:sldId id="306"/>
+            <p14:sldId id="313"/>
             <p14:sldId id="312"/>
           </p14:sldIdLst>
         </p14:section>
       </p14:sectionLst>
     </p:ext>
     <p:ext uri="{EFAFB233-063F-42B5-8137-9DF3F51BA10A}">
-      <p15:sldGuideLst xmlns:p15="http://schemas.microsoft.com/office/powerpoint/2012/main">
+      <p15:sldGuideLst xmlns:p15="http://schemas.microsoft.com/office/powerpoint/2012/main" xmlns="">
         <p15:guide id="1" orient="horz" pos="2136" userDrawn="1">
           <p15:clr>
             <a:srgbClr val="A4A3A4"/>
@@ -152,7 +155,7 @@
       </p15:sldGuideLst>
     </p:ext>
     <p:ext uri="{2D200454-40CA-4A62-9FC3-DE9A4176ACB9}">
-      <p15:notesGuideLst xmlns:p15="http://schemas.microsoft.com/office/powerpoint/2012/main"/>
+      <p15:notesGuideLst xmlns:p15="http://schemas.microsoft.com/office/powerpoint/2012/main" xmlns=""/>
     </p:ext>
   </p:extLst>
 </p:presentation>
@@ -1314,11 +1317,11 @@
   <p:clrMapOvr>
     <a:masterClrMapping/>
   </p:clrMapOvr>
-  <mc:AlternateContent xmlns:mc="http://schemas.openxmlformats.org/markup-compatibility/2006">
-    <mc:Choice xmlns:p14="http://schemas.microsoft.com/office/powerpoint/2010/main" Requires="p14">
+  <mc:AlternateContent xmlns:mc="http://schemas.openxmlformats.org/markup-compatibility/2006" xmlns:p14="http://schemas.microsoft.com/office/powerpoint/2010/main">
+    <mc:Choice Requires="p14">
       <p:transition p14:dur="0" advClick="0"/>
     </mc:Choice>
-    <mc:Fallback>
+    <mc:Fallback xmlns="">
       <p:transition advClick="0"/>
     </mc:Fallback>
   </mc:AlternateContent>
@@ -1333,931 +1336,6 @@
 </file>
 
 <file path=ppt/slideLayouts/slideLayout10.xml><?xml version="1.0" encoding="utf-8"?>
-<p:sldLayout xmlns:a="http://schemas.openxmlformats.org/drawingml/2006/main" xmlns:r="http://schemas.openxmlformats.org/officeDocument/2006/relationships" xmlns:p="http://schemas.openxmlformats.org/presentationml/2006/main" type="twoObj" preserve="1">
-  <p:cSld name="2 tartalomrész">
-    <p:spTree>
-      <p:nvGrpSpPr>
-        <p:cNvPr id="1" name=""/>
-        <p:cNvGrpSpPr/>
-        <p:nvPr/>
-      </p:nvGrpSpPr>
-      <p:grpSpPr>
-        <a:xfrm>
-          <a:off x="0" y="0"/>
-          <a:ext cx="0" cy="0"/>
-          <a:chOff x="0" y="0"/>
-          <a:chExt cx="0" cy="0"/>
-        </a:xfrm>
-      </p:grpSpPr>
-      <p:sp>
-        <p:nvSpPr>
-          <p:cNvPr id="2" name="Cím 1"/>
-          <p:cNvSpPr>
-            <a:spLocks noGrp="1"/>
-          </p:cNvSpPr>
-          <p:nvPr>
-            <p:ph type="title"/>
-          </p:nvPr>
-        </p:nvSpPr>
-        <p:spPr/>
-        <p:txBody>
-          <a:bodyPr/>
-          <a:lstStyle/>
-          <a:p>
-            <a:r>
-              <a:rPr lang="hu-HU" smtClean="0"/>
-              <a:t>Mintacím szerkesztése</a:t>
-            </a:r>
-            <a:endParaRPr lang="hu-HU"/>
-          </a:p>
-        </p:txBody>
-      </p:sp>
-      <p:sp>
-        <p:nvSpPr>
-          <p:cNvPr id="3" name="Tartalom helye 2"/>
-          <p:cNvSpPr>
-            <a:spLocks noGrp="1"/>
-          </p:cNvSpPr>
-          <p:nvPr>
-            <p:ph sz="half" idx="1"/>
-          </p:nvPr>
-        </p:nvSpPr>
-        <p:spPr>
-          <a:xfrm>
-            <a:off x="117414" y="836578"/>
-            <a:ext cx="4378386" cy="5513462"/>
-          </a:xfrm>
-        </p:spPr>
-        <p:txBody>
-          <a:bodyPr/>
-          <a:lstStyle>
-            <a:lvl1pPr>
-              <a:defRPr sz="2800"/>
-            </a:lvl1pPr>
-            <a:lvl2pPr>
-              <a:defRPr sz="2400"/>
-            </a:lvl2pPr>
-            <a:lvl3pPr>
-              <a:defRPr sz="2000"/>
-            </a:lvl3pPr>
-            <a:lvl4pPr>
-              <a:defRPr sz="1800"/>
-            </a:lvl4pPr>
-            <a:lvl5pPr>
-              <a:defRPr sz="1800"/>
-            </a:lvl5pPr>
-            <a:lvl6pPr>
-              <a:defRPr sz="1800"/>
-            </a:lvl6pPr>
-            <a:lvl7pPr>
-              <a:defRPr sz="1800"/>
-            </a:lvl7pPr>
-            <a:lvl8pPr>
-              <a:defRPr sz="1800"/>
-            </a:lvl8pPr>
-            <a:lvl9pPr>
-              <a:defRPr sz="1800"/>
-            </a:lvl9pPr>
-          </a:lstStyle>
-          <a:p>
-            <a:pPr lvl="0"/>
-            <a:r>
-              <a:rPr lang="hu-HU" smtClean="0"/>
-              <a:t>Mintaszöveg szerkesztése</a:t>
-            </a:r>
-          </a:p>
-          <a:p>
-            <a:pPr lvl="1"/>
-            <a:r>
-              <a:rPr lang="hu-HU" smtClean="0"/>
-              <a:t>Második szint</a:t>
-            </a:r>
-          </a:p>
-          <a:p>
-            <a:pPr lvl="2"/>
-            <a:r>
-              <a:rPr lang="hu-HU" smtClean="0"/>
-              <a:t>Harmadik szint</a:t>
-            </a:r>
-          </a:p>
-          <a:p>
-            <a:pPr lvl="3"/>
-            <a:r>
-              <a:rPr lang="hu-HU" smtClean="0"/>
-              <a:t>Negyedik szint</a:t>
-            </a:r>
-          </a:p>
-          <a:p>
-            <a:pPr lvl="4"/>
-            <a:r>
-              <a:rPr lang="hu-HU" smtClean="0"/>
-              <a:t>Ötödik szint</a:t>
-            </a:r>
-            <a:endParaRPr lang="hu-HU" dirty="0"/>
-          </a:p>
-        </p:txBody>
-      </p:sp>
-      <p:sp>
-        <p:nvSpPr>
-          <p:cNvPr id="4" name="Tartalom helye 3"/>
-          <p:cNvSpPr>
-            <a:spLocks noGrp="1"/>
-          </p:cNvSpPr>
-          <p:nvPr>
-            <p:ph sz="half" idx="2"/>
-          </p:nvPr>
-        </p:nvSpPr>
-        <p:spPr>
-          <a:xfrm>
-            <a:off x="4648199" y="836577"/>
-            <a:ext cx="4341873" cy="5513463"/>
-          </a:xfrm>
-        </p:spPr>
-        <p:txBody>
-          <a:bodyPr/>
-          <a:lstStyle>
-            <a:lvl1pPr>
-              <a:defRPr sz="2800"/>
-            </a:lvl1pPr>
-            <a:lvl2pPr>
-              <a:defRPr sz="2400"/>
-            </a:lvl2pPr>
-            <a:lvl3pPr>
-              <a:defRPr sz="2000"/>
-            </a:lvl3pPr>
-            <a:lvl4pPr>
-              <a:defRPr sz="1800"/>
-            </a:lvl4pPr>
-            <a:lvl5pPr>
-              <a:defRPr sz="1800"/>
-            </a:lvl5pPr>
-            <a:lvl6pPr>
-              <a:defRPr sz="1800"/>
-            </a:lvl6pPr>
-            <a:lvl7pPr>
-              <a:defRPr sz="1800"/>
-            </a:lvl7pPr>
-            <a:lvl8pPr>
-              <a:defRPr sz="1800"/>
-            </a:lvl8pPr>
-            <a:lvl9pPr>
-              <a:defRPr sz="1800"/>
-            </a:lvl9pPr>
-          </a:lstStyle>
-          <a:p>
-            <a:pPr lvl="0"/>
-            <a:r>
-              <a:rPr lang="hu-HU" smtClean="0"/>
-              <a:t>Mintaszöveg szerkesztése</a:t>
-            </a:r>
-          </a:p>
-          <a:p>
-            <a:pPr lvl="1"/>
-            <a:r>
-              <a:rPr lang="hu-HU" smtClean="0"/>
-              <a:t>Második szint</a:t>
-            </a:r>
-          </a:p>
-          <a:p>
-            <a:pPr lvl="2"/>
-            <a:r>
-              <a:rPr lang="hu-HU" smtClean="0"/>
-              <a:t>Harmadik szint</a:t>
-            </a:r>
-          </a:p>
-          <a:p>
-            <a:pPr lvl="3"/>
-            <a:r>
-              <a:rPr lang="hu-HU" smtClean="0"/>
-              <a:t>Negyedik szint</a:t>
-            </a:r>
-          </a:p>
-          <a:p>
-            <a:pPr lvl="4"/>
-            <a:r>
-              <a:rPr lang="hu-HU" smtClean="0"/>
-              <a:t>Ötödik szint</a:t>
-            </a:r>
-            <a:endParaRPr lang="hu-HU"/>
-          </a:p>
-        </p:txBody>
-      </p:sp>
-      <p:sp>
-        <p:nvSpPr>
-          <p:cNvPr id="5" name="Dia számának helye 4"/>
-          <p:cNvSpPr>
-            <a:spLocks noGrp="1"/>
-          </p:cNvSpPr>
-          <p:nvPr>
-            <p:ph type="sldNum" sz="quarter" idx="10"/>
-          </p:nvPr>
-        </p:nvSpPr>
-        <p:spPr/>
-        <p:txBody>
-          <a:bodyPr/>
-          <a:lstStyle/>
-          <a:p>
-            <a:fld id="{198CDE6E-C629-43CC-9290-30D2F1110D4C}" type="slidenum">
-              <a:rPr lang="hu-HU" smtClean="0"/>
-              <a:pPr/>
-              <a:t>‹#›</a:t>
-            </a:fld>
-            <a:endParaRPr lang="hu-HU" dirty="0"/>
-          </a:p>
-        </p:txBody>
-      </p:sp>
-    </p:spTree>
-    <p:extLst>
-      <p:ext uri="{BB962C8B-B14F-4D97-AF65-F5344CB8AC3E}">
-        <p14:creationId xmlns:p14="http://schemas.microsoft.com/office/powerpoint/2010/main" val="2730459887"/>
-      </p:ext>
-    </p:extLst>
-  </p:cSld>
-  <p:clrMapOvr>
-    <a:masterClrMapping/>
-  </p:clrMapOvr>
-  <mc:AlternateContent xmlns:mc="http://schemas.openxmlformats.org/markup-compatibility/2006">
-    <mc:Choice xmlns:p14="http://schemas.microsoft.com/office/powerpoint/2010/main" Requires="p14">
-      <p:transition p14:dur="0" advClick="0"/>
-    </mc:Choice>
-    <mc:Fallback>
-      <p:transition advClick="0"/>
-    </mc:Fallback>
-  </mc:AlternateContent>
-  <p:timing>
-    <p:tnLst>
-      <p:par>
-        <p:cTn id="1" dur="indefinite" restart="never" nodeType="tmRoot"/>
-      </p:par>
-    </p:tnLst>
-  </p:timing>
-</p:sldLayout>
-</file>
-
-<file path=ppt/slideLayouts/slideLayout2.xml><?xml version="1.0" encoding="utf-8"?>
-<p:sldLayout xmlns:a="http://schemas.openxmlformats.org/drawingml/2006/main" xmlns:r="http://schemas.openxmlformats.org/officeDocument/2006/relationships" xmlns:p="http://schemas.openxmlformats.org/presentationml/2006/main" type="title" preserve="1">
-  <p:cSld name="Címdia (magyar)">
-    <p:spTree>
-      <p:nvGrpSpPr>
-        <p:cNvPr id="1" name=""/>
-        <p:cNvGrpSpPr/>
-        <p:nvPr/>
-      </p:nvGrpSpPr>
-      <p:grpSpPr>
-        <a:xfrm>
-          <a:off x="0" y="0"/>
-          <a:ext cx="0" cy="0"/>
-          <a:chOff x="0" y="0"/>
-          <a:chExt cx="0" cy="0"/>
-        </a:xfrm>
-      </p:grpSpPr>
-      <p:sp>
-        <p:nvSpPr>
-          <p:cNvPr id="4" name="Rectangle 9"/>
-          <p:cNvSpPr>
-            <a:spLocks noChangeArrowheads="1"/>
-          </p:cNvSpPr>
-          <p:nvPr/>
-        </p:nvSpPr>
-        <p:spPr bwMode="auto">
-          <a:xfrm>
-            <a:off x="0" y="6356350"/>
-            <a:ext cx="9144000" cy="501650"/>
-          </a:xfrm>
-          <a:prstGeom prst="rect">
-            <a:avLst/>
-          </a:prstGeom>
-          <a:solidFill>
-            <a:srgbClr val="762536"/>
-          </a:solidFill>
-          <a:ln w="12700">
-            <a:noFill/>
-            <a:miter lim="800000"/>
-            <a:headEnd/>
-            <a:tailEnd/>
-          </a:ln>
-          <a:effectLst/>
-        </p:spPr>
-        <p:txBody>
-          <a:bodyPr wrap="none" anchor="ctr"/>
-          <a:lstStyle/>
-          <a:p>
-            <a:pPr fontAlgn="auto">
-              <a:spcBef>
-                <a:spcPts val="0"/>
-              </a:spcBef>
-              <a:spcAft>
-                <a:spcPts val="0"/>
-              </a:spcAft>
-              <a:defRPr/>
-            </a:pPr>
-            <a:endParaRPr lang="hu-HU">
-              <a:latin typeface="+mn-lt"/>
-              <a:cs typeface="+mn-cs"/>
-            </a:endParaRPr>
-          </a:p>
-        </p:txBody>
-      </p:sp>
-      <p:sp>
-        <p:nvSpPr>
-          <p:cNvPr id="5" name="Text Box 10"/>
-          <p:cNvSpPr txBox="1">
-            <a:spLocks noChangeArrowheads="1"/>
-          </p:cNvSpPr>
-          <p:nvPr/>
-        </p:nvSpPr>
-        <p:spPr bwMode="auto">
-          <a:xfrm>
-            <a:off x="-17463" y="6413500"/>
-            <a:ext cx="3649663" cy="400110"/>
-          </a:xfrm>
-          <a:prstGeom prst="rect">
-            <a:avLst/>
-          </a:prstGeom>
-          <a:noFill/>
-          <a:ln w="12700" algn="ctr">
-            <a:noFill/>
-            <a:miter lim="800000"/>
-            <a:headEnd/>
-            <a:tailEnd/>
-          </a:ln>
-          <a:effectLst/>
-        </p:spPr>
-        <p:txBody>
-          <a:bodyPr>
-            <a:spAutoFit/>
-          </a:bodyPr>
-          <a:lstStyle/>
-          <a:p>
-            <a:pPr defTabSz="762000" fontAlgn="auto">
-              <a:spcBef>
-                <a:spcPts val="0"/>
-              </a:spcBef>
-              <a:spcAft>
-                <a:spcPts val="0"/>
-              </a:spcAft>
-              <a:defRPr/>
-            </a:pPr>
-            <a:r>
-              <a:rPr lang="hu-HU" sz="1000" b="1" dirty="0" smtClean="0">
-                <a:solidFill>
-                  <a:schemeClr val="bg1"/>
-                </a:solidFill>
-                <a:latin typeface="+mn-lt"/>
-                <a:cs typeface="+mn-cs"/>
-              </a:rPr>
-              <a:t>Budapesti Műszaki és Gazdaságtudományi Egyetem</a:t>
-            </a:r>
-          </a:p>
-          <a:p>
-            <a:pPr defTabSz="762000" fontAlgn="auto">
-              <a:spcBef>
-                <a:spcPts val="0"/>
-              </a:spcBef>
-              <a:spcAft>
-                <a:spcPts val="0"/>
-              </a:spcAft>
-              <a:defRPr/>
-            </a:pPr>
-            <a:r>
-              <a:rPr lang="hu-HU" sz="1000" b="1" dirty="0" smtClean="0">
-                <a:solidFill>
-                  <a:schemeClr val="bg1"/>
-                </a:solidFill>
-                <a:latin typeface="+mn-lt"/>
-                <a:cs typeface="+mn-cs"/>
-              </a:rPr>
-              <a:t>Méréstechnika és Információs Rendszerek Tanszék</a:t>
-            </a:r>
-          </a:p>
-        </p:txBody>
-      </p:sp>
-      <p:pic>
-        <p:nvPicPr>
-          <p:cNvPr id="7" name="Picture 2"/>
-          <p:cNvPicPr>
-            <a:picLocks noChangeAspect="1" noChangeArrowheads="1"/>
-          </p:cNvPicPr>
-          <p:nvPr/>
-        </p:nvPicPr>
-        <p:blipFill>
-          <a:blip r:embed="rId2"/>
-          <a:srcRect/>
-          <a:stretch>
-            <a:fillRect/>
-          </a:stretch>
-        </p:blipFill>
-        <p:spPr bwMode="auto">
-          <a:xfrm>
-            <a:off x="3571875" y="5572125"/>
-            <a:ext cx="1889125" cy="636588"/>
-          </a:xfrm>
-          <a:prstGeom prst="rect">
-            <a:avLst/>
-          </a:prstGeom>
-          <a:noFill/>
-          <a:ln w="9525">
-            <a:noFill/>
-            <a:miter lim="800000"/>
-            <a:headEnd/>
-            <a:tailEnd/>
-          </a:ln>
-        </p:spPr>
-      </p:pic>
-      <p:sp>
-        <p:nvSpPr>
-          <p:cNvPr id="8" name="Rectangle 20"/>
-          <p:cNvSpPr>
-            <a:spLocks noChangeArrowheads="1"/>
-          </p:cNvSpPr>
-          <p:nvPr/>
-        </p:nvSpPr>
-        <p:spPr bwMode="auto">
-          <a:xfrm>
-            <a:off x="0" y="0"/>
-            <a:ext cx="9144000" cy="501650"/>
-          </a:xfrm>
-          <a:prstGeom prst="rect">
-            <a:avLst/>
-          </a:prstGeom>
-          <a:solidFill>
-            <a:srgbClr val="762536"/>
-          </a:solidFill>
-          <a:ln w="12700">
-            <a:noFill/>
-            <a:miter lim="800000"/>
-            <a:headEnd/>
-            <a:tailEnd/>
-          </a:ln>
-          <a:effectLst/>
-        </p:spPr>
-        <p:txBody>
-          <a:bodyPr wrap="none" anchor="ctr"/>
-          <a:lstStyle/>
-          <a:p>
-            <a:pPr fontAlgn="auto">
-              <a:spcBef>
-                <a:spcPts val="0"/>
-              </a:spcBef>
-              <a:spcAft>
-                <a:spcPts val="0"/>
-              </a:spcAft>
-              <a:defRPr/>
-            </a:pPr>
-            <a:endParaRPr lang="hu-HU">
-              <a:latin typeface="+mn-lt"/>
-              <a:cs typeface="+mn-cs"/>
-            </a:endParaRPr>
-          </a:p>
-        </p:txBody>
-      </p:sp>
-      <p:sp>
-        <p:nvSpPr>
-          <p:cNvPr id="2" name="Cím 1"/>
-          <p:cNvSpPr>
-            <a:spLocks noGrp="1"/>
-          </p:cNvSpPr>
-          <p:nvPr>
-            <p:ph type="ctrTitle"/>
-          </p:nvPr>
-        </p:nvSpPr>
-        <p:spPr>
-          <a:xfrm>
-            <a:off x="685800" y="1374767"/>
-            <a:ext cx="7772400" cy="1470025"/>
-          </a:xfrm>
-        </p:spPr>
-        <p:txBody>
-          <a:bodyPr/>
-          <a:lstStyle/>
-          <a:p>
-            <a:r>
-              <a:rPr lang="hu-HU" smtClean="0"/>
-              <a:t>Mintacím szerkesztése</a:t>
-            </a:r>
-            <a:endParaRPr lang="hu-HU" dirty="0"/>
-          </a:p>
-        </p:txBody>
-      </p:sp>
-      <p:sp>
-        <p:nvSpPr>
-          <p:cNvPr id="3" name="Alcím 2"/>
-          <p:cNvSpPr>
-            <a:spLocks noGrp="1"/>
-          </p:cNvSpPr>
-          <p:nvPr>
-            <p:ph type="subTitle" idx="1"/>
-          </p:nvPr>
-        </p:nvSpPr>
-        <p:spPr>
-          <a:xfrm>
-            <a:off x="1371600" y="3246435"/>
-            <a:ext cx="6400800" cy="1277955"/>
-          </a:xfrm>
-        </p:spPr>
-        <p:txBody>
-          <a:bodyPr/>
-          <a:lstStyle>
-            <a:lvl1pPr marL="0" indent="0" algn="ctr">
-              <a:buNone/>
-              <a:defRPr>
-                <a:solidFill>
-                  <a:schemeClr val="tx1"/>
-                </a:solidFill>
-              </a:defRPr>
-            </a:lvl1pPr>
-            <a:lvl2pPr marL="457200" indent="0" algn="ctr">
-              <a:buNone/>
-              <a:defRPr>
-                <a:solidFill>
-                  <a:schemeClr val="tx1">
-                    <a:tint val="75000"/>
-                  </a:schemeClr>
-                </a:solidFill>
-              </a:defRPr>
-            </a:lvl2pPr>
-            <a:lvl3pPr marL="914400" indent="0" algn="ctr">
-              <a:buNone/>
-              <a:defRPr>
-                <a:solidFill>
-                  <a:schemeClr val="tx1">
-                    <a:tint val="75000"/>
-                  </a:schemeClr>
-                </a:solidFill>
-              </a:defRPr>
-            </a:lvl3pPr>
-            <a:lvl4pPr marL="1371600" indent="0" algn="ctr">
-              <a:buNone/>
-              <a:defRPr>
-                <a:solidFill>
-                  <a:schemeClr val="tx1">
-                    <a:tint val="75000"/>
-                  </a:schemeClr>
-                </a:solidFill>
-              </a:defRPr>
-            </a:lvl4pPr>
-            <a:lvl5pPr marL="1828800" indent="0" algn="ctr">
-              <a:buNone/>
-              <a:defRPr>
-                <a:solidFill>
-                  <a:schemeClr val="tx1">
-                    <a:tint val="75000"/>
-                  </a:schemeClr>
-                </a:solidFill>
-              </a:defRPr>
-            </a:lvl5pPr>
-            <a:lvl6pPr marL="2286000" indent="0" algn="ctr">
-              <a:buNone/>
-              <a:defRPr>
-                <a:solidFill>
-                  <a:schemeClr val="tx1">
-                    <a:tint val="75000"/>
-                  </a:schemeClr>
-                </a:solidFill>
-              </a:defRPr>
-            </a:lvl6pPr>
-            <a:lvl7pPr marL="2743200" indent="0" algn="ctr">
-              <a:buNone/>
-              <a:defRPr>
-                <a:solidFill>
-                  <a:schemeClr val="tx1">
-                    <a:tint val="75000"/>
-                  </a:schemeClr>
-                </a:solidFill>
-              </a:defRPr>
-            </a:lvl7pPr>
-            <a:lvl8pPr marL="3200400" indent="0" algn="ctr">
-              <a:buNone/>
-              <a:defRPr>
-                <a:solidFill>
-                  <a:schemeClr val="tx1">
-                    <a:tint val="75000"/>
-                  </a:schemeClr>
-                </a:solidFill>
-              </a:defRPr>
-            </a:lvl8pPr>
-            <a:lvl9pPr marL="3657600" indent="0" algn="ctr">
-              <a:buNone/>
-              <a:defRPr>
-                <a:solidFill>
-                  <a:schemeClr val="tx1">
-                    <a:tint val="75000"/>
-                  </a:schemeClr>
-                </a:solidFill>
-              </a:defRPr>
-            </a:lvl9pPr>
-          </a:lstStyle>
-          <a:p>
-            <a:r>
-              <a:rPr lang="hu-HU" smtClean="0"/>
-              <a:t>Alcím mintájának szerkesztése</a:t>
-            </a:r>
-            <a:endParaRPr lang="hu-HU" dirty="0"/>
-          </a:p>
-        </p:txBody>
-      </p:sp>
-      <p:pic>
-        <p:nvPicPr>
-          <p:cNvPr id="11" name="Kép 10"/>
-          <p:cNvPicPr>
-            <a:picLocks noChangeAspect="1"/>
-          </p:cNvPicPr>
-          <p:nvPr userDrawn="1"/>
-        </p:nvPicPr>
-        <p:blipFill>
-          <a:blip r:embed="rId3">
-            <a:extLst>
-              <a:ext uri="{28A0092B-C50C-407E-A947-70E740481C1C}">
-                <a14:useLocalDpi xmlns:a14="http://schemas.microsoft.com/office/drawing/2010/main" val="0"/>
-              </a:ext>
-            </a:extLst>
-          </a:blip>
-          <a:stretch>
-            <a:fillRect/>
-          </a:stretch>
-        </p:blipFill>
-        <p:spPr>
-          <a:xfrm>
-            <a:off x="7506891" y="6365876"/>
-            <a:ext cx="1597819" cy="448257"/>
-          </a:xfrm>
-          <a:prstGeom prst="rect">
-            <a:avLst/>
-          </a:prstGeom>
-        </p:spPr>
-      </p:pic>
-      <p:sp>
-        <p:nvSpPr>
-          <p:cNvPr id="10" name="Text Box 10"/>
-          <p:cNvSpPr txBox="1">
-            <a:spLocks noChangeArrowheads="1"/>
-          </p:cNvSpPr>
-          <p:nvPr userDrawn="1"/>
-        </p:nvSpPr>
-        <p:spPr bwMode="auto">
-          <a:xfrm>
-            <a:off x="1000125" y="4725145"/>
-            <a:ext cx="7143750" cy="830997"/>
-          </a:xfrm>
-          <a:prstGeom prst="rect">
-            <a:avLst/>
-          </a:prstGeom>
-          <a:noFill/>
-          <a:ln w="12700" algn="ctr">
-            <a:noFill/>
-            <a:miter lim="800000"/>
-            <a:headEnd/>
-            <a:tailEnd/>
-          </a:ln>
-          <a:effectLst/>
-        </p:spPr>
-        <p:txBody>
-          <a:bodyPr wrap="square">
-            <a:spAutoFit/>
-          </a:bodyPr>
-          <a:lstStyle/>
-          <a:p>
-            <a:pPr algn="ctr" defTabSz="762000" fontAlgn="auto">
-              <a:spcBef>
-                <a:spcPts val="0"/>
-              </a:spcBef>
-              <a:spcAft>
-                <a:spcPts val="0"/>
-              </a:spcAft>
-              <a:defRPr/>
-            </a:pPr>
-            <a:r>
-              <a:rPr lang="hu-HU" sz="2400" b="1" dirty="0" smtClean="0">
-                <a:latin typeface="+mn-lt"/>
-                <a:cs typeface="+mn-cs"/>
-              </a:rPr>
-              <a:t>Budapesti Műszaki és Gazdaságtudományi Egyetem</a:t>
-            </a:r>
-          </a:p>
-          <a:p>
-            <a:pPr algn="ctr" defTabSz="762000" fontAlgn="auto">
-              <a:spcBef>
-                <a:spcPts val="0"/>
-              </a:spcBef>
-              <a:spcAft>
-                <a:spcPts val="0"/>
-              </a:spcAft>
-              <a:defRPr/>
-            </a:pPr>
-            <a:r>
-              <a:rPr lang="hu-HU" sz="2400" b="1" dirty="0" smtClean="0">
-                <a:latin typeface="+mn-lt"/>
-                <a:cs typeface="+mn-cs"/>
-              </a:rPr>
-              <a:t>Hibatűrő Rendszerek Kutatócsoport</a:t>
-            </a:r>
-            <a:endParaRPr lang="en-US" sz="2400" b="1" dirty="0">
-              <a:latin typeface="+mn-lt"/>
-              <a:cs typeface="+mn-cs"/>
-            </a:endParaRPr>
-          </a:p>
-        </p:txBody>
-      </p:sp>
-      <p:sp>
-        <p:nvSpPr>
-          <p:cNvPr id="6" name="Dia számának helye 5"/>
-          <p:cNvSpPr>
-            <a:spLocks noGrp="1"/>
-          </p:cNvSpPr>
-          <p:nvPr>
-            <p:ph type="sldNum" sz="quarter" idx="10"/>
-          </p:nvPr>
-        </p:nvSpPr>
-        <p:spPr/>
-        <p:txBody>
-          <a:bodyPr/>
-          <a:lstStyle/>
-          <a:p>
-            <a:fld id="{A7C85712-A09B-4560-9D1E-08050AA835BB}" type="slidenum">
-              <a:rPr lang="hu-HU" smtClean="0"/>
-              <a:pPr/>
-              <a:t>‹#›</a:t>
-            </a:fld>
-            <a:endParaRPr lang="hu-HU" dirty="0"/>
-          </a:p>
-        </p:txBody>
-      </p:sp>
-    </p:spTree>
-    <p:extLst>
-      <p:ext uri="{BB962C8B-B14F-4D97-AF65-F5344CB8AC3E}">
-        <p14:creationId xmlns:p14="http://schemas.microsoft.com/office/powerpoint/2010/main" val="172780035"/>
-      </p:ext>
-    </p:extLst>
-  </p:cSld>
-  <p:clrMapOvr>
-    <a:masterClrMapping/>
-  </p:clrMapOvr>
-  <mc:AlternateContent xmlns:mc="http://schemas.openxmlformats.org/markup-compatibility/2006">
-    <mc:Choice xmlns:p14="http://schemas.microsoft.com/office/powerpoint/2010/main" Requires="p14">
-      <p:transition p14:dur="0" advClick="0"/>
-    </mc:Choice>
-    <mc:Fallback>
-      <p:transition advClick="0"/>
-    </mc:Fallback>
-  </mc:AlternateContent>
-  <p:timing>
-    <p:tnLst>
-      <p:par>
-        <p:cTn id="1" dur="indefinite" restart="never" nodeType="tmRoot"/>
-      </p:par>
-    </p:tnLst>
-  </p:timing>
-</p:sldLayout>
-</file>
-
-<file path=ppt/slideLayouts/slideLayout3.xml><?xml version="1.0" encoding="utf-8"?>
-<p:sldLayout xmlns:a="http://schemas.openxmlformats.org/drawingml/2006/main" xmlns:r="http://schemas.openxmlformats.org/officeDocument/2006/relationships" xmlns:p="http://schemas.openxmlformats.org/presentationml/2006/main" type="obj" preserve="1">
-  <p:cSld name="Cím és tartalom">
-    <p:bg>
-      <p:bgPr>
-        <a:solidFill>
-          <a:schemeClr val="bg1"/>
-        </a:solidFill>
-        <a:effectLst/>
-      </p:bgPr>
-    </p:bg>
-    <p:spTree>
-      <p:nvGrpSpPr>
-        <p:cNvPr id="1" name=""/>
-        <p:cNvGrpSpPr/>
-        <p:nvPr/>
-      </p:nvGrpSpPr>
-      <p:grpSpPr>
-        <a:xfrm>
-          <a:off x="0" y="0"/>
-          <a:ext cx="0" cy="0"/>
-          <a:chOff x="0" y="0"/>
-          <a:chExt cx="0" cy="0"/>
-        </a:xfrm>
-      </p:grpSpPr>
-      <p:sp>
-        <p:nvSpPr>
-          <p:cNvPr id="2" name="Cím 1"/>
-          <p:cNvSpPr>
-            <a:spLocks noGrp="1"/>
-          </p:cNvSpPr>
-          <p:nvPr>
-            <p:ph type="title"/>
-          </p:nvPr>
-        </p:nvSpPr>
-        <p:spPr/>
-        <p:txBody>
-          <a:bodyPr/>
-          <a:lstStyle/>
-          <a:p>
-            <a:r>
-              <a:rPr lang="hu-HU" smtClean="0"/>
-              <a:t>Mintacím szerkesztése</a:t>
-            </a:r>
-            <a:endParaRPr lang="hu-HU"/>
-          </a:p>
-        </p:txBody>
-      </p:sp>
-      <p:sp>
-        <p:nvSpPr>
-          <p:cNvPr id="3" name="Tartalom helye 2"/>
-          <p:cNvSpPr>
-            <a:spLocks noGrp="1"/>
-          </p:cNvSpPr>
-          <p:nvPr>
-            <p:ph idx="1"/>
-          </p:nvPr>
-        </p:nvSpPr>
-        <p:spPr/>
-        <p:txBody>
-          <a:bodyPr/>
-          <a:lstStyle/>
-          <a:p>
-            <a:pPr lvl="0"/>
-            <a:r>
-              <a:rPr lang="hu-HU" dirty="0" smtClean="0"/>
-              <a:t>Mintaszöveg szerkesztése</a:t>
-            </a:r>
-          </a:p>
-          <a:p>
-            <a:pPr lvl="1"/>
-            <a:r>
-              <a:rPr lang="hu-HU" dirty="0" smtClean="0"/>
-              <a:t>Második szint</a:t>
-            </a:r>
-          </a:p>
-          <a:p>
-            <a:pPr lvl="2"/>
-            <a:r>
-              <a:rPr lang="hu-HU" dirty="0" smtClean="0"/>
-              <a:t>Harmadik szint</a:t>
-            </a:r>
-          </a:p>
-          <a:p>
-            <a:pPr lvl="3"/>
-            <a:r>
-              <a:rPr lang="hu-HU" dirty="0" smtClean="0"/>
-              <a:t>Negyedik szint</a:t>
-            </a:r>
-          </a:p>
-          <a:p>
-            <a:pPr lvl="4"/>
-            <a:r>
-              <a:rPr lang="hu-HU" dirty="0" smtClean="0"/>
-              <a:t>Ötödik szint</a:t>
-            </a:r>
-            <a:endParaRPr lang="hu-HU" dirty="0"/>
-          </a:p>
-        </p:txBody>
-      </p:sp>
-      <p:sp>
-        <p:nvSpPr>
-          <p:cNvPr id="4" name="Dia számának helye 3"/>
-          <p:cNvSpPr>
-            <a:spLocks noGrp="1"/>
-          </p:cNvSpPr>
-          <p:nvPr>
-            <p:ph type="sldNum" sz="quarter" idx="10"/>
-          </p:nvPr>
-        </p:nvSpPr>
-        <p:spPr/>
-        <p:txBody>
-          <a:bodyPr/>
-          <a:lstStyle/>
-          <a:p>
-            <a:fld id="{A7C85712-A09B-4560-9D1E-08050AA835BB}" type="slidenum">
-              <a:rPr lang="hu-HU" smtClean="0"/>
-              <a:pPr/>
-              <a:t>‹#›</a:t>
-            </a:fld>
-            <a:endParaRPr lang="hu-HU" dirty="0"/>
-          </a:p>
-        </p:txBody>
-      </p:sp>
-    </p:spTree>
-  </p:cSld>
-  <p:clrMapOvr>
-    <a:masterClrMapping/>
-  </p:clrMapOvr>
-  <mc:AlternateContent xmlns:mc="http://schemas.openxmlformats.org/markup-compatibility/2006">
-    <mc:Choice xmlns:p14="http://schemas.microsoft.com/office/powerpoint/2010/main" Requires="p14">
-      <p:transition p14:dur="0" advClick="0"/>
-    </mc:Choice>
-    <mc:Fallback>
-      <p:transition advClick="0"/>
-    </mc:Fallback>
-  </mc:AlternateContent>
-  <p:timing>
-    <p:tnLst>
-      <p:par>
-        <p:cTn id="1" dur="indefinite" restart="never" nodeType="tmRoot"/>
-      </p:par>
-    </p:tnLst>
-  </p:timing>
-</p:sldLayout>
-</file>
-
-<file path=ppt/slideLayouts/slideLayout4.xml><?xml version="1.0" encoding="utf-8"?>
 <p:sldLayout xmlns:a="http://schemas.openxmlformats.org/drawingml/2006/main" xmlns:r="http://schemas.openxmlformats.org/officeDocument/2006/relationships" xmlns:p="http://schemas.openxmlformats.org/presentationml/2006/main" type="secHead" preserve="1">
   <p:cSld name="Szakaszfejléc">
     <p:spTree>
@@ -2443,7 +1521,7 @@
           <a:bodyPr/>
           <a:lstStyle/>
           <a:p>
-            <a:fld id="{A7C85712-A09B-4560-9D1E-08050AA835BB}" type="slidenum">
+            <a:fld id="{198CDE6E-C629-43CC-9290-30D2F1110D4C}" type="slidenum">
               <a:rPr lang="hu-HU" smtClean="0"/>
               <a:pPr/>
               <a:t>‹#›</a:t>
@@ -2453,15 +1531,20 @@
         </p:txBody>
       </p:sp>
     </p:spTree>
+    <p:extLst>
+      <p:ext uri="{BB962C8B-B14F-4D97-AF65-F5344CB8AC3E}">
+        <p14:creationId xmlns:p14="http://schemas.microsoft.com/office/powerpoint/2010/main" val="1827891253"/>
+      </p:ext>
+    </p:extLst>
   </p:cSld>
   <p:clrMapOvr>
     <a:masterClrMapping/>
   </p:clrMapOvr>
-  <mc:AlternateContent xmlns:mc="http://schemas.openxmlformats.org/markup-compatibility/2006">
-    <mc:Choice xmlns:p14="http://schemas.microsoft.com/office/powerpoint/2010/main" Requires="p14">
+  <mc:AlternateContent xmlns:mc="http://schemas.openxmlformats.org/markup-compatibility/2006" xmlns:p14="http://schemas.microsoft.com/office/powerpoint/2010/main">
+    <mc:Choice Requires="p14">
       <p:transition p14:dur="0" advClick="0"/>
     </mc:Choice>
-    <mc:Fallback>
+    <mc:Fallback xmlns="">
       <p:transition advClick="0"/>
     </mc:Fallback>
   </mc:AlternateContent>
@@ -2475,7 +1558,7 @@
 </p:sldLayout>
 </file>
 
-<file path=ppt/slideLayouts/slideLayout5.xml><?xml version="1.0" encoding="utf-8"?>
+<file path=ppt/slideLayouts/slideLayout11.xml><?xml version="1.0" encoding="utf-8"?>
 <p:sldLayout xmlns:a="http://schemas.openxmlformats.org/drawingml/2006/main" xmlns:r="http://schemas.openxmlformats.org/officeDocument/2006/relationships" xmlns:p="http://schemas.openxmlformats.org/presentationml/2006/main" type="twoObj" preserve="1">
   <p:cSld name="2 tartalomrész">
     <p:spTree>
@@ -2700,7 +1783,7 @@
           <a:bodyPr/>
           <a:lstStyle/>
           <a:p>
-            <a:fld id="{A7C85712-A09B-4560-9D1E-08050AA835BB}" type="slidenum">
+            <a:fld id="{198CDE6E-C629-43CC-9290-30D2F1110D4C}" type="slidenum">
               <a:rPr lang="hu-HU" smtClean="0"/>
               <a:pPr/>
               <a:t>‹#›</a:t>
@@ -2710,15 +1793,20 @@
         </p:txBody>
       </p:sp>
     </p:spTree>
+    <p:extLst>
+      <p:ext uri="{BB962C8B-B14F-4D97-AF65-F5344CB8AC3E}">
+        <p14:creationId xmlns:p14="http://schemas.microsoft.com/office/powerpoint/2010/main" val="2730459887"/>
+      </p:ext>
+    </p:extLst>
   </p:cSld>
   <p:clrMapOvr>
     <a:masterClrMapping/>
   </p:clrMapOvr>
-  <mc:AlternateContent xmlns:mc="http://schemas.openxmlformats.org/markup-compatibility/2006">
-    <mc:Choice xmlns:p14="http://schemas.microsoft.com/office/powerpoint/2010/main" Requires="p14">
+  <mc:AlternateContent xmlns:mc="http://schemas.openxmlformats.org/markup-compatibility/2006" xmlns:p14="http://schemas.microsoft.com/office/powerpoint/2010/main">
+    <mc:Choice Requires="p14">
       <p:transition p14:dur="0" advClick="0"/>
     </mc:Choice>
-    <mc:Fallback>
+    <mc:Fallback xmlns="">
       <p:transition advClick="0"/>
     </mc:Fallback>
   </mc:AlternateContent>
@@ -2732,9 +1820,9 @@
 </p:sldLayout>
 </file>
 
-<file path=ppt/slideLayouts/slideLayout6.xml><?xml version="1.0" encoding="utf-8"?>
+<file path=ppt/slideLayouts/slideLayout2.xml><?xml version="1.0" encoding="utf-8"?>
 <p:sldLayout xmlns:a="http://schemas.openxmlformats.org/drawingml/2006/main" xmlns:r="http://schemas.openxmlformats.org/officeDocument/2006/relationships" xmlns:p="http://schemas.openxmlformats.org/presentationml/2006/main" type="title" preserve="1">
-  <p:cSld name="Címdia (angol)">
+  <p:cSld name="Címdia (magyar)">
     <p:spTree>
       <p:nvGrpSpPr>
         <p:cNvPr id="1" name=""/>
@@ -2766,12 +1854,10 @@
             <a:avLst/>
           </a:prstGeom>
           <a:solidFill>
-            <a:schemeClr val="bg1"/>
+            <a:srgbClr val="762536"/>
           </a:solidFill>
           <a:ln w="12700">
-            <a:solidFill>
-              <a:schemeClr val="tx1"/>
-            </a:solidFill>
+            <a:noFill/>
             <a:miter lim="800000"/>
             <a:headEnd/>
             <a:tailEnd/>
@@ -2841,7 +1927,7 @@
             <a:r>
               <a:rPr lang="hu-HU" sz="1000" b="1" dirty="0" smtClean="0">
                 <a:solidFill>
-                  <a:schemeClr val="tx1"/>
+                  <a:schemeClr val="bg1"/>
                 </a:solidFill>
                 <a:latin typeface="+mn-lt"/>
                 <a:cs typeface="+mn-cs"/>
@@ -2862,7 +1948,7 @@
             <a:r>
               <a:rPr lang="hu-HU" sz="1000" b="1" dirty="0" smtClean="0">
                 <a:solidFill>
-                  <a:schemeClr val="tx1"/>
+                  <a:schemeClr val="bg1"/>
                 </a:solidFill>
                 <a:latin typeface="+mn-lt"/>
                 <a:cs typeface="+mn-cs"/>
@@ -2872,6 +1958,38 @@
           </a:p>
         </p:txBody>
       </p:sp>
+      <p:pic>
+        <p:nvPicPr>
+          <p:cNvPr id="7" name="Picture 2"/>
+          <p:cNvPicPr>
+            <a:picLocks noChangeAspect="1" noChangeArrowheads="1"/>
+          </p:cNvPicPr>
+          <p:nvPr/>
+        </p:nvPicPr>
+        <p:blipFill>
+          <a:blip r:embed="rId2"/>
+          <a:srcRect/>
+          <a:stretch>
+            <a:fillRect/>
+          </a:stretch>
+        </p:blipFill>
+        <p:spPr bwMode="auto">
+          <a:xfrm>
+            <a:off x="3571875" y="5572125"/>
+            <a:ext cx="1889125" cy="636588"/>
+          </a:xfrm>
+          <a:prstGeom prst="rect">
+            <a:avLst/>
+          </a:prstGeom>
+          <a:noFill/>
+          <a:ln w="9525">
+            <a:noFill/>
+            <a:miter lim="800000"/>
+            <a:headEnd/>
+            <a:tailEnd/>
+          </a:ln>
+        </p:spPr>
+      </p:pic>
       <p:sp>
         <p:nvSpPr>
           <p:cNvPr id="8" name="Rectangle 20"/>
@@ -2888,11 +2006,11 @@
           <a:prstGeom prst="rect">
             <a:avLst/>
           </a:prstGeom>
-          <a:noFill/>
+          <a:solidFill>
+            <a:srgbClr val="762536"/>
+          </a:solidFill>
           <a:ln w="12700">
-            <a:solidFill>
-              <a:schemeClr val="tx1"/>
-            </a:solidFill>
+            <a:noFill/>
             <a:miter lim="800000"/>
             <a:headEnd/>
             <a:tailEnd/>
@@ -3064,6 +2182,36 @@
           </a:p>
         </p:txBody>
       </p:sp>
+      <p:pic>
+        <p:nvPicPr>
+          <p:cNvPr id="11" name="Kép 10"/>
+          <p:cNvPicPr>
+            <a:picLocks noChangeAspect="1"/>
+          </p:cNvPicPr>
+          <p:nvPr userDrawn="1"/>
+        </p:nvPicPr>
+        <p:blipFill>
+          <a:blip r:embed="rId3">
+            <a:extLst>
+              <a:ext uri="{28A0092B-C50C-407E-A947-70E740481C1C}">
+                <a14:useLocalDpi xmlns:a14="http://schemas.microsoft.com/office/drawing/2010/main" val="0"/>
+              </a:ext>
+            </a:extLst>
+          </a:blip>
+          <a:stretch>
+            <a:fillRect/>
+          </a:stretch>
+        </p:blipFill>
+        <p:spPr>
+          <a:xfrm>
+            <a:off x="7506891" y="6365876"/>
+            <a:ext cx="1597819" cy="448257"/>
+          </a:xfrm>
+          <a:prstGeom prst="rect">
+            <a:avLst/>
+          </a:prstGeom>
+        </p:spPr>
+      </p:pic>
       <p:sp>
         <p:nvSpPr>
           <p:cNvPr id="10" name="Text Box 10"/>
@@ -3105,59 +2253,29 @@
               <a:defRPr/>
             </a:pPr>
             <a:r>
-              <a:rPr lang="hu-HU" sz="2400" b="1" dirty="0">
-                <a:latin typeface="+mn-lt"/>
-                <a:cs typeface="+mn-cs"/>
-              </a:rPr>
-              <a:t>Budapest University of </a:t>
-            </a:r>
-            <a:r>
-              <a:rPr lang="en-US" sz="2400" b="1" dirty="0">
-                <a:latin typeface="+mn-lt"/>
-                <a:cs typeface="+mn-cs"/>
-              </a:rPr>
-              <a:t>Technology</a:t>
-            </a:r>
-            <a:r>
-              <a:rPr lang="hu-HU" sz="2400" b="1" dirty="0">
-                <a:latin typeface="+mn-lt"/>
-                <a:cs typeface="+mn-cs"/>
-              </a:rPr>
-              <a:t> and </a:t>
-            </a:r>
-            <a:r>
-              <a:rPr lang="en-US" sz="2400" b="1" dirty="0" smtClean="0">
-                <a:latin typeface="+mn-lt"/>
-                <a:cs typeface="+mn-cs"/>
-              </a:rPr>
-              <a:t>Economics</a:t>
-            </a:r>
-            <a:r>
               <a:rPr lang="hu-HU" sz="2400" b="1" dirty="0" smtClean="0">
                 <a:latin typeface="+mn-lt"/>
                 <a:cs typeface="+mn-cs"/>
               </a:rPr>
-              <a:t/>
-            </a:r>
-            <a:br>
+              <a:t>Budapesti Műszaki és Gazdaságtudományi Egyetem</a:t>
+            </a:r>
+          </a:p>
+          <a:p>
+            <a:pPr algn="ctr" defTabSz="762000" fontAlgn="auto">
+              <a:spcBef>
+                <a:spcPts val="0"/>
+              </a:spcBef>
+              <a:spcAft>
+                <a:spcPts val="0"/>
+              </a:spcAft>
+              <a:defRPr/>
+            </a:pPr>
+            <a:r>
               <a:rPr lang="hu-HU" sz="2400" b="1" dirty="0" smtClean="0">
                 <a:latin typeface="+mn-lt"/>
                 <a:cs typeface="+mn-cs"/>
               </a:rPr>
-            </a:br>
-            <a:r>
-              <a:rPr lang="hu-HU" sz="2400" b="1" dirty="0" smtClean="0">
-                <a:latin typeface="+mn-lt"/>
-                <a:cs typeface="+mn-cs"/>
-              </a:rPr>
-              <a:t>Fault</a:t>
-            </a:r>
-            <a:r>
-              <a:rPr lang="hu-HU" sz="2400" b="1" baseline="0" dirty="0" smtClean="0">
-                <a:latin typeface="+mn-lt"/>
-                <a:cs typeface="+mn-cs"/>
-              </a:rPr>
-              <a:t> Tolerant Systems Research Group</a:t>
+              <a:t>Hibatűrő Rendszerek Kutatócsoport</a:t>
             </a:r>
             <a:endParaRPr lang="en-US" sz="2400" b="1" dirty="0">
               <a:latin typeface="+mn-lt"/>
@@ -3166,40 +2284,6 @@
           </a:p>
         </p:txBody>
       </p:sp>
-      <p:pic>
-        <p:nvPicPr>
-          <p:cNvPr id="18" name="Kép 17"/>
-          <p:cNvPicPr>
-            <a:picLocks noChangeAspect="1"/>
-          </p:cNvPicPr>
-          <p:nvPr userDrawn="1"/>
-        </p:nvPicPr>
-        <p:blipFill>
-          <a:blip r:embed="rId2">
-            <a:extLst>
-              <a:ext uri="{28A0092B-C50C-407E-A947-70E740481C1C}">
-                <a14:useLocalDpi xmlns:a14="http://schemas.microsoft.com/office/drawing/2010/main" val="0"/>
-              </a:ext>
-            </a:extLst>
-          </a:blip>
-          <a:stretch>
-            <a:fillRect/>
-          </a:stretch>
-        </p:blipFill>
-        <p:spPr>
-          <a:xfrm>
-            <a:off x="3576997" y="5572835"/>
-            <a:ext cx="1890000" cy="632812"/>
-          </a:xfrm>
-          <a:prstGeom prst="rect">
-            <a:avLst/>
-          </a:prstGeom>
-          <a:noFill/>
-          <a:ln>
-            <a:noFill/>
-          </a:ln>
-        </p:spPr>
-      </p:pic>
       <p:sp>
         <p:nvSpPr>
           <p:cNvPr id="6" name="Dia számának helye 5"/>
@@ -3215,7 +2299,7 @@
           <a:bodyPr/>
           <a:lstStyle/>
           <a:p>
-            <a:fld id="{198CDE6E-C629-43CC-9290-30D2F1110D4C}" type="slidenum">
+            <a:fld id="{A7C85712-A09B-4560-9D1E-08050AA835BB}" type="slidenum">
               <a:rPr lang="hu-HU" smtClean="0"/>
               <a:pPr/>
               <a:t>‹#›</a:t>
@@ -3224,61 +2308,21 @@
           </a:p>
         </p:txBody>
       </p:sp>
-      <p:pic>
-        <p:nvPicPr>
-          <p:cNvPr id="1026" name="Picture 2"/>
-          <p:cNvPicPr>
-            <a:picLocks noChangeAspect="1" noChangeArrowheads="1"/>
-          </p:cNvPicPr>
-          <p:nvPr userDrawn="1"/>
-        </p:nvPicPr>
-        <p:blipFill>
-          <a:blip r:embed="rId3">
-            <a:extLst>
-              <a:ext uri="{28A0092B-C50C-407E-A947-70E740481C1C}">
-                <a14:useLocalDpi xmlns:a14="http://schemas.microsoft.com/office/drawing/2010/main" val="0"/>
-              </a:ext>
-            </a:extLst>
-          </a:blip>
-          <a:stretch>
-            <a:fillRect/>
-          </a:stretch>
-        </p:blipFill>
-        <p:spPr bwMode="auto">
-          <a:xfrm>
-            <a:off x="7506000" y="6401934"/>
-            <a:ext cx="1604967" cy="428739"/>
-          </a:xfrm>
-          <a:prstGeom prst="rect">
-            <a:avLst/>
-          </a:prstGeom>
-          <a:noFill/>
-          <a:extLst>
-            <a:ext uri="{909E8E84-426E-40DD-AFC4-6F175D3DCCD1}">
-              <a14:hiddenFill xmlns:a14="http://schemas.microsoft.com/office/drawing/2010/main">
-                <a:solidFill>
-                  <a:srgbClr val="FFFFFF"/>
-                </a:solidFill>
-              </a14:hiddenFill>
-            </a:ext>
-          </a:extLst>
-        </p:spPr>
-      </p:pic>
     </p:spTree>
     <p:extLst>
       <p:ext uri="{BB962C8B-B14F-4D97-AF65-F5344CB8AC3E}">
-        <p14:creationId xmlns:p14="http://schemas.microsoft.com/office/powerpoint/2010/main" val="1348005940"/>
+        <p14:creationId xmlns:p14="http://schemas.microsoft.com/office/powerpoint/2010/main" val="172780035"/>
       </p:ext>
     </p:extLst>
   </p:cSld>
   <p:clrMapOvr>
     <a:masterClrMapping/>
   </p:clrMapOvr>
-  <mc:AlternateContent xmlns:mc="http://schemas.openxmlformats.org/markup-compatibility/2006">
-    <mc:Choice xmlns:p14="http://schemas.microsoft.com/office/powerpoint/2010/main" Requires="p14">
+  <mc:AlternateContent xmlns:mc="http://schemas.openxmlformats.org/markup-compatibility/2006" xmlns:p14="http://schemas.microsoft.com/office/powerpoint/2010/main">
+    <mc:Choice Requires="p14">
       <p:transition p14:dur="0" advClick="0"/>
     </mc:Choice>
-    <mc:Fallback>
+    <mc:Fallback xmlns="">
       <p:transition advClick="0"/>
     </mc:Fallback>
   </mc:AlternateContent>
@@ -3292,552 +2336,7 @@
 </p:sldLayout>
 </file>
 
-<file path=ppt/slideLayouts/slideLayout7.xml><?xml version="1.0" encoding="utf-8"?>
-<p:sldLayout xmlns:a="http://schemas.openxmlformats.org/drawingml/2006/main" xmlns:r="http://schemas.openxmlformats.org/officeDocument/2006/relationships" xmlns:p="http://schemas.openxmlformats.org/presentationml/2006/main" type="title" preserve="1">
-  <p:cSld name="Címdia (magyar)">
-    <p:spTree>
-      <p:nvGrpSpPr>
-        <p:cNvPr id="1" name=""/>
-        <p:cNvGrpSpPr/>
-        <p:nvPr/>
-      </p:nvGrpSpPr>
-      <p:grpSpPr>
-        <a:xfrm>
-          <a:off x="0" y="0"/>
-          <a:ext cx="0" cy="0"/>
-          <a:chOff x="0" y="0"/>
-          <a:chExt cx="0" cy="0"/>
-        </a:xfrm>
-      </p:grpSpPr>
-      <p:sp>
-        <p:nvSpPr>
-          <p:cNvPr id="4" name="Rectangle 9"/>
-          <p:cNvSpPr>
-            <a:spLocks noChangeArrowheads="1"/>
-          </p:cNvSpPr>
-          <p:nvPr/>
-        </p:nvSpPr>
-        <p:spPr bwMode="auto">
-          <a:xfrm>
-            <a:off x="0" y="6356350"/>
-            <a:ext cx="9144000" cy="501650"/>
-          </a:xfrm>
-          <a:prstGeom prst="rect">
-            <a:avLst/>
-          </a:prstGeom>
-          <a:solidFill>
-            <a:schemeClr val="bg1"/>
-          </a:solidFill>
-          <a:ln w="12700">
-            <a:solidFill>
-              <a:schemeClr val="tx1"/>
-            </a:solidFill>
-            <a:miter lim="800000"/>
-            <a:headEnd/>
-            <a:tailEnd/>
-          </a:ln>
-          <a:effectLst/>
-        </p:spPr>
-        <p:txBody>
-          <a:bodyPr wrap="none" anchor="ctr"/>
-          <a:lstStyle/>
-          <a:p>
-            <a:pPr fontAlgn="auto">
-              <a:spcBef>
-                <a:spcPts val="0"/>
-              </a:spcBef>
-              <a:spcAft>
-                <a:spcPts val="0"/>
-              </a:spcAft>
-              <a:defRPr/>
-            </a:pPr>
-            <a:endParaRPr lang="hu-HU">
-              <a:latin typeface="+mn-lt"/>
-              <a:cs typeface="+mn-cs"/>
-            </a:endParaRPr>
-          </a:p>
-        </p:txBody>
-      </p:sp>
-      <p:sp>
-        <p:nvSpPr>
-          <p:cNvPr id="5" name="Text Box 10"/>
-          <p:cNvSpPr txBox="1">
-            <a:spLocks noChangeArrowheads="1"/>
-          </p:cNvSpPr>
-          <p:nvPr/>
-        </p:nvSpPr>
-        <p:spPr bwMode="auto">
-          <a:xfrm>
-            <a:off x="-17463" y="6413500"/>
-            <a:ext cx="3649663" cy="400110"/>
-          </a:xfrm>
-          <a:prstGeom prst="rect">
-            <a:avLst/>
-          </a:prstGeom>
-          <a:noFill/>
-          <a:ln w="12700" algn="ctr">
-            <a:noFill/>
-            <a:miter lim="800000"/>
-            <a:headEnd/>
-            <a:tailEnd/>
-          </a:ln>
-          <a:effectLst/>
-        </p:spPr>
-        <p:txBody>
-          <a:bodyPr>
-            <a:spAutoFit/>
-          </a:bodyPr>
-          <a:lstStyle/>
-          <a:p>
-            <a:pPr defTabSz="762000" fontAlgn="auto">
-              <a:spcBef>
-                <a:spcPts val="0"/>
-              </a:spcBef>
-              <a:spcAft>
-                <a:spcPts val="0"/>
-              </a:spcAft>
-              <a:defRPr/>
-            </a:pPr>
-            <a:r>
-              <a:rPr lang="en-US" sz="1000" b="1" dirty="0" smtClean="0">
-                <a:solidFill>
-                  <a:schemeClr val="tx1"/>
-                </a:solidFill>
-                <a:latin typeface="+mn-lt"/>
-                <a:cs typeface="+mn-cs"/>
-              </a:rPr>
-              <a:t>Budapest University of Technology and Economics</a:t>
-            </a:r>
-            <a:r>
-              <a:rPr lang="hu-HU" sz="1000" b="1" dirty="0" smtClean="0">
-                <a:solidFill>
-                  <a:schemeClr val="tx1"/>
-                </a:solidFill>
-                <a:latin typeface="+mn-lt"/>
-                <a:cs typeface="+mn-cs"/>
-              </a:rPr>
-              <a:t/>
-            </a:r>
-            <a:br>
-              <a:rPr lang="hu-HU" sz="1000" b="1" dirty="0" smtClean="0">
-                <a:solidFill>
-                  <a:schemeClr val="tx1"/>
-                </a:solidFill>
-                <a:latin typeface="+mn-lt"/>
-                <a:cs typeface="+mn-cs"/>
-              </a:rPr>
-            </a:br>
-            <a:r>
-              <a:rPr lang="en-US" sz="1000" b="1" dirty="0" smtClean="0">
-                <a:solidFill>
-                  <a:schemeClr val="tx1"/>
-                </a:solidFill>
-                <a:latin typeface="+mn-lt"/>
-                <a:cs typeface="+mn-cs"/>
-              </a:rPr>
-              <a:t>Department of Measurement and Information Systems</a:t>
-            </a:r>
-            <a:endParaRPr lang="en-US" sz="1000" b="1" dirty="0">
-              <a:solidFill>
-                <a:schemeClr val="tx1"/>
-              </a:solidFill>
-              <a:latin typeface="+mn-lt"/>
-              <a:cs typeface="+mn-cs"/>
-            </a:endParaRPr>
-          </a:p>
-        </p:txBody>
-      </p:sp>
-      <p:sp>
-        <p:nvSpPr>
-          <p:cNvPr id="8" name="Rectangle 20"/>
-          <p:cNvSpPr>
-            <a:spLocks noChangeArrowheads="1"/>
-          </p:cNvSpPr>
-          <p:nvPr/>
-        </p:nvSpPr>
-        <p:spPr bwMode="auto">
-          <a:xfrm>
-            <a:off x="0" y="0"/>
-            <a:ext cx="9144000" cy="501650"/>
-          </a:xfrm>
-          <a:prstGeom prst="rect">
-            <a:avLst/>
-          </a:prstGeom>
-          <a:noFill/>
-          <a:ln w="12700">
-            <a:solidFill>
-              <a:schemeClr val="tx1"/>
-            </a:solidFill>
-            <a:miter lim="800000"/>
-            <a:headEnd/>
-            <a:tailEnd/>
-          </a:ln>
-          <a:effectLst/>
-        </p:spPr>
-        <p:txBody>
-          <a:bodyPr wrap="none" anchor="ctr"/>
-          <a:lstStyle/>
-          <a:p>
-            <a:pPr fontAlgn="auto">
-              <a:spcBef>
-                <a:spcPts val="0"/>
-              </a:spcBef>
-              <a:spcAft>
-                <a:spcPts val="0"/>
-              </a:spcAft>
-              <a:defRPr/>
-            </a:pPr>
-            <a:endParaRPr lang="hu-HU">
-              <a:latin typeface="+mn-lt"/>
-              <a:cs typeface="+mn-cs"/>
-            </a:endParaRPr>
-          </a:p>
-        </p:txBody>
-      </p:sp>
-      <p:sp>
-        <p:nvSpPr>
-          <p:cNvPr id="2" name="Cím 1"/>
-          <p:cNvSpPr>
-            <a:spLocks noGrp="1"/>
-          </p:cNvSpPr>
-          <p:nvPr>
-            <p:ph type="ctrTitle"/>
-          </p:nvPr>
-        </p:nvSpPr>
-        <p:spPr>
-          <a:xfrm>
-            <a:off x="685800" y="1374767"/>
-            <a:ext cx="7772400" cy="1470025"/>
-          </a:xfrm>
-        </p:spPr>
-        <p:txBody>
-          <a:bodyPr/>
-          <a:lstStyle/>
-          <a:p>
-            <a:r>
-              <a:rPr lang="hu-HU" smtClean="0"/>
-              <a:t>Mintacím szerkesztése</a:t>
-            </a:r>
-            <a:endParaRPr lang="hu-HU" dirty="0"/>
-          </a:p>
-        </p:txBody>
-      </p:sp>
-      <p:sp>
-        <p:nvSpPr>
-          <p:cNvPr id="3" name="Alcím 2"/>
-          <p:cNvSpPr>
-            <a:spLocks noGrp="1"/>
-          </p:cNvSpPr>
-          <p:nvPr>
-            <p:ph type="subTitle" idx="1"/>
-          </p:nvPr>
-        </p:nvSpPr>
-        <p:spPr>
-          <a:xfrm>
-            <a:off x="1371600" y="3246435"/>
-            <a:ext cx="6400800" cy="1277955"/>
-          </a:xfrm>
-        </p:spPr>
-        <p:txBody>
-          <a:bodyPr/>
-          <a:lstStyle>
-            <a:lvl1pPr marL="0" indent="0" algn="ctr">
-              <a:buNone/>
-              <a:defRPr>
-                <a:solidFill>
-                  <a:schemeClr val="tx1"/>
-                </a:solidFill>
-              </a:defRPr>
-            </a:lvl1pPr>
-            <a:lvl2pPr marL="457200" indent="0" algn="ctr">
-              <a:buNone/>
-              <a:defRPr>
-                <a:solidFill>
-                  <a:schemeClr val="tx1">
-                    <a:tint val="75000"/>
-                  </a:schemeClr>
-                </a:solidFill>
-              </a:defRPr>
-            </a:lvl2pPr>
-            <a:lvl3pPr marL="914400" indent="0" algn="ctr">
-              <a:buNone/>
-              <a:defRPr>
-                <a:solidFill>
-                  <a:schemeClr val="tx1">
-                    <a:tint val="75000"/>
-                  </a:schemeClr>
-                </a:solidFill>
-              </a:defRPr>
-            </a:lvl3pPr>
-            <a:lvl4pPr marL="1371600" indent="0" algn="ctr">
-              <a:buNone/>
-              <a:defRPr>
-                <a:solidFill>
-                  <a:schemeClr val="tx1">
-                    <a:tint val="75000"/>
-                  </a:schemeClr>
-                </a:solidFill>
-              </a:defRPr>
-            </a:lvl4pPr>
-            <a:lvl5pPr marL="1828800" indent="0" algn="ctr">
-              <a:buNone/>
-              <a:defRPr>
-                <a:solidFill>
-                  <a:schemeClr val="tx1">
-                    <a:tint val="75000"/>
-                  </a:schemeClr>
-                </a:solidFill>
-              </a:defRPr>
-            </a:lvl5pPr>
-            <a:lvl6pPr marL="2286000" indent="0" algn="ctr">
-              <a:buNone/>
-              <a:defRPr>
-                <a:solidFill>
-                  <a:schemeClr val="tx1">
-                    <a:tint val="75000"/>
-                  </a:schemeClr>
-                </a:solidFill>
-              </a:defRPr>
-            </a:lvl6pPr>
-            <a:lvl7pPr marL="2743200" indent="0" algn="ctr">
-              <a:buNone/>
-              <a:defRPr>
-                <a:solidFill>
-                  <a:schemeClr val="tx1">
-                    <a:tint val="75000"/>
-                  </a:schemeClr>
-                </a:solidFill>
-              </a:defRPr>
-            </a:lvl7pPr>
-            <a:lvl8pPr marL="3200400" indent="0" algn="ctr">
-              <a:buNone/>
-              <a:defRPr>
-                <a:solidFill>
-                  <a:schemeClr val="tx1">
-                    <a:tint val="75000"/>
-                  </a:schemeClr>
-                </a:solidFill>
-              </a:defRPr>
-            </a:lvl8pPr>
-            <a:lvl9pPr marL="3657600" indent="0" algn="ctr">
-              <a:buNone/>
-              <a:defRPr>
-                <a:solidFill>
-                  <a:schemeClr val="tx1">
-                    <a:tint val="75000"/>
-                  </a:schemeClr>
-                </a:solidFill>
-              </a:defRPr>
-            </a:lvl9pPr>
-          </a:lstStyle>
-          <a:p>
-            <a:r>
-              <a:rPr lang="hu-HU" smtClean="0"/>
-              <a:t>Alcím mintájának szerkesztése</a:t>
-            </a:r>
-            <a:endParaRPr lang="hu-HU" dirty="0"/>
-          </a:p>
-        </p:txBody>
-      </p:sp>
-      <p:sp>
-        <p:nvSpPr>
-          <p:cNvPr id="10" name="Text Box 10"/>
-          <p:cNvSpPr txBox="1">
-            <a:spLocks noChangeArrowheads="1"/>
-          </p:cNvSpPr>
-          <p:nvPr userDrawn="1"/>
-        </p:nvSpPr>
-        <p:spPr bwMode="auto">
-          <a:xfrm>
-            <a:off x="1000125" y="4725145"/>
-            <a:ext cx="7143750" cy="830997"/>
-          </a:xfrm>
-          <a:prstGeom prst="rect">
-            <a:avLst/>
-          </a:prstGeom>
-          <a:noFill/>
-          <a:ln w="12700" algn="ctr">
-            <a:noFill/>
-            <a:miter lim="800000"/>
-            <a:headEnd/>
-            <a:tailEnd/>
-          </a:ln>
-          <a:effectLst/>
-        </p:spPr>
-        <p:txBody>
-          <a:bodyPr wrap="square">
-            <a:spAutoFit/>
-          </a:bodyPr>
-          <a:lstStyle/>
-          <a:p>
-            <a:pPr algn="ctr" defTabSz="762000" fontAlgn="auto">
-              <a:spcBef>
-                <a:spcPts val="0"/>
-              </a:spcBef>
-              <a:spcAft>
-                <a:spcPts val="0"/>
-              </a:spcAft>
-              <a:defRPr/>
-            </a:pPr>
-            <a:r>
-              <a:rPr lang="hu-HU" sz="2400" b="1" dirty="0" smtClean="0">
-                <a:latin typeface="+mn-lt"/>
-                <a:cs typeface="+mn-cs"/>
-              </a:rPr>
-              <a:t>Budapesti Műszaki és Gazdaságtudományi Egyetem</a:t>
-            </a:r>
-          </a:p>
-          <a:p>
-            <a:pPr algn="ctr" defTabSz="762000" fontAlgn="auto">
-              <a:spcBef>
-                <a:spcPts val="0"/>
-              </a:spcBef>
-              <a:spcAft>
-                <a:spcPts val="0"/>
-              </a:spcAft>
-              <a:defRPr/>
-            </a:pPr>
-            <a:r>
-              <a:rPr lang="hu-HU" sz="2400" b="1" dirty="0" smtClean="0">
-                <a:latin typeface="+mn-lt"/>
-                <a:cs typeface="+mn-cs"/>
-              </a:rPr>
-              <a:t>Hibatűrő Rendszerek Kutatócsoport</a:t>
-            </a:r>
-            <a:endParaRPr lang="en-US" sz="2400" b="1" dirty="0">
-              <a:latin typeface="+mn-lt"/>
-              <a:cs typeface="+mn-cs"/>
-            </a:endParaRPr>
-          </a:p>
-        </p:txBody>
-      </p:sp>
-      <p:pic>
-        <p:nvPicPr>
-          <p:cNvPr id="18" name="Kép 17"/>
-          <p:cNvPicPr>
-            <a:picLocks noChangeAspect="1"/>
-          </p:cNvPicPr>
-          <p:nvPr userDrawn="1"/>
-        </p:nvPicPr>
-        <p:blipFill>
-          <a:blip r:embed="rId2">
-            <a:extLst>
-              <a:ext uri="{28A0092B-C50C-407E-A947-70E740481C1C}">
-                <a14:useLocalDpi xmlns:a14="http://schemas.microsoft.com/office/drawing/2010/main" val="0"/>
-              </a:ext>
-            </a:extLst>
-          </a:blip>
-          <a:stretch>
-            <a:fillRect/>
-          </a:stretch>
-        </p:blipFill>
-        <p:spPr>
-          <a:xfrm>
-            <a:off x="3576997" y="5572835"/>
-            <a:ext cx="1890000" cy="632812"/>
-          </a:xfrm>
-          <a:prstGeom prst="rect">
-            <a:avLst/>
-          </a:prstGeom>
-          <a:noFill/>
-          <a:ln>
-            <a:noFill/>
-          </a:ln>
-        </p:spPr>
-      </p:pic>
-      <p:sp>
-        <p:nvSpPr>
-          <p:cNvPr id="6" name="Dia számának helye 5"/>
-          <p:cNvSpPr>
-            <a:spLocks noGrp="1"/>
-          </p:cNvSpPr>
-          <p:nvPr>
-            <p:ph type="sldNum" sz="quarter" idx="10"/>
-          </p:nvPr>
-        </p:nvSpPr>
-        <p:spPr/>
-        <p:txBody>
-          <a:bodyPr/>
-          <a:lstStyle/>
-          <a:p>
-            <a:fld id="{198CDE6E-C629-43CC-9290-30D2F1110D4C}" type="slidenum">
-              <a:rPr lang="hu-HU" smtClean="0"/>
-              <a:pPr/>
-              <a:t>‹#›</a:t>
-            </a:fld>
-            <a:endParaRPr lang="hu-HU" dirty="0"/>
-          </a:p>
-        </p:txBody>
-      </p:sp>
-      <p:pic>
-        <p:nvPicPr>
-          <p:cNvPr id="11" name="Picture 2"/>
-          <p:cNvPicPr>
-            <a:picLocks noChangeAspect="1" noChangeArrowheads="1"/>
-          </p:cNvPicPr>
-          <p:nvPr userDrawn="1"/>
-        </p:nvPicPr>
-        <p:blipFill>
-          <a:blip r:embed="rId3">
-            <a:extLst>
-              <a:ext uri="{28A0092B-C50C-407E-A947-70E740481C1C}">
-                <a14:useLocalDpi xmlns:a14="http://schemas.microsoft.com/office/drawing/2010/main" val="0"/>
-              </a:ext>
-            </a:extLst>
-          </a:blip>
-          <a:stretch>
-            <a:fillRect/>
-          </a:stretch>
-        </p:blipFill>
-        <p:spPr bwMode="auto">
-          <a:xfrm>
-            <a:off x="7506000" y="6400630"/>
-            <a:ext cx="1604966" cy="428739"/>
-          </a:xfrm>
-          <a:prstGeom prst="rect">
-            <a:avLst/>
-          </a:prstGeom>
-          <a:noFill/>
-          <a:extLst>
-            <a:ext uri="{909E8E84-426E-40DD-AFC4-6F175D3DCCD1}">
-              <a14:hiddenFill xmlns:a14="http://schemas.microsoft.com/office/drawing/2010/main">
-                <a:solidFill>
-                  <a:srgbClr val="FFFFFF"/>
-                </a:solidFill>
-              </a14:hiddenFill>
-            </a:ext>
-          </a:extLst>
-        </p:spPr>
-      </p:pic>
-    </p:spTree>
-    <p:extLst>
-      <p:ext uri="{BB962C8B-B14F-4D97-AF65-F5344CB8AC3E}">
-        <p14:creationId xmlns:p14="http://schemas.microsoft.com/office/powerpoint/2010/main" val="2981760958"/>
-      </p:ext>
-    </p:extLst>
-  </p:cSld>
-  <p:clrMapOvr>
-    <a:masterClrMapping/>
-  </p:clrMapOvr>
-  <mc:AlternateContent xmlns:mc="http://schemas.openxmlformats.org/markup-compatibility/2006">
-    <mc:Choice xmlns:p14="http://schemas.microsoft.com/office/powerpoint/2010/main" Requires="p14">
-      <p:transition p14:dur="0" advClick="0"/>
-    </mc:Choice>
-    <mc:Fallback>
-      <p:transition advClick="0"/>
-    </mc:Fallback>
-  </mc:AlternateContent>
-  <p:timing>
-    <p:tnLst>
-      <p:par>
-        <p:cTn id="1" dur="indefinite" restart="never" nodeType="tmRoot"/>
-      </p:par>
-    </p:tnLst>
-  </p:timing>
-</p:sldLayout>
-</file>
-
-<file path=ppt/slideLayouts/slideLayout8.xml><?xml version="1.0" encoding="utf-8"?>
+<file path=ppt/slideLayouts/slideLayout3.xml><?xml version="1.0" encoding="utf-8"?>
 <p:sldLayout xmlns:a="http://schemas.openxmlformats.org/drawingml/2006/main" xmlns:r="http://schemas.openxmlformats.org/officeDocument/2006/relationships" xmlns:p="http://schemas.openxmlformats.org/presentationml/2006/main" type="obj" preserve="1">
   <p:cSld name="Cím és tartalom">
     <p:bg>
@@ -3952,7 +2451,7 @@
           <a:bodyPr/>
           <a:lstStyle/>
           <a:p>
-            <a:fld id="{198CDE6E-C629-43CC-9290-30D2F1110D4C}" type="slidenum">
+            <a:fld id="{A7C85712-A09B-4560-9D1E-08050AA835BB}" type="slidenum">
               <a:rPr lang="hu-HU" smtClean="0"/>
               <a:pPr/>
               <a:t>‹#›</a:t>
@@ -3962,20 +2461,15 @@
         </p:txBody>
       </p:sp>
     </p:spTree>
-    <p:extLst>
-      <p:ext uri="{BB962C8B-B14F-4D97-AF65-F5344CB8AC3E}">
-        <p14:creationId xmlns:p14="http://schemas.microsoft.com/office/powerpoint/2010/main" val="1616852640"/>
-      </p:ext>
-    </p:extLst>
   </p:cSld>
   <p:clrMapOvr>
     <a:masterClrMapping/>
   </p:clrMapOvr>
-  <mc:AlternateContent xmlns:mc="http://schemas.openxmlformats.org/markup-compatibility/2006">
-    <mc:Choice xmlns:p14="http://schemas.microsoft.com/office/powerpoint/2010/main" Requires="p14">
+  <mc:AlternateContent xmlns:mc="http://schemas.openxmlformats.org/markup-compatibility/2006" xmlns:p14="http://schemas.microsoft.com/office/powerpoint/2010/main">
+    <mc:Choice Requires="p14">
       <p:transition p14:dur="0" advClick="0"/>
     </mc:Choice>
-    <mc:Fallback>
+    <mc:Fallback xmlns="">
       <p:transition advClick="0"/>
     </mc:Fallback>
   </mc:AlternateContent>
@@ -3989,7 +2483,7 @@
 </p:sldLayout>
 </file>
 
-<file path=ppt/slideLayouts/slideLayout9.xml><?xml version="1.0" encoding="utf-8"?>
+<file path=ppt/slideLayouts/slideLayout4.xml><?xml version="1.0" encoding="utf-8"?>
 <p:sldLayout xmlns:a="http://schemas.openxmlformats.org/drawingml/2006/main" xmlns:r="http://schemas.openxmlformats.org/officeDocument/2006/relationships" xmlns:p="http://schemas.openxmlformats.org/presentationml/2006/main" type="secHead" preserve="1">
   <p:cSld name="Szakaszfejléc">
     <p:spTree>
@@ -4175,6 +2669,1113 @@
           <a:bodyPr/>
           <a:lstStyle/>
           <a:p>
+            <a:fld id="{A7C85712-A09B-4560-9D1E-08050AA835BB}" type="slidenum">
+              <a:rPr lang="hu-HU" smtClean="0"/>
+              <a:pPr/>
+              <a:t>‹#›</a:t>
+            </a:fld>
+            <a:endParaRPr lang="hu-HU" dirty="0"/>
+          </a:p>
+        </p:txBody>
+      </p:sp>
+    </p:spTree>
+  </p:cSld>
+  <p:clrMapOvr>
+    <a:masterClrMapping/>
+  </p:clrMapOvr>
+  <mc:AlternateContent xmlns:mc="http://schemas.openxmlformats.org/markup-compatibility/2006" xmlns:p14="http://schemas.microsoft.com/office/powerpoint/2010/main">
+    <mc:Choice Requires="p14">
+      <p:transition p14:dur="0" advClick="0"/>
+    </mc:Choice>
+    <mc:Fallback xmlns="">
+      <p:transition advClick="0"/>
+    </mc:Fallback>
+  </mc:AlternateContent>
+  <p:timing>
+    <p:tnLst>
+      <p:par>
+        <p:cTn id="1" dur="indefinite" restart="never" nodeType="tmRoot"/>
+      </p:par>
+    </p:tnLst>
+  </p:timing>
+</p:sldLayout>
+</file>
+
+<file path=ppt/slideLayouts/slideLayout5.xml><?xml version="1.0" encoding="utf-8"?>
+<p:sldLayout xmlns:a="http://schemas.openxmlformats.org/drawingml/2006/main" xmlns:r="http://schemas.openxmlformats.org/officeDocument/2006/relationships" xmlns:p="http://schemas.openxmlformats.org/presentationml/2006/main" type="twoObj" preserve="1">
+  <p:cSld name="2 tartalomrész">
+    <p:spTree>
+      <p:nvGrpSpPr>
+        <p:cNvPr id="1" name=""/>
+        <p:cNvGrpSpPr/>
+        <p:nvPr/>
+      </p:nvGrpSpPr>
+      <p:grpSpPr>
+        <a:xfrm>
+          <a:off x="0" y="0"/>
+          <a:ext cx="0" cy="0"/>
+          <a:chOff x="0" y="0"/>
+          <a:chExt cx="0" cy="0"/>
+        </a:xfrm>
+      </p:grpSpPr>
+      <p:sp>
+        <p:nvSpPr>
+          <p:cNvPr id="2" name="Cím 1"/>
+          <p:cNvSpPr>
+            <a:spLocks noGrp="1"/>
+          </p:cNvSpPr>
+          <p:nvPr>
+            <p:ph type="title"/>
+          </p:nvPr>
+        </p:nvSpPr>
+        <p:spPr/>
+        <p:txBody>
+          <a:bodyPr/>
+          <a:lstStyle/>
+          <a:p>
+            <a:r>
+              <a:rPr lang="hu-HU" smtClean="0"/>
+              <a:t>Mintacím szerkesztése</a:t>
+            </a:r>
+            <a:endParaRPr lang="hu-HU"/>
+          </a:p>
+        </p:txBody>
+      </p:sp>
+      <p:sp>
+        <p:nvSpPr>
+          <p:cNvPr id="3" name="Tartalom helye 2"/>
+          <p:cNvSpPr>
+            <a:spLocks noGrp="1"/>
+          </p:cNvSpPr>
+          <p:nvPr>
+            <p:ph sz="half" idx="1"/>
+          </p:nvPr>
+        </p:nvSpPr>
+        <p:spPr>
+          <a:xfrm>
+            <a:off x="117414" y="836578"/>
+            <a:ext cx="4378386" cy="5513462"/>
+          </a:xfrm>
+        </p:spPr>
+        <p:txBody>
+          <a:bodyPr/>
+          <a:lstStyle>
+            <a:lvl1pPr>
+              <a:defRPr sz="2800"/>
+            </a:lvl1pPr>
+            <a:lvl2pPr>
+              <a:defRPr sz="2400"/>
+            </a:lvl2pPr>
+            <a:lvl3pPr>
+              <a:defRPr sz="2000"/>
+            </a:lvl3pPr>
+            <a:lvl4pPr>
+              <a:defRPr sz="1800"/>
+            </a:lvl4pPr>
+            <a:lvl5pPr>
+              <a:defRPr sz="1800"/>
+            </a:lvl5pPr>
+            <a:lvl6pPr>
+              <a:defRPr sz="1800"/>
+            </a:lvl6pPr>
+            <a:lvl7pPr>
+              <a:defRPr sz="1800"/>
+            </a:lvl7pPr>
+            <a:lvl8pPr>
+              <a:defRPr sz="1800"/>
+            </a:lvl8pPr>
+            <a:lvl9pPr>
+              <a:defRPr sz="1800"/>
+            </a:lvl9pPr>
+          </a:lstStyle>
+          <a:p>
+            <a:pPr lvl="0"/>
+            <a:r>
+              <a:rPr lang="hu-HU" smtClean="0"/>
+              <a:t>Mintaszöveg szerkesztése</a:t>
+            </a:r>
+          </a:p>
+          <a:p>
+            <a:pPr lvl="1"/>
+            <a:r>
+              <a:rPr lang="hu-HU" smtClean="0"/>
+              <a:t>Második szint</a:t>
+            </a:r>
+          </a:p>
+          <a:p>
+            <a:pPr lvl="2"/>
+            <a:r>
+              <a:rPr lang="hu-HU" smtClean="0"/>
+              <a:t>Harmadik szint</a:t>
+            </a:r>
+          </a:p>
+          <a:p>
+            <a:pPr lvl="3"/>
+            <a:r>
+              <a:rPr lang="hu-HU" smtClean="0"/>
+              <a:t>Negyedik szint</a:t>
+            </a:r>
+          </a:p>
+          <a:p>
+            <a:pPr lvl="4"/>
+            <a:r>
+              <a:rPr lang="hu-HU" smtClean="0"/>
+              <a:t>Ötödik szint</a:t>
+            </a:r>
+            <a:endParaRPr lang="hu-HU" dirty="0"/>
+          </a:p>
+        </p:txBody>
+      </p:sp>
+      <p:sp>
+        <p:nvSpPr>
+          <p:cNvPr id="4" name="Tartalom helye 3"/>
+          <p:cNvSpPr>
+            <a:spLocks noGrp="1"/>
+          </p:cNvSpPr>
+          <p:nvPr>
+            <p:ph sz="half" idx="2"/>
+          </p:nvPr>
+        </p:nvSpPr>
+        <p:spPr>
+          <a:xfrm>
+            <a:off x="4648199" y="836577"/>
+            <a:ext cx="4341873" cy="5513463"/>
+          </a:xfrm>
+        </p:spPr>
+        <p:txBody>
+          <a:bodyPr/>
+          <a:lstStyle>
+            <a:lvl1pPr>
+              <a:defRPr sz="2800"/>
+            </a:lvl1pPr>
+            <a:lvl2pPr>
+              <a:defRPr sz="2400"/>
+            </a:lvl2pPr>
+            <a:lvl3pPr>
+              <a:defRPr sz="2000"/>
+            </a:lvl3pPr>
+            <a:lvl4pPr>
+              <a:defRPr sz="1800"/>
+            </a:lvl4pPr>
+            <a:lvl5pPr>
+              <a:defRPr sz="1800"/>
+            </a:lvl5pPr>
+            <a:lvl6pPr>
+              <a:defRPr sz="1800"/>
+            </a:lvl6pPr>
+            <a:lvl7pPr>
+              <a:defRPr sz="1800"/>
+            </a:lvl7pPr>
+            <a:lvl8pPr>
+              <a:defRPr sz="1800"/>
+            </a:lvl8pPr>
+            <a:lvl9pPr>
+              <a:defRPr sz="1800"/>
+            </a:lvl9pPr>
+          </a:lstStyle>
+          <a:p>
+            <a:pPr lvl="0"/>
+            <a:r>
+              <a:rPr lang="hu-HU" smtClean="0"/>
+              <a:t>Mintaszöveg szerkesztése</a:t>
+            </a:r>
+          </a:p>
+          <a:p>
+            <a:pPr lvl="1"/>
+            <a:r>
+              <a:rPr lang="hu-HU" smtClean="0"/>
+              <a:t>Második szint</a:t>
+            </a:r>
+          </a:p>
+          <a:p>
+            <a:pPr lvl="2"/>
+            <a:r>
+              <a:rPr lang="hu-HU" smtClean="0"/>
+              <a:t>Harmadik szint</a:t>
+            </a:r>
+          </a:p>
+          <a:p>
+            <a:pPr lvl="3"/>
+            <a:r>
+              <a:rPr lang="hu-HU" smtClean="0"/>
+              <a:t>Negyedik szint</a:t>
+            </a:r>
+          </a:p>
+          <a:p>
+            <a:pPr lvl="4"/>
+            <a:r>
+              <a:rPr lang="hu-HU" smtClean="0"/>
+              <a:t>Ötödik szint</a:t>
+            </a:r>
+            <a:endParaRPr lang="hu-HU"/>
+          </a:p>
+        </p:txBody>
+      </p:sp>
+      <p:sp>
+        <p:nvSpPr>
+          <p:cNvPr id="5" name="Dia számának helye 4"/>
+          <p:cNvSpPr>
+            <a:spLocks noGrp="1"/>
+          </p:cNvSpPr>
+          <p:nvPr>
+            <p:ph type="sldNum" sz="quarter" idx="10"/>
+          </p:nvPr>
+        </p:nvSpPr>
+        <p:spPr/>
+        <p:txBody>
+          <a:bodyPr/>
+          <a:lstStyle/>
+          <a:p>
+            <a:fld id="{A7C85712-A09B-4560-9D1E-08050AA835BB}" type="slidenum">
+              <a:rPr lang="hu-HU" smtClean="0"/>
+              <a:pPr/>
+              <a:t>‹#›</a:t>
+            </a:fld>
+            <a:endParaRPr lang="hu-HU" dirty="0"/>
+          </a:p>
+        </p:txBody>
+      </p:sp>
+    </p:spTree>
+  </p:cSld>
+  <p:clrMapOvr>
+    <a:masterClrMapping/>
+  </p:clrMapOvr>
+  <mc:AlternateContent xmlns:mc="http://schemas.openxmlformats.org/markup-compatibility/2006" xmlns:p14="http://schemas.microsoft.com/office/powerpoint/2010/main">
+    <mc:Choice Requires="p14">
+      <p:transition p14:dur="0" advClick="0"/>
+    </mc:Choice>
+    <mc:Fallback xmlns="">
+      <p:transition advClick="0"/>
+    </mc:Fallback>
+  </mc:AlternateContent>
+  <p:timing>
+    <p:tnLst>
+      <p:par>
+        <p:cTn id="1" dur="indefinite" restart="never" nodeType="tmRoot"/>
+      </p:par>
+    </p:tnLst>
+  </p:timing>
+</p:sldLayout>
+</file>
+
+<file path=ppt/slideLayouts/slideLayout6.xml><?xml version="1.0" encoding="utf-8"?>
+<p:sldLayout xmlns:a="http://schemas.openxmlformats.org/drawingml/2006/main" xmlns:r="http://schemas.openxmlformats.org/officeDocument/2006/relationships" xmlns:p="http://schemas.openxmlformats.org/presentationml/2006/main" type="obj" preserve="1">
+  <p:cSld name="Cím és tartalom">
+    <p:spTree>
+      <p:nvGrpSpPr>
+        <p:cNvPr id="1" name=""/>
+        <p:cNvGrpSpPr/>
+        <p:nvPr/>
+      </p:nvGrpSpPr>
+      <p:grpSpPr>
+        <a:xfrm>
+          <a:off x="0" y="0"/>
+          <a:ext cx="0" cy="0"/>
+          <a:chOff x="0" y="0"/>
+          <a:chExt cx="0" cy="0"/>
+        </a:xfrm>
+      </p:grpSpPr>
+      <p:sp>
+        <p:nvSpPr>
+          <p:cNvPr id="2" name="Cím 1"/>
+          <p:cNvSpPr>
+            <a:spLocks noGrp="1"/>
+          </p:cNvSpPr>
+          <p:nvPr>
+            <p:ph type="title"/>
+          </p:nvPr>
+        </p:nvSpPr>
+        <p:spPr/>
+        <p:txBody>
+          <a:bodyPr/>
+          <a:lstStyle/>
+          <a:p>
+            <a:r>
+              <a:rPr lang="hu-HU" smtClean="0"/>
+              <a:t>Mintacím szerkesztése</a:t>
+            </a:r>
+            <a:endParaRPr lang="hu-HU"/>
+          </a:p>
+        </p:txBody>
+      </p:sp>
+      <p:sp>
+        <p:nvSpPr>
+          <p:cNvPr id="3" name="Tartalom helye 2"/>
+          <p:cNvSpPr>
+            <a:spLocks noGrp="1"/>
+          </p:cNvSpPr>
+          <p:nvPr>
+            <p:ph idx="1"/>
+          </p:nvPr>
+        </p:nvSpPr>
+        <p:spPr/>
+        <p:txBody>
+          <a:bodyPr/>
+          <a:lstStyle/>
+          <a:p>
+            <a:pPr lvl="0"/>
+            <a:r>
+              <a:rPr lang="hu-HU" dirty="0" smtClean="0"/>
+              <a:t>Mintaszöveg szerkesztése</a:t>
+            </a:r>
+          </a:p>
+          <a:p>
+            <a:pPr lvl="1"/>
+            <a:r>
+              <a:rPr lang="hu-HU" dirty="0" smtClean="0"/>
+              <a:t>Második szint</a:t>
+            </a:r>
+          </a:p>
+          <a:p>
+            <a:pPr lvl="2"/>
+            <a:r>
+              <a:rPr lang="hu-HU" dirty="0" smtClean="0"/>
+              <a:t>Harmadik szint</a:t>
+            </a:r>
+          </a:p>
+          <a:p>
+            <a:pPr lvl="3"/>
+            <a:r>
+              <a:rPr lang="hu-HU" dirty="0" smtClean="0"/>
+              <a:t>Negyedik szint</a:t>
+            </a:r>
+          </a:p>
+          <a:p>
+            <a:pPr lvl="4"/>
+            <a:r>
+              <a:rPr lang="hu-HU" dirty="0" smtClean="0"/>
+              <a:t>Ötödik szint</a:t>
+            </a:r>
+            <a:endParaRPr lang="hu-HU" dirty="0"/>
+          </a:p>
+        </p:txBody>
+      </p:sp>
+      <p:sp>
+        <p:nvSpPr>
+          <p:cNvPr id="4" name="Dia számának helye 3"/>
+          <p:cNvSpPr>
+            <a:spLocks noGrp="1"/>
+          </p:cNvSpPr>
+          <p:nvPr>
+            <p:ph type="sldNum" sz="quarter" idx="10"/>
+          </p:nvPr>
+        </p:nvSpPr>
+        <p:spPr/>
+        <p:txBody>
+          <a:bodyPr/>
+          <a:lstStyle/>
+          <a:p>
+            <a:fld id="{A7C85712-A09B-4560-9D1E-08050AA835BB}" type="slidenum">
+              <a:rPr lang="hu-HU" smtClean="0"/>
+              <a:pPr/>
+              <a:t>‹#›</a:t>
+            </a:fld>
+            <a:endParaRPr lang="hu-HU" dirty="0"/>
+          </a:p>
+        </p:txBody>
+      </p:sp>
+      <p:sp>
+        <p:nvSpPr>
+          <p:cNvPr id="5" name="Téglalap 4"/>
+          <p:cNvSpPr/>
+          <p:nvPr userDrawn="1"/>
+        </p:nvSpPr>
+        <p:spPr>
+          <a:xfrm>
+            <a:off x="7349195" y="5648931"/>
+            <a:ext cx="170935" cy="172198"/>
+          </a:xfrm>
+          <a:prstGeom prst="rect">
+            <a:avLst/>
+          </a:prstGeom>
+          <a:solidFill>
+            <a:schemeClr val="bg2"/>
+          </a:solidFill>
+          <a:ln w="38100">
+            <a:solidFill>
+              <a:schemeClr val="accent1"/>
+            </a:solidFill>
+          </a:ln>
+          <a:effectLst>
+            <a:outerShdw blurRad="50800" dist="38100" dir="5400000" algn="t" rotWithShape="0">
+              <a:prstClr val="black">
+                <a:alpha val="40000"/>
+              </a:prstClr>
+            </a:outerShdw>
+          </a:effectLst>
+        </p:spPr>
+        <p:style>
+          <a:lnRef idx="2">
+            <a:schemeClr val="accent4">
+              <a:shade val="50000"/>
+            </a:schemeClr>
+          </a:lnRef>
+          <a:fillRef idx="1">
+            <a:schemeClr val="accent4"/>
+          </a:fillRef>
+          <a:effectRef idx="0">
+            <a:schemeClr val="accent4"/>
+          </a:effectRef>
+          <a:fontRef idx="minor">
+            <a:schemeClr val="lt1"/>
+          </a:fontRef>
+        </p:style>
+        <p:txBody>
+          <a:bodyPr rot="0" spcFirstLastPara="0" vertOverflow="overflow" horzOverflow="overflow" vert="horz" wrap="square" lIns="91440" tIns="45720" rIns="91440" bIns="45720" numCol="1" spcCol="0" rtlCol="0" fromWordArt="0" anchor="ctr" anchorCtr="0" forceAA="0" compatLnSpc="1">
+            <a:prstTxWarp prst="textNoShape">
+              <a:avLst/>
+            </a:prstTxWarp>
+            <a:noAutofit/>
+          </a:bodyPr>
+          <a:lstStyle/>
+          <a:p>
+            <a:pPr algn="ctr"/>
+            <a:endParaRPr lang="en-US" sz="2400" dirty="0" smtClean="0">
+              <a:solidFill>
+                <a:schemeClr val="tx2"/>
+              </a:solidFill>
+            </a:endParaRPr>
+          </a:p>
+        </p:txBody>
+      </p:sp>
+      <p:sp>
+        <p:nvSpPr>
+          <p:cNvPr id="6" name="Szövegdoboz 5"/>
+          <p:cNvSpPr txBox="1"/>
+          <p:nvPr userDrawn="1"/>
+        </p:nvSpPr>
+        <p:spPr>
+          <a:xfrm>
+            <a:off x="7559946" y="5534631"/>
+            <a:ext cx="897169" cy="369332"/>
+          </a:xfrm>
+          <a:prstGeom prst="rect">
+            <a:avLst/>
+          </a:prstGeom>
+          <a:noFill/>
+        </p:spPr>
+        <p:txBody>
+          <a:bodyPr wrap="none" rtlCol="0">
+            <a:spAutoFit/>
+          </a:bodyPr>
+          <a:lstStyle/>
+          <a:p>
+            <a:r>
+              <a:rPr lang="hu-HU" dirty="0" smtClean="0"/>
+              <a:t>statikus</a:t>
+            </a:r>
+            <a:endParaRPr lang="hu-HU" dirty="0"/>
+          </a:p>
+        </p:txBody>
+      </p:sp>
+      <p:sp>
+        <p:nvSpPr>
+          <p:cNvPr id="7" name="Téglalap 6"/>
+          <p:cNvSpPr/>
+          <p:nvPr userDrawn="1"/>
+        </p:nvSpPr>
+        <p:spPr>
+          <a:xfrm>
+            <a:off x="7349195" y="5985997"/>
+            <a:ext cx="170935" cy="172198"/>
+          </a:xfrm>
+          <a:prstGeom prst="rect">
+            <a:avLst/>
+          </a:prstGeom>
+          <a:solidFill>
+            <a:schemeClr val="accent2"/>
+          </a:solidFill>
+          <a:ln w="38100">
+            <a:solidFill>
+              <a:schemeClr val="accent4">
+                <a:lumMod val="90000"/>
+                <a:lumOff val="10000"/>
+              </a:schemeClr>
+            </a:solidFill>
+          </a:ln>
+          <a:effectLst>
+            <a:outerShdw blurRad="50800" dist="38100" dir="5400000" algn="t" rotWithShape="0">
+              <a:prstClr val="black">
+                <a:alpha val="40000"/>
+              </a:prstClr>
+            </a:outerShdw>
+          </a:effectLst>
+        </p:spPr>
+        <p:style>
+          <a:lnRef idx="2">
+            <a:schemeClr val="accent4">
+              <a:shade val="50000"/>
+            </a:schemeClr>
+          </a:lnRef>
+          <a:fillRef idx="1">
+            <a:schemeClr val="accent4"/>
+          </a:fillRef>
+          <a:effectRef idx="0">
+            <a:schemeClr val="accent4"/>
+          </a:effectRef>
+          <a:fontRef idx="minor">
+            <a:schemeClr val="lt1"/>
+          </a:fontRef>
+        </p:style>
+        <p:txBody>
+          <a:bodyPr rot="0" spcFirstLastPara="0" vertOverflow="overflow" horzOverflow="overflow" vert="horz" wrap="square" lIns="91440" tIns="45720" rIns="91440" bIns="45720" numCol="1" spcCol="0" rtlCol="0" fromWordArt="0" anchor="ctr" anchorCtr="0" forceAA="0" compatLnSpc="1">
+            <a:prstTxWarp prst="textNoShape">
+              <a:avLst/>
+            </a:prstTxWarp>
+            <a:noAutofit/>
+          </a:bodyPr>
+          <a:lstStyle/>
+          <a:p>
+            <a:pPr algn="ctr"/>
+            <a:endParaRPr lang="en-US" sz="2400" dirty="0" smtClean="0">
+              <a:solidFill>
+                <a:schemeClr val="tx2"/>
+              </a:solidFill>
+            </a:endParaRPr>
+          </a:p>
+        </p:txBody>
+      </p:sp>
+      <p:sp>
+        <p:nvSpPr>
+          <p:cNvPr id="8" name="Szövegdoboz 7"/>
+          <p:cNvSpPr txBox="1"/>
+          <p:nvPr userDrawn="1"/>
+        </p:nvSpPr>
+        <p:spPr>
+          <a:xfrm>
+            <a:off x="7559946" y="5871697"/>
+            <a:ext cx="1141916" cy="369332"/>
+          </a:xfrm>
+          <a:prstGeom prst="rect">
+            <a:avLst/>
+          </a:prstGeom>
+          <a:noFill/>
+        </p:spPr>
+        <p:txBody>
+          <a:bodyPr wrap="none" rtlCol="0">
+            <a:spAutoFit/>
+          </a:bodyPr>
+          <a:lstStyle/>
+          <a:p>
+            <a:r>
+              <a:rPr lang="hu-HU" dirty="0" smtClean="0"/>
+              <a:t>dinamikus</a:t>
+            </a:r>
+            <a:endParaRPr lang="hu-HU" dirty="0"/>
+          </a:p>
+        </p:txBody>
+      </p:sp>
+    </p:spTree>
+    <p:extLst>
+      <p:ext uri="{BB962C8B-B14F-4D97-AF65-F5344CB8AC3E}">
+        <p14:creationId xmlns:p14="http://schemas.microsoft.com/office/powerpoint/2010/main" val="4245791243"/>
+      </p:ext>
+    </p:extLst>
+  </p:cSld>
+  <p:clrMapOvr>
+    <a:masterClrMapping/>
+  </p:clrMapOvr>
+  <mc:AlternateContent xmlns:mc="http://schemas.openxmlformats.org/markup-compatibility/2006" xmlns:p14="http://schemas.microsoft.com/office/powerpoint/2010/main">
+    <mc:Choice Requires="p14">
+      <p:transition p14:dur="0" advClick="0"/>
+    </mc:Choice>
+    <mc:Fallback xmlns="">
+      <p:transition advClick="0"/>
+    </mc:Fallback>
+  </mc:AlternateContent>
+  <p:timing>
+    <p:tnLst>
+      <p:par>
+        <p:cTn id="1" dur="indefinite" restart="never" nodeType="tmRoot"/>
+      </p:par>
+    </p:tnLst>
+  </p:timing>
+</p:sldLayout>
+</file>
+
+<file path=ppt/slideLayouts/slideLayout7.xml><?xml version="1.0" encoding="utf-8"?>
+<p:sldLayout xmlns:a="http://schemas.openxmlformats.org/drawingml/2006/main" xmlns:r="http://schemas.openxmlformats.org/officeDocument/2006/relationships" xmlns:p="http://schemas.openxmlformats.org/presentationml/2006/main" type="title" preserve="1">
+  <p:cSld name="Címdia (angol)">
+    <p:spTree>
+      <p:nvGrpSpPr>
+        <p:cNvPr id="1" name=""/>
+        <p:cNvGrpSpPr/>
+        <p:nvPr/>
+      </p:nvGrpSpPr>
+      <p:grpSpPr>
+        <a:xfrm>
+          <a:off x="0" y="0"/>
+          <a:ext cx="0" cy="0"/>
+          <a:chOff x="0" y="0"/>
+          <a:chExt cx="0" cy="0"/>
+        </a:xfrm>
+      </p:grpSpPr>
+      <p:sp>
+        <p:nvSpPr>
+          <p:cNvPr id="4" name="Rectangle 9"/>
+          <p:cNvSpPr>
+            <a:spLocks noChangeArrowheads="1"/>
+          </p:cNvSpPr>
+          <p:nvPr/>
+        </p:nvSpPr>
+        <p:spPr bwMode="auto">
+          <a:xfrm>
+            <a:off x="0" y="6356350"/>
+            <a:ext cx="9144000" cy="501650"/>
+          </a:xfrm>
+          <a:prstGeom prst="rect">
+            <a:avLst/>
+          </a:prstGeom>
+          <a:solidFill>
+            <a:schemeClr val="bg1"/>
+          </a:solidFill>
+          <a:ln w="12700">
+            <a:solidFill>
+              <a:schemeClr val="tx1"/>
+            </a:solidFill>
+            <a:miter lim="800000"/>
+            <a:headEnd/>
+            <a:tailEnd/>
+          </a:ln>
+          <a:effectLst/>
+        </p:spPr>
+        <p:txBody>
+          <a:bodyPr wrap="none" anchor="ctr"/>
+          <a:lstStyle/>
+          <a:p>
+            <a:pPr fontAlgn="auto">
+              <a:spcBef>
+                <a:spcPts val="0"/>
+              </a:spcBef>
+              <a:spcAft>
+                <a:spcPts val="0"/>
+              </a:spcAft>
+              <a:defRPr/>
+            </a:pPr>
+            <a:endParaRPr lang="hu-HU">
+              <a:latin typeface="+mn-lt"/>
+              <a:cs typeface="+mn-cs"/>
+            </a:endParaRPr>
+          </a:p>
+        </p:txBody>
+      </p:sp>
+      <p:sp>
+        <p:nvSpPr>
+          <p:cNvPr id="5" name="Text Box 10"/>
+          <p:cNvSpPr txBox="1">
+            <a:spLocks noChangeArrowheads="1"/>
+          </p:cNvSpPr>
+          <p:nvPr/>
+        </p:nvSpPr>
+        <p:spPr bwMode="auto">
+          <a:xfrm>
+            <a:off x="-17463" y="6413500"/>
+            <a:ext cx="3649663" cy="400110"/>
+          </a:xfrm>
+          <a:prstGeom prst="rect">
+            <a:avLst/>
+          </a:prstGeom>
+          <a:noFill/>
+          <a:ln w="12700" algn="ctr">
+            <a:noFill/>
+            <a:miter lim="800000"/>
+            <a:headEnd/>
+            <a:tailEnd/>
+          </a:ln>
+          <a:effectLst/>
+        </p:spPr>
+        <p:txBody>
+          <a:bodyPr>
+            <a:spAutoFit/>
+          </a:bodyPr>
+          <a:lstStyle/>
+          <a:p>
+            <a:pPr defTabSz="762000" fontAlgn="auto">
+              <a:spcBef>
+                <a:spcPts val="0"/>
+              </a:spcBef>
+              <a:spcAft>
+                <a:spcPts val="0"/>
+              </a:spcAft>
+              <a:defRPr/>
+            </a:pPr>
+            <a:r>
+              <a:rPr lang="hu-HU" sz="1000" b="1" dirty="0" smtClean="0">
+                <a:solidFill>
+                  <a:schemeClr val="tx1"/>
+                </a:solidFill>
+                <a:latin typeface="+mn-lt"/>
+                <a:cs typeface="+mn-cs"/>
+              </a:rPr>
+              <a:t>Budapesti Műszaki és Gazdaságtudományi Egyetem</a:t>
+            </a:r>
+          </a:p>
+          <a:p>
+            <a:pPr defTabSz="762000" fontAlgn="auto">
+              <a:spcBef>
+                <a:spcPts val="0"/>
+              </a:spcBef>
+              <a:spcAft>
+                <a:spcPts val="0"/>
+              </a:spcAft>
+              <a:defRPr/>
+            </a:pPr>
+            <a:r>
+              <a:rPr lang="hu-HU" sz="1000" b="1" dirty="0" smtClean="0">
+                <a:solidFill>
+                  <a:schemeClr val="tx1"/>
+                </a:solidFill>
+                <a:latin typeface="+mn-lt"/>
+                <a:cs typeface="+mn-cs"/>
+              </a:rPr>
+              <a:t>Méréstechnika és Információs Rendszerek Tanszék</a:t>
+            </a:r>
+          </a:p>
+        </p:txBody>
+      </p:sp>
+      <p:sp>
+        <p:nvSpPr>
+          <p:cNvPr id="8" name="Rectangle 20"/>
+          <p:cNvSpPr>
+            <a:spLocks noChangeArrowheads="1"/>
+          </p:cNvSpPr>
+          <p:nvPr/>
+        </p:nvSpPr>
+        <p:spPr bwMode="auto">
+          <a:xfrm>
+            <a:off x="0" y="0"/>
+            <a:ext cx="9144000" cy="501650"/>
+          </a:xfrm>
+          <a:prstGeom prst="rect">
+            <a:avLst/>
+          </a:prstGeom>
+          <a:noFill/>
+          <a:ln w="12700">
+            <a:solidFill>
+              <a:schemeClr val="tx1"/>
+            </a:solidFill>
+            <a:miter lim="800000"/>
+            <a:headEnd/>
+            <a:tailEnd/>
+          </a:ln>
+          <a:effectLst/>
+        </p:spPr>
+        <p:txBody>
+          <a:bodyPr wrap="none" anchor="ctr"/>
+          <a:lstStyle/>
+          <a:p>
+            <a:pPr fontAlgn="auto">
+              <a:spcBef>
+                <a:spcPts val="0"/>
+              </a:spcBef>
+              <a:spcAft>
+                <a:spcPts val="0"/>
+              </a:spcAft>
+              <a:defRPr/>
+            </a:pPr>
+            <a:endParaRPr lang="hu-HU">
+              <a:latin typeface="+mn-lt"/>
+              <a:cs typeface="+mn-cs"/>
+            </a:endParaRPr>
+          </a:p>
+        </p:txBody>
+      </p:sp>
+      <p:sp>
+        <p:nvSpPr>
+          <p:cNvPr id="2" name="Cím 1"/>
+          <p:cNvSpPr>
+            <a:spLocks noGrp="1"/>
+          </p:cNvSpPr>
+          <p:nvPr>
+            <p:ph type="ctrTitle"/>
+          </p:nvPr>
+        </p:nvSpPr>
+        <p:spPr>
+          <a:xfrm>
+            <a:off x="685800" y="1374767"/>
+            <a:ext cx="7772400" cy="1470025"/>
+          </a:xfrm>
+        </p:spPr>
+        <p:txBody>
+          <a:bodyPr/>
+          <a:lstStyle/>
+          <a:p>
+            <a:r>
+              <a:rPr lang="hu-HU" smtClean="0"/>
+              <a:t>Mintacím szerkesztése</a:t>
+            </a:r>
+            <a:endParaRPr lang="hu-HU" dirty="0"/>
+          </a:p>
+        </p:txBody>
+      </p:sp>
+      <p:sp>
+        <p:nvSpPr>
+          <p:cNvPr id="3" name="Alcím 2"/>
+          <p:cNvSpPr>
+            <a:spLocks noGrp="1"/>
+          </p:cNvSpPr>
+          <p:nvPr>
+            <p:ph type="subTitle" idx="1"/>
+          </p:nvPr>
+        </p:nvSpPr>
+        <p:spPr>
+          <a:xfrm>
+            <a:off x="1371600" y="3246435"/>
+            <a:ext cx="6400800" cy="1277955"/>
+          </a:xfrm>
+        </p:spPr>
+        <p:txBody>
+          <a:bodyPr/>
+          <a:lstStyle>
+            <a:lvl1pPr marL="0" indent="0" algn="ctr">
+              <a:buNone/>
+              <a:defRPr>
+                <a:solidFill>
+                  <a:schemeClr val="tx1"/>
+                </a:solidFill>
+              </a:defRPr>
+            </a:lvl1pPr>
+            <a:lvl2pPr marL="457200" indent="0" algn="ctr">
+              <a:buNone/>
+              <a:defRPr>
+                <a:solidFill>
+                  <a:schemeClr val="tx1">
+                    <a:tint val="75000"/>
+                  </a:schemeClr>
+                </a:solidFill>
+              </a:defRPr>
+            </a:lvl2pPr>
+            <a:lvl3pPr marL="914400" indent="0" algn="ctr">
+              <a:buNone/>
+              <a:defRPr>
+                <a:solidFill>
+                  <a:schemeClr val="tx1">
+                    <a:tint val="75000"/>
+                  </a:schemeClr>
+                </a:solidFill>
+              </a:defRPr>
+            </a:lvl3pPr>
+            <a:lvl4pPr marL="1371600" indent="0" algn="ctr">
+              <a:buNone/>
+              <a:defRPr>
+                <a:solidFill>
+                  <a:schemeClr val="tx1">
+                    <a:tint val="75000"/>
+                  </a:schemeClr>
+                </a:solidFill>
+              </a:defRPr>
+            </a:lvl4pPr>
+            <a:lvl5pPr marL="1828800" indent="0" algn="ctr">
+              <a:buNone/>
+              <a:defRPr>
+                <a:solidFill>
+                  <a:schemeClr val="tx1">
+                    <a:tint val="75000"/>
+                  </a:schemeClr>
+                </a:solidFill>
+              </a:defRPr>
+            </a:lvl5pPr>
+            <a:lvl6pPr marL="2286000" indent="0" algn="ctr">
+              <a:buNone/>
+              <a:defRPr>
+                <a:solidFill>
+                  <a:schemeClr val="tx1">
+                    <a:tint val="75000"/>
+                  </a:schemeClr>
+                </a:solidFill>
+              </a:defRPr>
+            </a:lvl6pPr>
+            <a:lvl7pPr marL="2743200" indent="0" algn="ctr">
+              <a:buNone/>
+              <a:defRPr>
+                <a:solidFill>
+                  <a:schemeClr val="tx1">
+                    <a:tint val="75000"/>
+                  </a:schemeClr>
+                </a:solidFill>
+              </a:defRPr>
+            </a:lvl7pPr>
+            <a:lvl8pPr marL="3200400" indent="0" algn="ctr">
+              <a:buNone/>
+              <a:defRPr>
+                <a:solidFill>
+                  <a:schemeClr val="tx1">
+                    <a:tint val="75000"/>
+                  </a:schemeClr>
+                </a:solidFill>
+              </a:defRPr>
+            </a:lvl8pPr>
+            <a:lvl9pPr marL="3657600" indent="0" algn="ctr">
+              <a:buNone/>
+              <a:defRPr>
+                <a:solidFill>
+                  <a:schemeClr val="tx1">
+                    <a:tint val="75000"/>
+                  </a:schemeClr>
+                </a:solidFill>
+              </a:defRPr>
+            </a:lvl9pPr>
+          </a:lstStyle>
+          <a:p>
+            <a:r>
+              <a:rPr lang="hu-HU" smtClean="0"/>
+              <a:t>Alcím mintájának szerkesztése</a:t>
+            </a:r>
+            <a:endParaRPr lang="hu-HU" dirty="0"/>
+          </a:p>
+        </p:txBody>
+      </p:sp>
+      <p:sp>
+        <p:nvSpPr>
+          <p:cNvPr id="10" name="Text Box 10"/>
+          <p:cNvSpPr txBox="1">
+            <a:spLocks noChangeArrowheads="1"/>
+          </p:cNvSpPr>
+          <p:nvPr userDrawn="1"/>
+        </p:nvSpPr>
+        <p:spPr bwMode="auto">
+          <a:xfrm>
+            <a:off x="1000125" y="4725145"/>
+            <a:ext cx="7143750" cy="830997"/>
+          </a:xfrm>
+          <a:prstGeom prst="rect">
+            <a:avLst/>
+          </a:prstGeom>
+          <a:noFill/>
+          <a:ln w="12700" algn="ctr">
+            <a:noFill/>
+            <a:miter lim="800000"/>
+            <a:headEnd/>
+            <a:tailEnd/>
+          </a:ln>
+          <a:effectLst/>
+        </p:spPr>
+        <p:txBody>
+          <a:bodyPr wrap="square">
+            <a:spAutoFit/>
+          </a:bodyPr>
+          <a:lstStyle/>
+          <a:p>
+            <a:pPr algn="ctr" defTabSz="762000" fontAlgn="auto">
+              <a:spcBef>
+                <a:spcPts val="0"/>
+              </a:spcBef>
+              <a:spcAft>
+                <a:spcPts val="0"/>
+              </a:spcAft>
+              <a:defRPr/>
+            </a:pPr>
+            <a:r>
+              <a:rPr lang="hu-HU" sz="2400" b="1" dirty="0">
+                <a:latin typeface="+mn-lt"/>
+                <a:cs typeface="+mn-cs"/>
+              </a:rPr>
+              <a:t>Budapest University of </a:t>
+            </a:r>
+            <a:r>
+              <a:rPr lang="en-US" sz="2400" b="1" dirty="0">
+                <a:latin typeface="+mn-lt"/>
+                <a:cs typeface="+mn-cs"/>
+              </a:rPr>
+              <a:t>Technology</a:t>
+            </a:r>
+            <a:r>
+              <a:rPr lang="hu-HU" sz="2400" b="1" dirty="0">
+                <a:latin typeface="+mn-lt"/>
+                <a:cs typeface="+mn-cs"/>
+              </a:rPr>
+              <a:t> and </a:t>
+            </a:r>
+            <a:r>
+              <a:rPr lang="en-US" sz="2400" b="1" dirty="0" smtClean="0">
+                <a:latin typeface="+mn-lt"/>
+                <a:cs typeface="+mn-cs"/>
+              </a:rPr>
+              <a:t>Economics</a:t>
+            </a:r>
+            <a:r>
+              <a:rPr lang="hu-HU" sz="2400" b="1" dirty="0" smtClean="0">
+                <a:latin typeface="+mn-lt"/>
+                <a:cs typeface="+mn-cs"/>
+              </a:rPr>
+              <a:t/>
+            </a:r>
+            <a:br>
+              <a:rPr lang="hu-HU" sz="2400" b="1" dirty="0" smtClean="0">
+                <a:latin typeface="+mn-lt"/>
+                <a:cs typeface="+mn-cs"/>
+              </a:rPr>
+            </a:br>
+            <a:r>
+              <a:rPr lang="hu-HU" sz="2400" b="1" dirty="0" smtClean="0">
+                <a:latin typeface="+mn-lt"/>
+                <a:cs typeface="+mn-cs"/>
+              </a:rPr>
+              <a:t>Fault</a:t>
+            </a:r>
+            <a:r>
+              <a:rPr lang="hu-HU" sz="2400" b="1" baseline="0" dirty="0" smtClean="0">
+                <a:latin typeface="+mn-lt"/>
+                <a:cs typeface="+mn-cs"/>
+              </a:rPr>
+              <a:t> Tolerant Systems Research Group</a:t>
+            </a:r>
+            <a:endParaRPr lang="en-US" sz="2400" b="1" dirty="0">
+              <a:latin typeface="+mn-lt"/>
+              <a:cs typeface="+mn-cs"/>
+            </a:endParaRPr>
+          </a:p>
+        </p:txBody>
+      </p:sp>
+      <p:pic>
+        <p:nvPicPr>
+          <p:cNvPr id="18" name="Kép 17"/>
+          <p:cNvPicPr>
+            <a:picLocks noChangeAspect="1"/>
+          </p:cNvPicPr>
+          <p:nvPr userDrawn="1"/>
+        </p:nvPicPr>
+        <p:blipFill>
+          <a:blip r:embed="rId2">
+            <a:extLst>
+              <a:ext uri="{28A0092B-C50C-407E-A947-70E740481C1C}">
+                <a14:useLocalDpi xmlns:a14="http://schemas.microsoft.com/office/drawing/2010/main" val="0"/>
+              </a:ext>
+            </a:extLst>
+          </a:blip>
+          <a:stretch>
+            <a:fillRect/>
+          </a:stretch>
+        </p:blipFill>
+        <p:spPr>
+          <a:xfrm>
+            <a:off x="3576997" y="5572835"/>
+            <a:ext cx="1890000" cy="632812"/>
+          </a:xfrm>
+          <a:prstGeom prst="rect">
+            <a:avLst/>
+          </a:prstGeom>
+          <a:noFill/>
+          <a:ln>
+            <a:noFill/>
+          </a:ln>
+        </p:spPr>
+      </p:pic>
+      <p:sp>
+        <p:nvSpPr>
+          <p:cNvPr id="6" name="Dia számának helye 5"/>
+          <p:cNvSpPr>
+            <a:spLocks noGrp="1"/>
+          </p:cNvSpPr>
+          <p:nvPr>
+            <p:ph type="sldNum" sz="quarter" idx="10"/>
+          </p:nvPr>
+        </p:nvSpPr>
+        <p:spPr/>
+        <p:txBody>
+          <a:bodyPr/>
+          <a:lstStyle/>
+          <a:p>
             <a:fld id="{198CDE6E-C629-43CC-9290-30D2F1110D4C}" type="slidenum">
               <a:rPr lang="hu-HU" smtClean="0"/>
               <a:pPr/>
@@ -4184,21 +3785,758 @@
           </a:p>
         </p:txBody>
       </p:sp>
+      <p:pic>
+        <p:nvPicPr>
+          <p:cNvPr id="1026" name="Picture 2"/>
+          <p:cNvPicPr>
+            <a:picLocks noChangeAspect="1" noChangeArrowheads="1"/>
+          </p:cNvPicPr>
+          <p:nvPr userDrawn="1"/>
+        </p:nvPicPr>
+        <p:blipFill>
+          <a:blip r:embed="rId3">
+            <a:extLst>
+              <a:ext uri="{28A0092B-C50C-407E-A947-70E740481C1C}">
+                <a14:useLocalDpi xmlns:a14="http://schemas.microsoft.com/office/drawing/2010/main" val="0"/>
+              </a:ext>
+            </a:extLst>
+          </a:blip>
+          <a:stretch>
+            <a:fillRect/>
+          </a:stretch>
+        </p:blipFill>
+        <p:spPr bwMode="auto">
+          <a:xfrm>
+            <a:off x="7506000" y="6401934"/>
+            <a:ext cx="1604967" cy="428739"/>
+          </a:xfrm>
+          <a:prstGeom prst="rect">
+            <a:avLst/>
+          </a:prstGeom>
+          <a:noFill/>
+          <a:extLst>
+            <a:ext uri="{909E8E84-426E-40DD-AFC4-6F175D3DCCD1}">
+              <a14:hiddenFill xmlns:a14="http://schemas.microsoft.com/office/drawing/2010/main">
+                <a:solidFill>
+                  <a:srgbClr val="FFFFFF"/>
+                </a:solidFill>
+              </a14:hiddenFill>
+            </a:ext>
+          </a:extLst>
+        </p:spPr>
+      </p:pic>
     </p:spTree>
     <p:extLst>
       <p:ext uri="{BB962C8B-B14F-4D97-AF65-F5344CB8AC3E}">
-        <p14:creationId xmlns:p14="http://schemas.microsoft.com/office/powerpoint/2010/main" val="1827891253"/>
+        <p14:creationId xmlns:p14="http://schemas.microsoft.com/office/powerpoint/2010/main" val="1348005940"/>
       </p:ext>
     </p:extLst>
   </p:cSld>
   <p:clrMapOvr>
     <a:masterClrMapping/>
   </p:clrMapOvr>
-  <mc:AlternateContent xmlns:mc="http://schemas.openxmlformats.org/markup-compatibility/2006">
-    <mc:Choice xmlns:p14="http://schemas.microsoft.com/office/powerpoint/2010/main" Requires="p14">
+  <mc:AlternateContent xmlns:mc="http://schemas.openxmlformats.org/markup-compatibility/2006" xmlns:p14="http://schemas.microsoft.com/office/powerpoint/2010/main">
+    <mc:Choice Requires="p14">
       <p:transition p14:dur="0" advClick="0"/>
     </mc:Choice>
-    <mc:Fallback>
+    <mc:Fallback xmlns="">
+      <p:transition advClick="0"/>
+    </mc:Fallback>
+  </mc:AlternateContent>
+  <p:timing>
+    <p:tnLst>
+      <p:par>
+        <p:cTn id="1" dur="indefinite" restart="never" nodeType="tmRoot"/>
+      </p:par>
+    </p:tnLst>
+  </p:timing>
+</p:sldLayout>
+</file>
+
+<file path=ppt/slideLayouts/slideLayout8.xml><?xml version="1.0" encoding="utf-8"?>
+<p:sldLayout xmlns:a="http://schemas.openxmlformats.org/drawingml/2006/main" xmlns:r="http://schemas.openxmlformats.org/officeDocument/2006/relationships" xmlns:p="http://schemas.openxmlformats.org/presentationml/2006/main" type="title" preserve="1">
+  <p:cSld name="Címdia (magyar)">
+    <p:spTree>
+      <p:nvGrpSpPr>
+        <p:cNvPr id="1" name=""/>
+        <p:cNvGrpSpPr/>
+        <p:nvPr/>
+      </p:nvGrpSpPr>
+      <p:grpSpPr>
+        <a:xfrm>
+          <a:off x="0" y="0"/>
+          <a:ext cx="0" cy="0"/>
+          <a:chOff x="0" y="0"/>
+          <a:chExt cx="0" cy="0"/>
+        </a:xfrm>
+      </p:grpSpPr>
+      <p:sp>
+        <p:nvSpPr>
+          <p:cNvPr id="4" name="Rectangle 9"/>
+          <p:cNvSpPr>
+            <a:spLocks noChangeArrowheads="1"/>
+          </p:cNvSpPr>
+          <p:nvPr/>
+        </p:nvSpPr>
+        <p:spPr bwMode="auto">
+          <a:xfrm>
+            <a:off x="0" y="6356350"/>
+            <a:ext cx="9144000" cy="501650"/>
+          </a:xfrm>
+          <a:prstGeom prst="rect">
+            <a:avLst/>
+          </a:prstGeom>
+          <a:solidFill>
+            <a:schemeClr val="bg1"/>
+          </a:solidFill>
+          <a:ln w="12700">
+            <a:solidFill>
+              <a:schemeClr val="tx1"/>
+            </a:solidFill>
+            <a:miter lim="800000"/>
+            <a:headEnd/>
+            <a:tailEnd/>
+          </a:ln>
+          <a:effectLst/>
+        </p:spPr>
+        <p:txBody>
+          <a:bodyPr wrap="none" anchor="ctr"/>
+          <a:lstStyle/>
+          <a:p>
+            <a:pPr fontAlgn="auto">
+              <a:spcBef>
+                <a:spcPts val="0"/>
+              </a:spcBef>
+              <a:spcAft>
+                <a:spcPts val="0"/>
+              </a:spcAft>
+              <a:defRPr/>
+            </a:pPr>
+            <a:endParaRPr lang="hu-HU">
+              <a:latin typeface="+mn-lt"/>
+              <a:cs typeface="+mn-cs"/>
+            </a:endParaRPr>
+          </a:p>
+        </p:txBody>
+      </p:sp>
+      <p:sp>
+        <p:nvSpPr>
+          <p:cNvPr id="5" name="Text Box 10"/>
+          <p:cNvSpPr txBox="1">
+            <a:spLocks noChangeArrowheads="1"/>
+          </p:cNvSpPr>
+          <p:nvPr/>
+        </p:nvSpPr>
+        <p:spPr bwMode="auto">
+          <a:xfrm>
+            <a:off x="-17463" y="6413500"/>
+            <a:ext cx="3649663" cy="400110"/>
+          </a:xfrm>
+          <a:prstGeom prst="rect">
+            <a:avLst/>
+          </a:prstGeom>
+          <a:noFill/>
+          <a:ln w="12700" algn="ctr">
+            <a:noFill/>
+            <a:miter lim="800000"/>
+            <a:headEnd/>
+            <a:tailEnd/>
+          </a:ln>
+          <a:effectLst/>
+        </p:spPr>
+        <p:txBody>
+          <a:bodyPr>
+            <a:spAutoFit/>
+          </a:bodyPr>
+          <a:lstStyle/>
+          <a:p>
+            <a:pPr defTabSz="762000" fontAlgn="auto">
+              <a:spcBef>
+                <a:spcPts val="0"/>
+              </a:spcBef>
+              <a:spcAft>
+                <a:spcPts val="0"/>
+              </a:spcAft>
+              <a:defRPr/>
+            </a:pPr>
+            <a:r>
+              <a:rPr lang="en-US" sz="1000" b="1" dirty="0" smtClean="0">
+                <a:solidFill>
+                  <a:schemeClr val="tx1"/>
+                </a:solidFill>
+                <a:latin typeface="+mn-lt"/>
+                <a:cs typeface="+mn-cs"/>
+              </a:rPr>
+              <a:t>Budapest University of Technology and Economics</a:t>
+            </a:r>
+            <a:r>
+              <a:rPr lang="hu-HU" sz="1000" b="1" dirty="0" smtClean="0">
+                <a:solidFill>
+                  <a:schemeClr val="tx1"/>
+                </a:solidFill>
+                <a:latin typeface="+mn-lt"/>
+                <a:cs typeface="+mn-cs"/>
+              </a:rPr>
+              <a:t/>
+            </a:r>
+            <a:br>
+              <a:rPr lang="hu-HU" sz="1000" b="1" dirty="0" smtClean="0">
+                <a:solidFill>
+                  <a:schemeClr val="tx1"/>
+                </a:solidFill>
+                <a:latin typeface="+mn-lt"/>
+                <a:cs typeface="+mn-cs"/>
+              </a:rPr>
+            </a:br>
+            <a:r>
+              <a:rPr lang="en-US" sz="1000" b="1" dirty="0" smtClean="0">
+                <a:solidFill>
+                  <a:schemeClr val="tx1"/>
+                </a:solidFill>
+                <a:latin typeface="+mn-lt"/>
+                <a:cs typeface="+mn-cs"/>
+              </a:rPr>
+              <a:t>Department of Measurement and Information Systems</a:t>
+            </a:r>
+            <a:endParaRPr lang="en-US" sz="1000" b="1" dirty="0">
+              <a:solidFill>
+                <a:schemeClr val="tx1"/>
+              </a:solidFill>
+              <a:latin typeface="+mn-lt"/>
+              <a:cs typeface="+mn-cs"/>
+            </a:endParaRPr>
+          </a:p>
+        </p:txBody>
+      </p:sp>
+      <p:sp>
+        <p:nvSpPr>
+          <p:cNvPr id="8" name="Rectangle 20"/>
+          <p:cNvSpPr>
+            <a:spLocks noChangeArrowheads="1"/>
+          </p:cNvSpPr>
+          <p:nvPr/>
+        </p:nvSpPr>
+        <p:spPr bwMode="auto">
+          <a:xfrm>
+            <a:off x="0" y="0"/>
+            <a:ext cx="9144000" cy="501650"/>
+          </a:xfrm>
+          <a:prstGeom prst="rect">
+            <a:avLst/>
+          </a:prstGeom>
+          <a:noFill/>
+          <a:ln w="12700">
+            <a:solidFill>
+              <a:schemeClr val="tx1"/>
+            </a:solidFill>
+            <a:miter lim="800000"/>
+            <a:headEnd/>
+            <a:tailEnd/>
+          </a:ln>
+          <a:effectLst/>
+        </p:spPr>
+        <p:txBody>
+          <a:bodyPr wrap="none" anchor="ctr"/>
+          <a:lstStyle/>
+          <a:p>
+            <a:pPr fontAlgn="auto">
+              <a:spcBef>
+                <a:spcPts val="0"/>
+              </a:spcBef>
+              <a:spcAft>
+                <a:spcPts val="0"/>
+              </a:spcAft>
+              <a:defRPr/>
+            </a:pPr>
+            <a:endParaRPr lang="hu-HU">
+              <a:latin typeface="+mn-lt"/>
+              <a:cs typeface="+mn-cs"/>
+            </a:endParaRPr>
+          </a:p>
+        </p:txBody>
+      </p:sp>
+      <p:sp>
+        <p:nvSpPr>
+          <p:cNvPr id="2" name="Cím 1"/>
+          <p:cNvSpPr>
+            <a:spLocks noGrp="1"/>
+          </p:cNvSpPr>
+          <p:nvPr>
+            <p:ph type="ctrTitle"/>
+          </p:nvPr>
+        </p:nvSpPr>
+        <p:spPr>
+          <a:xfrm>
+            <a:off x="685800" y="1374767"/>
+            <a:ext cx="7772400" cy="1470025"/>
+          </a:xfrm>
+        </p:spPr>
+        <p:txBody>
+          <a:bodyPr/>
+          <a:lstStyle/>
+          <a:p>
+            <a:r>
+              <a:rPr lang="hu-HU" smtClean="0"/>
+              <a:t>Mintacím szerkesztése</a:t>
+            </a:r>
+            <a:endParaRPr lang="hu-HU" dirty="0"/>
+          </a:p>
+        </p:txBody>
+      </p:sp>
+      <p:sp>
+        <p:nvSpPr>
+          <p:cNvPr id="3" name="Alcím 2"/>
+          <p:cNvSpPr>
+            <a:spLocks noGrp="1"/>
+          </p:cNvSpPr>
+          <p:nvPr>
+            <p:ph type="subTitle" idx="1"/>
+          </p:nvPr>
+        </p:nvSpPr>
+        <p:spPr>
+          <a:xfrm>
+            <a:off x="1371600" y="3246435"/>
+            <a:ext cx="6400800" cy="1277955"/>
+          </a:xfrm>
+        </p:spPr>
+        <p:txBody>
+          <a:bodyPr/>
+          <a:lstStyle>
+            <a:lvl1pPr marL="0" indent="0" algn="ctr">
+              <a:buNone/>
+              <a:defRPr>
+                <a:solidFill>
+                  <a:schemeClr val="tx1"/>
+                </a:solidFill>
+              </a:defRPr>
+            </a:lvl1pPr>
+            <a:lvl2pPr marL="457200" indent="0" algn="ctr">
+              <a:buNone/>
+              <a:defRPr>
+                <a:solidFill>
+                  <a:schemeClr val="tx1">
+                    <a:tint val="75000"/>
+                  </a:schemeClr>
+                </a:solidFill>
+              </a:defRPr>
+            </a:lvl2pPr>
+            <a:lvl3pPr marL="914400" indent="0" algn="ctr">
+              <a:buNone/>
+              <a:defRPr>
+                <a:solidFill>
+                  <a:schemeClr val="tx1">
+                    <a:tint val="75000"/>
+                  </a:schemeClr>
+                </a:solidFill>
+              </a:defRPr>
+            </a:lvl3pPr>
+            <a:lvl4pPr marL="1371600" indent="0" algn="ctr">
+              <a:buNone/>
+              <a:defRPr>
+                <a:solidFill>
+                  <a:schemeClr val="tx1">
+                    <a:tint val="75000"/>
+                  </a:schemeClr>
+                </a:solidFill>
+              </a:defRPr>
+            </a:lvl4pPr>
+            <a:lvl5pPr marL="1828800" indent="0" algn="ctr">
+              <a:buNone/>
+              <a:defRPr>
+                <a:solidFill>
+                  <a:schemeClr val="tx1">
+                    <a:tint val="75000"/>
+                  </a:schemeClr>
+                </a:solidFill>
+              </a:defRPr>
+            </a:lvl5pPr>
+            <a:lvl6pPr marL="2286000" indent="0" algn="ctr">
+              <a:buNone/>
+              <a:defRPr>
+                <a:solidFill>
+                  <a:schemeClr val="tx1">
+                    <a:tint val="75000"/>
+                  </a:schemeClr>
+                </a:solidFill>
+              </a:defRPr>
+            </a:lvl6pPr>
+            <a:lvl7pPr marL="2743200" indent="0" algn="ctr">
+              <a:buNone/>
+              <a:defRPr>
+                <a:solidFill>
+                  <a:schemeClr val="tx1">
+                    <a:tint val="75000"/>
+                  </a:schemeClr>
+                </a:solidFill>
+              </a:defRPr>
+            </a:lvl7pPr>
+            <a:lvl8pPr marL="3200400" indent="0" algn="ctr">
+              <a:buNone/>
+              <a:defRPr>
+                <a:solidFill>
+                  <a:schemeClr val="tx1">
+                    <a:tint val="75000"/>
+                  </a:schemeClr>
+                </a:solidFill>
+              </a:defRPr>
+            </a:lvl8pPr>
+            <a:lvl9pPr marL="3657600" indent="0" algn="ctr">
+              <a:buNone/>
+              <a:defRPr>
+                <a:solidFill>
+                  <a:schemeClr val="tx1">
+                    <a:tint val="75000"/>
+                  </a:schemeClr>
+                </a:solidFill>
+              </a:defRPr>
+            </a:lvl9pPr>
+          </a:lstStyle>
+          <a:p>
+            <a:r>
+              <a:rPr lang="hu-HU" smtClean="0"/>
+              <a:t>Alcím mintájának szerkesztése</a:t>
+            </a:r>
+            <a:endParaRPr lang="hu-HU" dirty="0"/>
+          </a:p>
+        </p:txBody>
+      </p:sp>
+      <p:sp>
+        <p:nvSpPr>
+          <p:cNvPr id="10" name="Text Box 10"/>
+          <p:cNvSpPr txBox="1">
+            <a:spLocks noChangeArrowheads="1"/>
+          </p:cNvSpPr>
+          <p:nvPr userDrawn="1"/>
+        </p:nvSpPr>
+        <p:spPr bwMode="auto">
+          <a:xfrm>
+            <a:off x="1000125" y="4725145"/>
+            <a:ext cx="7143750" cy="830997"/>
+          </a:xfrm>
+          <a:prstGeom prst="rect">
+            <a:avLst/>
+          </a:prstGeom>
+          <a:noFill/>
+          <a:ln w="12700" algn="ctr">
+            <a:noFill/>
+            <a:miter lim="800000"/>
+            <a:headEnd/>
+            <a:tailEnd/>
+          </a:ln>
+          <a:effectLst/>
+        </p:spPr>
+        <p:txBody>
+          <a:bodyPr wrap="square">
+            <a:spAutoFit/>
+          </a:bodyPr>
+          <a:lstStyle/>
+          <a:p>
+            <a:pPr algn="ctr" defTabSz="762000" fontAlgn="auto">
+              <a:spcBef>
+                <a:spcPts val="0"/>
+              </a:spcBef>
+              <a:spcAft>
+                <a:spcPts val="0"/>
+              </a:spcAft>
+              <a:defRPr/>
+            </a:pPr>
+            <a:r>
+              <a:rPr lang="hu-HU" sz="2400" b="1" dirty="0" smtClean="0">
+                <a:latin typeface="+mn-lt"/>
+                <a:cs typeface="+mn-cs"/>
+              </a:rPr>
+              <a:t>Budapesti Műszaki és Gazdaságtudományi Egyetem</a:t>
+            </a:r>
+          </a:p>
+          <a:p>
+            <a:pPr algn="ctr" defTabSz="762000" fontAlgn="auto">
+              <a:spcBef>
+                <a:spcPts val="0"/>
+              </a:spcBef>
+              <a:spcAft>
+                <a:spcPts val="0"/>
+              </a:spcAft>
+              <a:defRPr/>
+            </a:pPr>
+            <a:r>
+              <a:rPr lang="hu-HU" sz="2400" b="1" dirty="0" smtClean="0">
+                <a:latin typeface="+mn-lt"/>
+                <a:cs typeface="+mn-cs"/>
+              </a:rPr>
+              <a:t>Hibatűrő Rendszerek Kutatócsoport</a:t>
+            </a:r>
+            <a:endParaRPr lang="en-US" sz="2400" b="1" dirty="0">
+              <a:latin typeface="+mn-lt"/>
+              <a:cs typeface="+mn-cs"/>
+            </a:endParaRPr>
+          </a:p>
+        </p:txBody>
+      </p:sp>
+      <p:pic>
+        <p:nvPicPr>
+          <p:cNvPr id="18" name="Kép 17"/>
+          <p:cNvPicPr>
+            <a:picLocks noChangeAspect="1"/>
+          </p:cNvPicPr>
+          <p:nvPr userDrawn="1"/>
+        </p:nvPicPr>
+        <p:blipFill>
+          <a:blip r:embed="rId2">
+            <a:extLst>
+              <a:ext uri="{28A0092B-C50C-407E-A947-70E740481C1C}">
+                <a14:useLocalDpi xmlns:a14="http://schemas.microsoft.com/office/drawing/2010/main" val="0"/>
+              </a:ext>
+            </a:extLst>
+          </a:blip>
+          <a:stretch>
+            <a:fillRect/>
+          </a:stretch>
+        </p:blipFill>
+        <p:spPr>
+          <a:xfrm>
+            <a:off x="3576997" y="5572835"/>
+            <a:ext cx="1890000" cy="632812"/>
+          </a:xfrm>
+          <a:prstGeom prst="rect">
+            <a:avLst/>
+          </a:prstGeom>
+          <a:noFill/>
+          <a:ln>
+            <a:noFill/>
+          </a:ln>
+        </p:spPr>
+      </p:pic>
+      <p:sp>
+        <p:nvSpPr>
+          <p:cNvPr id="6" name="Dia számának helye 5"/>
+          <p:cNvSpPr>
+            <a:spLocks noGrp="1"/>
+          </p:cNvSpPr>
+          <p:nvPr>
+            <p:ph type="sldNum" sz="quarter" idx="10"/>
+          </p:nvPr>
+        </p:nvSpPr>
+        <p:spPr/>
+        <p:txBody>
+          <a:bodyPr/>
+          <a:lstStyle/>
+          <a:p>
+            <a:fld id="{198CDE6E-C629-43CC-9290-30D2F1110D4C}" type="slidenum">
+              <a:rPr lang="hu-HU" smtClean="0"/>
+              <a:pPr/>
+              <a:t>‹#›</a:t>
+            </a:fld>
+            <a:endParaRPr lang="hu-HU" dirty="0"/>
+          </a:p>
+        </p:txBody>
+      </p:sp>
+      <p:pic>
+        <p:nvPicPr>
+          <p:cNvPr id="11" name="Picture 2"/>
+          <p:cNvPicPr>
+            <a:picLocks noChangeAspect="1" noChangeArrowheads="1"/>
+          </p:cNvPicPr>
+          <p:nvPr userDrawn="1"/>
+        </p:nvPicPr>
+        <p:blipFill>
+          <a:blip r:embed="rId3">
+            <a:extLst>
+              <a:ext uri="{28A0092B-C50C-407E-A947-70E740481C1C}">
+                <a14:useLocalDpi xmlns:a14="http://schemas.microsoft.com/office/drawing/2010/main" val="0"/>
+              </a:ext>
+            </a:extLst>
+          </a:blip>
+          <a:stretch>
+            <a:fillRect/>
+          </a:stretch>
+        </p:blipFill>
+        <p:spPr bwMode="auto">
+          <a:xfrm>
+            <a:off x="7506000" y="6400630"/>
+            <a:ext cx="1604966" cy="428739"/>
+          </a:xfrm>
+          <a:prstGeom prst="rect">
+            <a:avLst/>
+          </a:prstGeom>
+          <a:noFill/>
+          <a:extLst>
+            <a:ext uri="{909E8E84-426E-40DD-AFC4-6F175D3DCCD1}">
+              <a14:hiddenFill xmlns:a14="http://schemas.microsoft.com/office/drawing/2010/main">
+                <a:solidFill>
+                  <a:srgbClr val="FFFFFF"/>
+                </a:solidFill>
+              </a14:hiddenFill>
+            </a:ext>
+          </a:extLst>
+        </p:spPr>
+      </p:pic>
+    </p:spTree>
+    <p:extLst>
+      <p:ext uri="{BB962C8B-B14F-4D97-AF65-F5344CB8AC3E}">
+        <p14:creationId xmlns:p14="http://schemas.microsoft.com/office/powerpoint/2010/main" val="2981760958"/>
+      </p:ext>
+    </p:extLst>
+  </p:cSld>
+  <p:clrMapOvr>
+    <a:masterClrMapping/>
+  </p:clrMapOvr>
+  <mc:AlternateContent xmlns:mc="http://schemas.openxmlformats.org/markup-compatibility/2006" xmlns:p14="http://schemas.microsoft.com/office/powerpoint/2010/main">
+    <mc:Choice Requires="p14">
+      <p:transition p14:dur="0" advClick="0"/>
+    </mc:Choice>
+    <mc:Fallback xmlns="">
+      <p:transition advClick="0"/>
+    </mc:Fallback>
+  </mc:AlternateContent>
+  <p:timing>
+    <p:tnLst>
+      <p:par>
+        <p:cTn id="1" dur="indefinite" restart="never" nodeType="tmRoot"/>
+      </p:par>
+    </p:tnLst>
+  </p:timing>
+</p:sldLayout>
+</file>
+
+<file path=ppt/slideLayouts/slideLayout9.xml><?xml version="1.0" encoding="utf-8"?>
+<p:sldLayout xmlns:a="http://schemas.openxmlformats.org/drawingml/2006/main" xmlns:r="http://schemas.openxmlformats.org/officeDocument/2006/relationships" xmlns:p="http://schemas.openxmlformats.org/presentationml/2006/main" type="obj" preserve="1">
+  <p:cSld name="Cím és tartalom">
+    <p:bg>
+      <p:bgPr>
+        <a:solidFill>
+          <a:schemeClr val="bg1"/>
+        </a:solidFill>
+        <a:effectLst/>
+      </p:bgPr>
+    </p:bg>
+    <p:spTree>
+      <p:nvGrpSpPr>
+        <p:cNvPr id="1" name=""/>
+        <p:cNvGrpSpPr/>
+        <p:nvPr/>
+      </p:nvGrpSpPr>
+      <p:grpSpPr>
+        <a:xfrm>
+          <a:off x="0" y="0"/>
+          <a:ext cx="0" cy="0"/>
+          <a:chOff x="0" y="0"/>
+          <a:chExt cx="0" cy="0"/>
+        </a:xfrm>
+      </p:grpSpPr>
+      <p:sp>
+        <p:nvSpPr>
+          <p:cNvPr id="2" name="Cím 1"/>
+          <p:cNvSpPr>
+            <a:spLocks noGrp="1"/>
+          </p:cNvSpPr>
+          <p:nvPr>
+            <p:ph type="title"/>
+          </p:nvPr>
+        </p:nvSpPr>
+        <p:spPr/>
+        <p:txBody>
+          <a:bodyPr/>
+          <a:lstStyle/>
+          <a:p>
+            <a:r>
+              <a:rPr lang="hu-HU" smtClean="0"/>
+              <a:t>Mintacím szerkesztése</a:t>
+            </a:r>
+            <a:endParaRPr lang="hu-HU"/>
+          </a:p>
+        </p:txBody>
+      </p:sp>
+      <p:sp>
+        <p:nvSpPr>
+          <p:cNvPr id="3" name="Tartalom helye 2"/>
+          <p:cNvSpPr>
+            <a:spLocks noGrp="1"/>
+          </p:cNvSpPr>
+          <p:nvPr>
+            <p:ph idx="1"/>
+          </p:nvPr>
+        </p:nvSpPr>
+        <p:spPr/>
+        <p:txBody>
+          <a:bodyPr/>
+          <a:lstStyle/>
+          <a:p>
+            <a:pPr lvl="0"/>
+            <a:r>
+              <a:rPr lang="hu-HU" dirty="0" smtClean="0"/>
+              <a:t>Mintaszöveg szerkesztése</a:t>
+            </a:r>
+          </a:p>
+          <a:p>
+            <a:pPr lvl="1"/>
+            <a:r>
+              <a:rPr lang="hu-HU" dirty="0" smtClean="0"/>
+              <a:t>Második szint</a:t>
+            </a:r>
+          </a:p>
+          <a:p>
+            <a:pPr lvl="2"/>
+            <a:r>
+              <a:rPr lang="hu-HU" dirty="0" smtClean="0"/>
+              <a:t>Harmadik szint</a:t>
+            </a:r>
+          </a:p>
+          <a:p>
+            <a:pPr lvl="3"/>
+            <a:r>
+              <a:rPr lang="hu-HU" dirty="0" smtClean="0"/>
+              <a:t>Negyedik szint</a:t>
+            </a:r>
+          </a:p>
+          <a:p>
+            <a:pPr lvl="4"/>
+            <a:r>
+              <a:rPr lang="hu-HU" dirty="0" smtClean="0"/>
+              <a:t>Ötödik szint</a:t>
+            </a:r>
+            <a:endParaRPr lang="hu-HU" dirty="0"/>
+          </a:p>
+        </p:txBody>
+      </p:sp>
+      <p:sp>
+        <p:nvSpPr>
+          <p:cNvPr id="4" name="Dia számának helye 3"/>
+          <p:cNvSpPr>
+            <a:spLocks noGrp="1"/>
+          </p:cNvSpPr>
+          <p:nvPr>
+            <p:ph type="sldNum" sz="quarter" idx="10"/>
+          </p:nvPr>
+        </p:nvSpPr>
+        <p:spPr/>
+        <p:txBody>
+          <a:bodyPr/>
+          <a:lstStyle/>
+          <a:p>
+            <a:fld id="{198CDE6E-C629-43CC-9290-30D2F1110D4C}" type="slidenum">
+              <a:rPr lang="hu-HU" smtClean="0"/>
+              <a:pPr/>
+              <a:t>‹#›</a:t>
+            </a:fld>
+            <a:endParaRPr lang="hu-HU" dirty="0"/>
+          </a:p>
+        </p:txBody>
+      </p:sp>
+    </p:spTree>
+    <p:extLst>
+      <p:ext uri="{BB962C8B-B14F-4D97-AF65-F5344CB8AC3E}">
+        <p14:creationId xmlns:p14="http://schemas.microsoft.com/office/powerpoint/2010/main" val="1616852640"/>
+      </p:ext>
+    </p:extLst>
+  </p:cSld>
+  <p:clrMapOvr>
+    <a:masterClrMapping/>
+  </p:clrMapOvr>
+  <mc:AlternateContent xmlns:mc="http://schemas.openxmlformats.org/markup-compatibility/2006" xmlns:p14="http://schemas.microsoft.com/office/powerpoint/2010/main">
+    <mc:Choice Requires="p14">
+      <p:transition p14:dur="0" advClick="0"/>
+    </mc:Choice>
+    <mc:Fallback xmlns="">
       <p:transition advClick="0"/>
     </mc:Fallback>
   </mc:AlternateContent>
@@ -4517,11 +4855,11 @@
     <p:sldLayoutId id="2147483651" r:id="rId4"/>
     <p:sldLayoutId id="2147483652" r:id="rId5"/>
   </p:sldLayoutIdLst>
-  <mc:AlternateContent xmlns:mc="http://schemas.openxmlformats.org/markup-compatibility/2006">
-    <mc:Choice xmlns:p14="http://schemas.microsoft.com/office/powerpoint/2010/main" Requires="p14">
+  <mc:AlternateContent xmlns:mc="http://schemas.openxmlformats.org/markup-compatibility/2006" xmlns:p14="http://schemas.microsoft.com/office/powerpoint/2010/main">
+    <mc:Choice Requires="p14">
       <p:transition p14:dur="0" advClick="0"/>
     </mc:Choice>
-    <mc:Fallback>
+    <mc:Fallback xmlns="">
       <p:transition advClick="0"/>
     </mc:Fallback>
   </mc:AlternateContent>
@@ -4968,6 +5306,725 @@
           <a:prstGeom prst="rect">
             <a:avLst/>
           </a:prstGeom>
+          <a:gradFill flip="none" rotWithShape="1">
+            <a:gsLst>
+              <a:gs pos="0">
+                <a:srgbClr val="762536"/>
+              </a:gs>
+              <a:gs pos="50000">
+                <a:srgbClr val="762536"/>
+              </a:gs>
+              <a:gs pos="100000">
+                <a:srgbClr val="A3334B"/>
+              </a:gs>
+            </a:gsLst>
+            <a:lin ang="0" scaled="1"/>
+            <a:tileRect/>
+          </a:gradFill>
+          <a:ln w="9525">
+            <a:noFill/>
+            <a:miter lim="800000"/>
+            <a:headEnd/>
+            <a:tailEnd/>
+          </a:ln>
+          <a:effectLst/>
+        </p:spPr>
+        <p:txBody>
+          <a:bodyPr wrap="none" anchor="ctr"/>
+          <a:lstStyle/>
+          <a:p>
+            <a:pPr fontAlgn="auto">
+              <a:spcBef>
+                <a:spcPts val="0"/>
+              </a:spcBef>
+              <a:spcAft>
+                <a:spcPts val="0"/>
+              </a:spcAft>
+              <a:defRPr/>
+            </a:pPr>
+            <a:endParaRPr lang="hu-HU" dirty="0">
+              <a:latin typeface="+mn-lt"/>
+              <a:cs typeface="+mn-cs"/>
+            </a:endParaRPr>
+          </a:p>
+        </p:txBody>
+      </p:sp>
+      <p:pic>
+        <p:nvPicPr>
+          <p:cNvPr id="8" name="Kép 7"/>
+          <p:cNvPicPr>
+            <a:picLocks noChangeAspect="1"/>
+          </p:cNvPicPr>
+          <p:nvPr userDrawn="1"/>
+        </p:nvPicPr>
+        <p:blipFill>
+          <a:blip r:embed="rId3">
+            <a:extLst>
+              <a:ext uri="{28A0092B-C50C-407E-A947-70E740481C1C}">
+                <a14:useLocalDpi xmlns:a14="http://schemas.microsoft.com/office/drawing/2010/main" val="0"/>
+              </a:ext>
+            </a:extLst>
+          </a:blip>
+          <a:stretch>
+            <a:fillRect/>
+          </a:stretch>
+        </p:blipFill>
+        <p:spPr>
+          <a:xfrm>
+            <a:off x="22185" y="6491287"/>
+            <a:ext cx="1225630" cy="343842"/>
+          </a:xfrm>
+          <a:prstGeom prst="rect">
+            <a:avLst/>
+          </a:prstGeom>
+        </p:spPr>
+      </p:pic>
+      <p:sp>
+        <p:nvSpPr>
+          <p:cNvPr id="1026" name="Cím helye 1"/>
+          <p:cNvSpPr>
+            <a:spLocks noGrp="1"/>
+          </p:cNvSpPr>
+          <p:nvPr>
+            <p:ph type="title"/>
+          </p:nvPr>
+        </p:nvSpPr>
+        <p:spPr bwMode="auto">
+          <a:xfrm>
+            <a:off x="0" y="0"/>
+            <a:ext cx="9144000" cy="720725"/>
+          </a:xfrm>
+          <a:prstGeom prst="rect">
+            <a:avLst/>
+          </a:prstGeom>
+          <a:solidFill>
+            <a:srgbClr val="762536"/>
+          </a:solidFill>
+          <a:ln w="9525">
+            <a:noFill/>
+            <a:miter lim="800000"/>
+            <a:headEnd/>
+            <a:tailEnd/>
+          </a:ln>
+        </p:spPr>
+        <p:txBody>
+          <a:bodyPr vert="horz" wrap="square" lIns="91440" tIns="45720" rIns="91440" bIns="45720" numCol="1" anchor="ctr" anchorCtr="0" compatLnSpc="1">
+            <a:prstTxWarp prst="textNoShape">
+              <a:avLst/>
+            </a:prstTxWarp>
+          </a:bodyPr>
+          <a:lstStyle/>
+          <a:p>
+            <a:pPr lvl="0"/>
+            <a:r>
+              <a:rPr lang="hu-HU" smtClean="0"/>
+              <a:t>Mintacím szerkesztése</a:t>
+            </a:r>
+          </a:p>
+        </p:txBody>
+      </p:sp>
+      <p:sp>
+        <p:nvSpPr>
+          <p:cNvPr id="1027" name="Szöveg helye 2"/>
+          <p:cNvSpPr>
+            <a:spLocks noGrp="1"/>
+          </p:cNvSpPr>
+          <p:nvPr>
+            <p:ph type="body" idx="1"/>
+          </p:nvPr>
+        </p:nvSpPr>
+        <p:spPr bwMode="auto">
+          <a:xfrm>
+            <a:off x="142875" y="857250"/>
+            <a:ext cx="8858250" cy="5529263"/>
+          </a:xfrm>
+          <a:prstGeom prst="rect">
+            <a:avLst/>
+          </a:prstGeom>
+          <a:noFill/>
+          <a:ln w="9525">
+            <a:noFill/>
+            <a:miter lim="800000"/>
+            <a:headEnd/>
+            <a:tailEnd/>
+          </a:ln>
+        </p:spPr>
+        <p:txBody>
+          <a:bodyPr vert="horz" wrap="square" lIns="91440" tIns="45720" rIns="91440" bIns="45720" numCol="1" anchor="t" anchorCtr="0" compatLnSpc="1">
+            <a:prstTxWarp prst="textNoShape">
+              <a:avLst/>
+            </a:prstTxWarp>
+          </a:bodyPr>
+          <a:lstStyle/>
+          <a:p>
+            <a:pPr lvl="0"/>
+            <a:r>
+              <a:rPr lang="hu-HU" dirty="0" smtClean="0"/>
+              <a:t>Mintaszöveg szerkesztése</a:t>
+            </a:r>
+          </a:p>
+          <a:p>
+            <a:pPr lvl="1"/>
+            <a:r>
+              <a:rPr lang="hu-HU" dirty="0" smtClean="0"/>
+              <a:t>Második szint</a:t>
+            </a:r>
+          </a:p>
+          <a:p>
+            <a:pPr lvl="2"/>
+            <a:r>
+              <a:rPr lang="hu-HU" dirty="0" smtClean="0"/>
+              <a:t>Harmadik szint</a:t>
+            </a:r>
+          </a:p>
+          <a:p>
+            <a:pPr lvl="3"/>
+            <a:r>
+              <a:rPr lang="hu-HU" dirty="0" smtClean="0"/>
+              <a:t>Negyedik szint</a:t>
+            </a:r>
+          </a:p>
+          <a:p>
+            <a:pPr lvl="4"/>
+            <a:r>
+              <a:rPr lang="hu-HU" dirty="0" smtClean="0"/>
+              <a:t>Ötödik szint</a:t>
+            </a:r>
+          </a:p>
+        </p:txBody>
+      </p:sp>
+      <p:pic>
+        <p:nvPicPr>
+          <p:cNvPr id="3" name="Kép 2"/>
+          <p:cNvPicPr>
+            <a:picLocks noChangeAspect="1"/>
+          </p:cNvPicPr>
+          <p:nvPr userDrawn="1"/>
+        </p:nvPicPr>
+        <p:blipFill>
+          <a:blip r:embed="rId4">
+            <a:extLst>
+              <a:ext uri="{28A0092B-C50C-407E-A947-70E740481C1C}">
+                <a14:useLocalDpi xmlns:a14="http://schemas.microsoft.com/office/drawing/2010/main" val="0"/>
+              </a:ext>
+            </a:extLst>
+          </a:blip>
+          <a:stretch>
+            <a:fillRect/>
+          </a:stretch>
+        </p:blipFill>
+        <p:spPr>
+          <a:xfrm>
+            <a:off x="8071953" y="6500180"/>
+            <a:ext cx="1049893" cy="334640"/>
+          </a:xfrm>
+          <a:prstGeom prst="rect">
+            <a:avLst/>
+          </a:prstGeom>
+        </p:spPr>
+      </p:pic>
+      <p:sp>
+        <p:nvSpPr>
+          <p:cNvPr id="2" name="Dia számának helye 1"/>
+          <p:cNvSpPr>
+            <a:spLocks noGrp="1"/>
+          </p:cNvSpPr>
+          <p:nvPr>
+            <p:ph type="sldNum" sz="quarter" idx="4"/>
+          </p:nvPr>
+        </p:nvSpPr>
+        <p:spPr>
+          <a:xfrm>
+            <a:off x="3543300" y="6469695"/>
+            <a:ext cx="2057400" cy="365125"/>
+          </a:xfrm>
+          <a:prstGeom prst="rect">
+            <a:avLst/>
+          </a:prstGeom>
+        </p:spPr>
+        <p:txBody>
+          <a:bodyPr vert="horz" lIns="91440" tIns="45720" rIns="91440" bIns="45720" rtlCol="0" anchor="ctr"/>
+          <a:lstStyle>
+            <a:lvl1pPr algn="ctr">
+              <a:defRPr sz="1200">
+                <a:solidFill>
+                  <a:schemeClr val="tx2"/>
+                </a:solidFill>
+              </a:defRPr>
+            </a:lvl1pPr>
+          </a:lstStyle>
+          <a:p>
+            <a:fld id="{A7C85712-A09B-4560-9D1E-08050AA835BB}" type="slidenum">
+              <a:rPr lang="hu-HU" smtClean="0"/>
+              <a:pPr/>
+              <a:t>‹#›</a:t>
+            </a:fld>
+            <a:endParaRPr lang="hu-HU" dirty="0"/>
+          </a:p>
+        </p:txBody>
+      </p:sp>
+    </p:spTree>
+    <p:extLst>
+      <p:ext uri="{BB962C8B-B14F-4D97-AF65-F5344CB8AC3E}">
+        <p14:creationId xmlns:p14="http://schemas.microsoft.com/office/powerpoint/2010/main" val="2901460490"/>
+      </p:ext>
+    </p:extLst>
+  </p:cSld>
+  <p:clrMap bg1="lt1" tx1="dk1" bg2="lt2" tx2="dk2" accent1="accent1" accent2="accent2" accent3="accent3" accent4="accent4" accent5="accent5" accent6="accent6" hlink="hlink" folHlink="folHlink"/>
+  <p:sldLayoutIdLst>
+    <p:sldLayoutId id="2147483693" r:id="rId1"/>
+  </p:sldLayoutIdLst>
+  <mc:AlternateContent xmlns:mc="http://schemas.openxmlformats.org/markup-compatibility/2006" xmlns:p14="http://schemas.microsoft.com/office/powerpoint/2010/main">
+    <mc:Choice Requires="p14">
+      <p:transition p14:dur="0" advClick="0"/>
+    </mc:Choice>
+    <mc:Fallback xmlns="">
+      <p:transition advClick="0"/>
+    </mc:Fallback>
+  </mc:AlternateContent>
+  <p:timing>
+    <p:tnLst>
+      <p:par>
+        <p:cTn id="1" dur="indefinite" restart="never" nodeType="tmRoot"/>
+      </p:par>
+    </p:tnLst>
+  </p:timing>
+  <p:hf hdr="0" ftr="0" dt="0"/>
+  <p:txStyles>
+    <p:titleStyle>
+      <a:lvl1pPr algn="ctr" rtl="0" eaLnBrk="1" fontAlgn="base" hangingPunct="1">
+        <a:spcBef>
+          <a:spcPct val="0"/>
+        </a:spcBef>
+        <a:spcAft>
+          <a:spcPct val="0"/>
+        </a:spcAft>
+        <a:defRPr sz="4000" kern="1200">
+          <a:solidFill>
+            <a:schemeClr val="tx2"/>
+          </a:solidFill>
+          <a:latin typeface="+mj-lt"/>
+          <a:ea typeface="+mj-ea"/>
+          <a:cs typeface="+mj-cs"/>
+        </a:defRPr>
+      </a:lvl1pPr>
+      <a:lvl2pPr algn="ctr" rtl="0" eaLnBrk="1" fontAlgn="base" hangingPunct="1">
+        <a:spcBef>
+          <a:spcPct val="0"/>
+        </a:spcBef>
+        <a:spcAft>
+          <a:spcPct val="0"/>
+        </a:spcAft>
+        <a:defRPr sz="4000">
+          <a:solidFill>
+            <a:srgbClr val="F8F8F8"/>
+          </a:solidFill>
+          <a:latin typeface="Calibri" pitchFamily="34" charset="0"/>
+        </a:defRPr>
+      </a:lvl2pPr>
+      <a:lvl3pPr algn="ctr" rtl="0" eaLnBrk="1" fontAlgn="base" hangingPunct="1">
+        <a:spcBef>
+          <a:spcPct val="0"/>
+        </a:spcBef>
+        <a:spcAft>
+          <a:spcPct val="0"/>
+        </a:spcAft>
+        <a:defRPr sz="4000">
+          <a:solidFill>
+            <a:srgbClr val="F8F8F8"/>
+          </a:solidFill>
+          <a:latin typeface="Calibri" pitchFamily="34" charset="0"/>
+        </a:defRPr>
+      </a:lvl3pPr>
+      <a:lvl4pPr algn="ctr" rtl="0" eaLnBrk="1" fontAlgn="base" hangingPunct="1">
+        <a:spcBef>
+          <a:spcPct val="0"/>
+        </a:spcBef>
+        <a:spcAft>
+          <a:spcPct val="0"/>
+        </a:spcAft>
+        <a:defRPr sz="4000">
+          <a:solidFill>
+            <a:srgbClr val="F8F8F8"/>
+          </a:solidFill>
+          <a:latin typeface="Calibri" pitchFamily="34" charset="0"/>
+        </a:defRPr>
+      </a:lvl4pPr>
+      <a:lvl5pPr algn="ctr" rtl="0" eaLnBrk="1" fontAlgn="base" hangingPunct="1">
+        <a:spcBef>
+          <a:spcPct val="0"/>
+        </a:spcBef>
+        <a:spcAft>
+          <a:spcPct val="0"/>
+        </a:spcAft>
+        <a:defRPr sz="4000">
+          <a:solidFill>
+            <a:srgbClr val="F8F8F8"/>
+          </a:solidFill>
+          <a:latin typeface="Calibri" pitchFamily="34" charset="0"/>
+        </a:defRPr>
+      </a:lvl5pPr>
+      <a:lvl6pPr marL="457200" algn="ctr" rtl="0" eaLnBrk="1" fontAlgn="base" hangingPunct="1">
+        <a:spcBef>
+          <a:spcPct val="0"/>
+        </a:spcBef>
+        <a:spcAft>
+          <a:spcPct val="0"/>
+        </a:spcAft>
+        <a:defRPr sz="4000">
+          <a:solidFill>
+            <a:srgbClr val="F8F8F8"/>
+          </a:solidFill>
+          <a:latin typeface="Calibri" pitchFamily="34" charset="0"/>
+        </a:defRPr>
+      </a:lvl6pPr>
+      <a:lvl7pPr marL="914400" algn="ctr" rtl="0" eaLnBrk="1" fontAlgn="base" hangingPunct="1">
+        <a:spcBef>
+          <a:spcPct val="0"/>
+        </a:spcBef>
+        <a:spcAft>
+          <a:spcPct val="0"/>
+        </a:spcAft>
+        <a:defRPr sz="4000">
+          <a:solidFill>
+            <a:srgbClr val="F8F8F8"/>
+          </a:solidFill>
+          <a:latin typeface="Calibri" pitchFamily="34" charset="0"/>
+        </a:defRPr>
+      </a:lvl7pPr>
+      <a:lvl8pPr marL="1371600" algn="ctr" rtl="0" eaLnBrk="1" fontAlgn="base" hangingPunct="1">
+        <a:spcBef>
+          <a:spcPct val="0"/>
+        </a:spcBef>
+        <a:spcAft>
+          <a:spcPct val="0"/>
+        </a:spcAft>
+        <a:defRPr sz="4000">
+          <a:solidFill>
+            <a:srgbClr val="F8F8F8"/>
+          </a:solidFill>
+          <a:latin typeface="Calibri" pitchFamily="34" charset="0"/>
+        </a:defRPr>
+      </a:lvl8pPr>
+      <a:lvl9pPr marL="1828800" algn="ctr" rtl="0" eaLnBrk="1" fontAlgn="base" hangingPunct="1">
+        <a:spcBef>
+          <a:spcPct val="0"/>
+        </a:spcBef>
+        <a:spcAft>
+          <a:spcPct val="0"/>
+        </a:spcAft>
+        <a:defRPr sz="4000">
+          <a:solidFill>
+            <a:srgbClr val="F8F8F8"/>
+          </a:solidFill>
+          <a:latin typeface="Calibri" pitchFamily="34" charset="0"/>
+        </a:defRPr>
+      </a:lvl9pPr>
+    </p:titleStyle>
+    <p:bodyStyle>
+      <a:lvl1pPr marL="342900" indent="-342900" algn="l" rtl="0" eaLnBrk="1" fontAlgn="base" hangingPunct="1">
+        <a:spcBef>
+          <a:spcPct val="20000"/>
+        </a:spcBef>
+        <a:spcAft>
+          <a:spcPct val="0"/>
+        </a:spcAft>
+        <a:buClr>
+          <a:srgbClr val="762536"/>
+        </a:buClr>
+        <a:buFont typeface="Wingdings" pitchFamily="2" charset="2"/>
+        <a:buChar char="§"/>
+        <a:defRPr sz="3200" kern="1200">
+          <a:solidFill>
+            <a:schemeClr val="tx1"/>
+          </a:solidFill>
+          <a:latin typeface="+mn-lt"/>
+          <a:ea typeface="+mn-ea"/>
+          <a:cs typeface="+mn-cs"/>
+        </a:defRPr>
+      </a:lvl1pPr>
+      <a:lvl2pPr marL="742950" indent="-285750" algn="l" rtl="0" eaLnBrk="1" fontAlgn="base" hangingPunct="1">
+        <a:spcBef>
+          <a:spcPct val="20000"/>
+        </a:spcBef>
+        <a:spcAft>
+          <a:spcPct val="0"/>
+        </a:spcAft>
+        <a:buClr>
+          <a:srgbClr val="762536"/>
+        </a:buClr>
+        <a:buFont typeface="Courier New" pitchFamily="49" charset="0"/>
+        <a:buChar char="o"/>
+        <a:defRPr sz="2800" kern="1200">
+          <a:solidFill>
+            <a:schemeClr val="tx1"/>
+          </a:solidFill>
+          <a:latin typeface="+mn-lt"/>
+          <a:ea typeface="+mn-ea"/>
+          <a:cs typeface="+mn-cs"/>
+        </a:defRPr>
+      </a:lvl2pPr>
+      <a:lvl3pPr marL="1143000" indent="-228600" algn="l" rtl="0" eaLnBrk="1" fontAlgn="base" hangingPunct="1">
+        <a:spcBef>
+          <a:spcPct val="20000"/>
+        </a:spcBef>
+        <a:spcAft>
+          <a:spcPct val="0"/>
+        </a:spcAft>
+        <a:buClr>
+          <a:srgbClr val="762536"/>
+        </a:buClr>
+        <a:buFont typeface="Arial" charset="0"/>
+        <a:buChar char="•"/>
+        <a:defRPr sz="2400" kern="1200">
+          <a:solidFill>
+            <a:schemeClr val="tx1"/>
+          </a:solidFill>
+          <a:latin typeface="+mn-lt"/>
+          <a:ea typeface="+mn-ea"/>
+          <a:cs typeface="+mn-cs"/>
+        </a:defRPr>
+      </a:lvl3pPr>
+      <a:lvl4pPr marL="1600200" indent="-228600" algn="l" rtl="0" eaLnBrk="1" fontAlgn="base" hangingPunct="1">
+        <a:spcBef>
+          <a:spcPct val="20000"/>
+        </a:spcBef>
+        <a:spcAft>
+          <a:spcPct val="0"/>
+        </a:spcAft>
+        <a:buClr>
+          <a:srgbClr val="762536"/>
+        </a:buClr>
+        <a:buFont typeface="Arial" charset="0"/>
+        <a:buChar char="–"/>
+        <a:defRPr sz="2000" kern="1200">
+          <a:solidFill>
+            <a:schemeClr val="tx1"/>
+          </a:solidFill>
+          <a:latin typeface="+mn-lt"/>
+          <a:ea typeface="+mn-ea"/>
+          <a:cs typeface="+mn-cs"/>
+        </a:defRPr>
+      </a:lvl4pPr>
+      <a:lvl5pPr marL="2057400" indent="-228600" algn="l" rtl="0" eaLnBrk="1" fontAlgn="base" hangingPunct="1">
+        <a:spcBef>
+          <a:spcPct val="20000"/>
+        </a:spcBef>
+        <a:spcAft>
+          <a:spcPct val="0"/>
+        </a:spcAft>
+        <a:buClr>
+          <a:srgbClr val="762536"/>
+        </a:buClr>
+        <a:buFont typeface="Arial" charset="0"/>
+        <a:buChar char="»"/>
+        <a:defRPr sz="2000" kern="1200">
+          <a:solidFill>
+            <a:schemeClr val="tx1"/>
+          </a:solidFill>
+          <a:latin typeface="+mn-lt"/>
+          <a:ea typeface="+mn-ea"/>
+          <a:cs typeface="+mn-cs"/>
+        </a:defRPr>
+      </a:lvl5pPr>
+      <a:lvl6pPr marL="2514600" indent="-228600" algn="l" defTabSz="914400" rtl="0" eaLnBrk="1" latinLnBrk="0" hangingPunct="1">
+        <a:spcBef>
+          <a:spcPct val="20000"/>
+        </a:spcBef>
+        <a:buFont typeface="Arial" pitchFamily="34" charset="0"/>
+        <a:buChar char="•"/>
+        <a:defRPr sz="2000" kern="1200">
+          <a:solidFill>
+            <a:schemeClr val="tx1"/>
+          </a:solidFill>
+          <a:latin typeface="+mn-lt"/>
+          <a:ea typeface="+mn-ea"/>
+          <a:cs typeface="+mn-cs"/>
+        </a:defRPr>
+      </a:lvl6pPr>
+      <a:lvl7pPr marL="2971800" indent="-228600" algn="l" defTabSz="914400" rtl="0" eaLnBrk="1" latinLnBrk="0" hangingPunct="1">
+        <a:spcBef>
+          <a:spcPct val="20000"/>
+        </a:spcBef>
+        <a:buFont typeface="Arial" pitchFamily="34" charset="0"/>
+        <a:buChar char="•"/>
+        <a:defRPr sz="2000" kern="1200">
+          <a:solidFill>
+            <a:schemeClr val="tx1"/>
+          </a:solidFill>
+          <a:latin typeface="+mn-lt"/>
+          <a:ea typeface="+mn-ea"/>
+          <a:cs typeface="+mn-cs"/>
+        </a:defRPr>
+      </a:lvl7pPr>
+      <a:lvl8pPr marL="3429000" indent="-228600" algn="l" defTabSz="914400" rtl="0" eaLnBrk="1" latinLnBrk="0" hangingPunct="1">
+        <a:spcBef>
+          <a:spcPct val="20000"/>
+        </a:spcBef>
+        <a:buFont typeface="Arial" pitchFamily="34" charset="0"/>
+        <a:buChar char="•"/>
+        <a:defRPr sz="2000" kern="1200">
+          <a:solidFill>
+            <a:schemeClr val="tx1"/>
+          </a:solidFill>
+          <a:latin typeface="+mn-lt"/>
+          <a:ea typeface="+mn-ea"/>
+          <a:cs typeface="+mn-cs"/>
+        </a:defRPr>
+      </a:lvl8pPr>
+      <a:lvl9pPr marL="3886200" indent="-228600" algn="l" defTabSz="914400" rtl="0" eaLnBrk="1" latinLnBrk="0" hangingPunct="1">
+        <a:spcBef>
+          <a:spcPct val="20000"/>
+        </a:spcBef>
+        <a:buFont typeface="Arial" pitchFamily="34" charset="0"/>
+        <a:buChar char="•"/>
+        <a:defRPr sz="2000" kern="1200">
+          <a:solidFill>
+            <a:schemeClr val="tx1"/>
+          </a:solidFill>
+          <a:latin typeface="+mn-lt"/>
+          <a:ea typeface="+mn-ea"/>
+          <a:cs typeface="+mn-cs"/>
+        </a:defRPr>
+      </a:lvl9pPr>
+    </p:bodyStyle>
+    <p:otherStyle>
+      <a:defPPr>
+        <a:defRPr lang="hu-HU"/>
+      </a:defPPr>
+      <a:lvl1pPr marL="0" algn="l" defTabSz="914400" rtl="0" eaLnBrk="1" latinLnBrk="0" hangingPunct="1">
+        <a:defRPr sz="1800" kern="1200">
+          <a:solidFill>
+            <a:schemeClr val="tx1"/>
+          </a:solidFill>
+          <a:latin typeface="+mn-lt"/>
+          <a:ea typeface="+mn-ea"/>
+          <a:cs typeface="+mn-cs"/>
+        </a:defRPr>
+      </a:lvl1pPr>
+      <a:lvl2pPr marL="457200" algn="l" defTabSz="914400" rtl="0" eaLnBrk="1" latinLnBrk="0" hangingPunct="1">
+        <a:defRPr sz="1800" kern="1200">
+          <a:solidFill>
+            <a:schemeClr val="tx1"/>
+          </a:solidFill>
+          <a:latin typeface="+mn-lt"/>
+          <a:ea typeface="+mn-ea"/>
+          <a:cs typeface="+mn-cs"/>
+        </a:defRPr>
+      </a:lvl2pPr>
+      <a:lvl3pPr marL="914400" algn="l" defTabSz="914400" rtl="0" eaLnBrk="1" latinLnBrk="0" hangingPunct="1">
+        <a:defRPr sz="1800" kern="1200">
+          <a:solidFill>
+            <a:schemeClr val="tx1"/>
+          </a:solidFill>
+          <a:latin typeface="+mn-lt"/>
+          <a:ea typeface="+mn-ea"/>
+          <a:cs typeface="+mn-cs"/>
+        </a:defRPr>
+      </a:lvl3pPr>
+      <a:lvl4pPr marL="1371600" algn="l" defTabSz="914400" rtl="0" eaLnBrk="1" latinLnBrk="0" hangingPunct="1">
+        <a:defRPr sz="1800" kern="1200">
+          <a:solidFill>
+            <a:schemeClr val="tx1"/>
+          </a:solidFill>
+          <a:latin typeface="+mn-lt"/>
+          <a:ea typeface="+mn-ea"/>
+          <a:cs typeface="+mn-cs"/>
+        </a:defRPr>
+      </a:lvl4pPr>
+      <a:lvl5pPr marL="1828800" algn="l" defTabSz="914400" rtl="0" eaLnBrk="1" latinLnBrk="0" hangingPunct="1">
+        <a:defRPr sz="1800" kern="1200">
+          <a:solidFill>
+            <a:schemeClr val="tx1"/>
+          </a:solidFill>
+          <a:latin typeface="+mn-lt"/>
+          <a:ea typeface="+mn-ea"/>
+          <a:cs typeface="+mn-cs"/>
+        </a:defRPr>
+      </a:lvl5pPr>
+      <a:lvl6pPr marL="2286000" algn="l" defTabSz="914400" rtl="0" eaLnBrk="1" latinLnBrk="0" hangingPunct="1">
+        <a:defRPr sz="1800" kern="1200">
+          <a:solidFill>
+            <a:schemeClr val="tx1"/>
+          </a:solidFill>
+          <a:latin typeface="+mn-lt"/>
+          <a:ea typeface="+mn-ea"/>
+          <a:cs typeface="+mn-cs"/>
+        </a:defRPr>
+      </a:lvl6pPr>
+      <a:lvl7pPr marL="2743200" algn="l" defTabSz="914400" rtl="0" eaLnBrk="1" latinLnBrk="0" hangingPunct="1">
+        <a:defRPr sz="1800" kern="1200">
+          <a:solidFill>
+            <a:schemeClr val="tx1"/>
+          </a:solidFill>
+          <a:latin typeface="+mn-lt"/>
+          <a:ea typeface="+mn-ea"/>
+          <a:cs typeface="+mn-cs"/>
+        </a:defRPr>
+      </a:lvl7pPr>
+      <a:lvl8pPr marL="3200400" algn="l" defTabSz="914400" rtl="0" eaLnBrk="1" latinLnBrk="0" hangingPunct="1">
+        <a:defRPr sz="1800" kern="1200">
+          <a:solidFill>
+            <a:schemeClr val="tx1"/>
+          </a:solidFill>
+          <a:latin typeface="+mn-lt"/>
+          <a:ea typeface="+mn-ea"/>
+          <a:cs typeface="+mn-cs"/>
+        </a:defRPr>
+      </a:lvl8pPr>
+      <a:lvl9pPr marL="3657600" algn="l" defTabSz="914400" rtl="0" eaLnBrk="1" latinLnBrk="0" hangingPunct="1">
+        <a:defRPr sz="1800" kern="1200">
+          <a:solidFill>
+            <a:schemeClr val="tx1"/>
+          </a:solidFill>
+          <a:latin typeface="+mn-lt"/>
+          <a:ea typeface="+mn-ea"/>
+          <a:cs typeface="+mn-cs"/>
+        </a:defRPr>
+      </a:lvl9pPr>
+    </p:otherStyle>
+  </p:txStyles>
+</p:sldMaster>
+</file>
+
+<file path=ppt/slideMasters/slideMaster3.xml><?xml version="1.0" encoding="utf-8"?>
+<p:sldMaster xmlns:a="http://schemas.openxmlformats.org/drawingml/2006/main" xmlns:r="http://schemas.openxmlformats.org/officeDocument/2006/relationships" xmlns:p="http://schemas.openxmlformats.org/presentationml/2006/main" preserve="1">
+  <p:cSld>
+    <p:bg>
+      <p:bgRef idx="1001">
+        <a:schemeClr val="bg1"/>
+      </p:bgRef>
+    </p:bg>
+    <p:spTree>
+      <p:nvGrpSpPr>
+        <p:cNvPr id="1" name=""/>
+        <p:cNvGrpSpPr/>
+        <p:nvPr/>
+      </p:nvGrpSpPr>
+      <p:grpSpPr>
+        <a:xfrm>
+          <a:off x="0" y="0"/>
+          <a:ext cx="0" cy="0"/>
+          <a:chOff x="0" y="0"/>
+          <a:chExt cx="0" cy="0"/>
+        </a:xfrm>
+      </p:grpSpPr>
+      <p:sp>
+        <p:nvSpPr>
+          <p:cNvPr id="7" name="Rectangle 22"/>
+          <p:cNvSpPr>
+            <a:spLocks noChangeArrowheads="1"/>
+          </p:cNvSpPr>
+          <p:nvPr/>
+        </p:nvSpPr>
+        <p:spPr bwMode="auto">
+          <a:xfrm>
+            <a:off x="0" y="6477000"/>
+            <a:ext cx="9144000" cy="381000"/>
+          </a:xfrm>
+          <a:prstGeom prst="rect">
+            <a:avLst/>
+          </a:prstGeom>
           <a:noFill/>
           <a:ln w="9525">
             <a:solidFill>
@@ -5238,11 +6295,11 @@
     <p:sldLayoutId id="2147483658" r:id="rId4"/>
     <p:sldLayoutId id="2147483659" r:id="rId5"/>
   </p:sldLayoutIdLst>
-  <mc:AlternateContent xmlns:mc="http://schemas.openxmlformats.org/markup-compatibility/2006">
-    <mc:Choice xmlns:p14="http://schemas.microsoft.com/office/powerpoint/2010/main" Requires="p14">
+  <mc:AlternateContent xmlns:mc="http://schemas.openxmlformats.org/markup-compatibility/2006" xmlns:p14="http://schemas.microsoft.com/office/powerpoint/2010/main">
+    <mc:Choice Requires="p14">
       <p:transition p14:dur="0" advClick="0"/>
     </mc:Choice>
-    <mc:Fallback>
+    <mc:Fallback xmlns="">
       <p:transition advClick="0"/>
     </mc:Fallback>
   </mc:AlternateContent>
@@ -5685,11 +6742,7 @@
           <a:p>
             <a:r>
               <a:rPr lang="en-US" dirty="0" smtClean="0"/>
-              <a:t>ZTZ (Team 4)</a:t>
-            </a:r>
-            <a:r>
-              <a:rPr lang="en-US" dirty="0" smtClean="0"/>
-              <a:t> </a:t>
+              <a:t>ZTZ (Team 4) </a:t>
             </a:r>
             <a:endParaRPr lang="en-US" dirty="0"/>
           </a:p>
@@ -5869,15 +6922,134 @@
     <a:masterClrMapping/>
   </p:clrMapOvr>
   <mc:AlternateContent xmlns:mc="http://schemas.openxmlformats.org/markup-compatibility/2006">
-    <mc:Choice xmlns:p15="http://schemas.microsoft.com/office/powerpoint/2012/main" Requires="p15">
-      <p:transition xmlns:p14="http://schemas.microsoft.com/office/powerpoint/2010/main" spd="slow" p14:dur="2000" advClick="0">
-        <p15:prstTrans prst="prestige"/>
-      </p:transition>
+    <mc:Choice xmlns:p14="http://schemas.microsoft.com/office/powerpoint/2010/main" Requires="p14">
+      <p:transition p14:dur="0" advClick="0"/>
     </mc:Choice>
     <mc:Fallback>
-      <p:transition spd="slow" advClick="0">
-        <p:fade/>
-      </p:transition>
+      <p:transition advClick="0"/>
+    </mc:Fallback>
+  </mc:AlternateContent>
+  <p:timing>
+    <p:tnLst>
+      <p:par>
+        <p:cTn id="1" dur="indefinite" restart="never" nodeType="tmRoot"/>
+      </p:par>
+    </p:tnLst>
+  </p:timing>
+</p:sld>
+</file>
+
+<file path=ppt/slides/slide10.xml><?xml version="1.0" encoding="utf-8"?>
+<p:sld xmlns:a="http://schemas.openxmlformats.org/drawingml/2006/main" xmlns:r="http://schemas.openxmlformats.org/officeDocument/2006/relationships" xmlns:p="http://schemas.openxmlformats.org/presentationml/2006/main">
+  <p:cSld>
+    <p:spTree>
+      <p:nvGrpSpPr>
+        <p:cNvPr id="1" name=""/>
+        <p:cNvGrpSpPr/>
+        <p:nvPr/>
+      </p:nvGrpSpPr>
+      <p:grpSpPr>
+        <a:xfrm>
+          <a:off x="0" y="0"/>
+          <a:ext cx="0" cy="0"/>
+          <a:chOff x="0" y="0"/>
+          <a:chExt cx="0" cy="0"/>
+        </a:xfrm>
+      </p:grpSpPr>
+      <p:sp>
+        <p:nvSpPr>
+          <p:cNvPr id="5" name="Cím 4"/>
+          <p:cNvSpPr>
+            <a:spLocks noGrp="1"/>
+          </p:cNvSpPr>
+          <p:nvPr>
+            <p:ph type="ctrTitle"/>
+          </p:nvPr>
+        </p:nvSpPr>
+        <p:spPr/>
+        <p:txBody>
+          <a:bodyPr/>
+          <a:lstStyle/>
+          <a:p>
+            <a:r>
+              <a:rPr lang="en-US" dirty="0" err="1" smtClean="0"/>
+              <a:t>Köszönjük</a:t>
+            </a:r>
+            <a:r>
+              <a:rPr lang="en-US" dirty="0" smtClean="0"/>
+              <a:t> a </a:t>
+            </a:r>
+            <a:r>
+              <a:rPr lang="en-US" dirty="0" err="1" smtClean="0"/>
+              <a:t>figyelmet</a:t>
+            </a:r>
+            <a:r>
+              <a:rPr lang="en-US" dirty="0" smtClean="0"/>
+              <a:t>!</a:t>
+            </a:r>
+            <a:endParaRPr lang="en-US" dirty="0"/>
+          </a:p>
+        </p:txBody>
+      </p:sp>
+      <p:sp>
+        <p:nvSpPr>
+          <p:cNvPr id="7" name="Alcím 6"/>
+          <p:cNvSpPr>
+            <a:spLocks noGrp="1"/>
+          </p:cNvSpPr>
+          <p:nvPr>
+            <p:ph type="subTitle" idx="1"/>
+          </p:nvPr>
+        </p:nvSpPr>
+        <p:spPr/>
+        <p:txBody>
+          <a:bodyPr/>
+          <a:lstStyle/>
+          <a:p>
+            <a:endParaRPr lang="en-US"/>
+          </a:p>
+        </p:txBody>
+      </p:sp>
+      <p:sp>
+        <p:nvSpPr>
+          <p:cNvPr id="4" name="Dia számának helye 3"/>
+          <p:cNvSpPr>
+            <a:spLocks noGrp="1"/>
+          </p:cNvSpPr>
+          <p:nvPr>
+            <p:ph type="sldNum" sz="quarter" idx="10"/>
+          </p:nvPr>
+        </p:nvSpPr>
+        <p:spPr/>
+        <p:txBody>
+          <a:bodyPr/>
+          <a:lstStyle/>
+          <a:p>
+            <a:fld id="{A7C85712-A09B-4560-9D1E-08050AA835BB}" type="slidenum">
+              <a:rPr lang="hu-HU" smtClean="0"/>
+              <a:pPr/>
+              <a:t>10</a:t>
+            </a:fld>
+            <a:endParaRPr lang="hu-HU" dirty="0"/>
+          </a:p>
+        </p:txBody>
+      </p:sp>
+    </p:spTree>
+    <p:extLst>
+      <p:ext uri="{BB962C8B-B14F-4D97-AF65-F5344CB8AC3E}">
+        <p14:creationId xmlns:p14="http://schemas.microsoft.com/office/powerpoint/2010/main" val="497278178"/>
+      </p:ext>
+    </p:extLst>
+  </p:cSld>
+  <p:clrMapOvr>
+    <a:masterClrMapping/>
+  </p:clrMapOvr>
+  <mc:AlternateContent xmlns:mc="http://schemas.openxmlformats.org/markup-compatibility/2006">
+    <mc:Choice xmlns:p14="http://schemas.microsoft.com/office/powerpoint/2010/main" Requires="p14">
+      <p:transition p14:dur="0" advClick="0"/>
+    </mc:Choice>
+    <mc:Fallback>
+      <p:transition advClick="0"/>
     </mc:Fallback>
   </mc:AlternateContent>
   <p:timing>
@@ -6389,14 +7561,10 @@
   </p:clrMapOvr>
   <mc:AlternateContent xmlns:mc="http://schemas.openxmlformats.org/markup-compatibility/2006">
     <mc:Choice xmlns:p14="http://schemas.microsoft.com/office/powerpoint/2010/main" Requires="p14">
-      <p:transition spd="slow" p14:dur="2000" advClick="0">
-        <p14:ferris dir="l"/>
-      </p:transition>
+      <p:transition p14:dur="0" advClick="0"/>
     </mc:Choice>
     <mc:Fallback>
-      <p:transition spd="slow" advClick="0">
-        <p:fade/>
-      </p:transition>
+      <p:transition advClick="0"/>
     </mc:Fallback>
   </mc:AlternateContent>
   <p:timing>
@@ -7187,7 +8355,9 @@
           </a:solidFill>
           <a:ln w="38100">
             <a:solidFill>
-              <a:schemeClr val="accent1"/>
+              <a:schemeClr val="accent2">
+                <a:lumMod val="50000"/>
+              </a:schemeClr>
             </a:solidFill>
           </a:ln>
           <a:effectLst>
@@ -7392,11 +8562,11 @@
   <p:clrMapOvr>
     <a:masterClrMapping/>
   </p:clrMapOvr>
-  <mc:AlternateContent xmlns:mc="http://schemas.openxmlformats.org/markup-compatibility/2006">
-    <mc:Choice xmlns:p14="http://schemas.microsoft.com/office/powerpoint/2010/main" Requires="p14">
+  <mc:AlternateContent xmlns:mc="http://schemas.openxmlformats.org/markup-compatibility/2006" xmlns:p14="http://schemas.microsoft.com/office/powerpoint/2010/main">
+    <mc:Choice Requires="p14">
       <p:transition p14:dur="0" advClick="0"/>
     </mc:Choice>
-    <mc:Fallback>
+    <mc:Fallback xmlns="">
       <p:transition advClick="0"/>
     </mc:Fallback>
   </mc:AlternateContent>
@@ -8712,7 +9882,9 @@
           </a:solidFill>
           <a:ln w="38100">
             <a:solidFill>
-              <a:schemeClr val="accent1"/>
+              <a:schemeClr val="accent2">
+                <a:lumMod val="50000"/>
+              </a:schemeClr>
             </a:solidFill>
           </a:ln>
           <a:effectLst>
@@ -8786,7 +9958,9 @@
           </a:solidFill>
           <a:ln w="38100">
             <a:solidFill>
-              <a:schemeClr val="accent1"/>
+              <a:schemeClr val="accent2">
+                <a:lumMod val="50000"/>
+              </a:schemeClr>
             </a:solidFill>
           </a:ln>
           <a:effectLst>
@@ -8924,7 +10098,7 @@
         <p:spPr>
           <a:xfrm>
             <a:off x="0" y="2762543"/>
-            <a:ext cx="1317477" cy="369332"/>
+            <a:ext cx="1320683" cy="369332"/>
           </a:xfrm>
           <a:prstGeom prst="rect">
             <a:avLst/>
@@ -8938,8 +10112,12 @@
           <a:lstStyle/>
           <a:p>
             <a:r>
-              <a:rPr lang="en-US" dirty="0" smtClean="0"/>
-              <a:t>Prerequisite</a:t>
+              <a:rPr lang="hu-HU" dirty="0"/>
+              <a:t>p</a:t>
+            </a:r>
+            <a:r>
+              <a:rPr lang="en-US" dirty="0" err="1" smtClean="0"/>
+              <a:t>rerequisite</a:t>
             </a:r>
             <a:endParaRPr lang="en-US" dirty="0"/>
           </a:p>
@@ -9039,11 +10217,6 @@
               </a:rPr>
               <a:t>Capability</a:t>
             </a:r>
-            <a:endParaRPr lang="en-US" sz="2400" dirty="0" smtClean="0">
-              <a:solidFill>
-                <a:schemeClr val="tx2"/>
-              </a:solidFill>
-            </a:endParaRPr>
           </a:p>
         </p:txBody>
       </p:sp>
@@ -9089,7 +10262,7 @@
         <p:spPr>
           <a:xfrm>
             <a:off x="751185" y="5046403"/>
-            <a:ext cx="2166940" cy="369332"/>
+            <a:ext cx="2070182" cy="369332"/>
           </a:xfrm>
           <a:prstGeom prst="rect">
             <a:avLst/>
@@ -9103,8 +10276,12 @@
           <a:lstStyle/>
           <a:p>
             <a:r>
+              <a:rPr lang="hu-HU" dirty="0" err="1"/>
+              <a:t>r</a:t>
+            </a:r>
+            <a:r>
               <a:rPr lang="en-US" dirty="0" err="1" smtClean="0"/>
-              <a:t>RequiredCapabilities</a:t>
+              <a:t>equiredCapabilities</a:t>
             </a:r>
             <a:endParaRPr lang="en-US" dirty="0"/>
           </a:p>
@@ -9325,11 +10502,11 @@
   <p:clrMapOvr>
     <a:masterClrMapping/>
   </p:clrMapOvr>
-  <mc:AlternateContent xmlns:mc="http://schemas.openxmlformats.org/markup-compatibility/2006">
-    <mc:Choice xmlns:p14="http://schemas.microsoft.com/office/powerpoint/2010/main" Requires="p14">
+  <mc:AlternateContent xmlns:mc="http://schemas.openxmlformats.org/markup-compatibility/2006" xmlns:p14="http://schemas.microsoft.com/office/powerpoint/2010/main">
+    <mc:Choice Requires="p14">
       <p:transition p14:dur="0" advClick="0"/>
     </mc:Choice>
-    <mc:Fallback>
+    <mc:Fallback xmlns="">
       <p:transition advClick="0"/>
     </mc:Fallback>
   </mc:AlternateContent>
@@ -10648,7 +11825,9 @@
           </a:solidFill>
           <a:ln w="38100">
             <a:solidFill>
-              <a:schemeClr val="accent1"/>
+              <a:schemeClr val="accent2">
+                <a:lumMod val="50000"/>
+              </a:schemeClr>
             </a:solidFill>
           </a:ln>
           <a:effectLst>
@@ -10724,11 +11903,6 @@
               </a:rPr>
               <a:t>Obstacle</a:t>
             </a:r>
-            <a:endParaRPr lang="en-US" sz="1600" dirty="0" smtClean="0">
-              <a:solidFill>
-                <a:schemeClr val="tx2"/>
-              </a:solidFill>
-            </a:endParaRPr>
           </a:p>
         </p:txBody>
       </p:sp>
@@ -10753,7 +11927,9 @@
           </a:solidFill>
           <a:ln w="38100">
             <a:solidFill>
-              <a:schemeClr val="accent1"/>
+              <a:schemeClr val="accent2">
+                <a:lumMod val="50000"/>
+              </a:schemeClr>
             </a:solidFill>
           </a:ln>
           <a:effectLst>
@@ -10953,11 +12129,11 @@
   <p:clrMapOvr>
     <a:masterClrMapping/>
   </p:clrMapOvr>
-  <mc:AlternateContent xmlns:mc="http://schemas.openxmlformats.org/markup-compatibility/2006">
-    <mc:Choice xmlns:p14="http://schemas.microsoft.com/office/powerpoint/2010/main" Requires="p14">
+  <mc:AlternateContent xmlns:mc="http://schemas.openxmlformats.org/markup-compatibility/2006" xmlns:p14="http://schemas.microsoft.com/office/powerpoint/2010/main">
+    <mc:Choice Requires="p14">
       <p:transition p14:dur="0" advClick="0"/>
     </mc:Choice>
-    <mc:Fallback>
+    <mc:Fallback xmlns="">
       <p:transition advClick="0"/>
     </mc:Fallback>
   </mc:AlternateContent>
@@ -11387,7 +12563,9 @@
           </a:solidFill>
           <a:ln w="38100">
             <a:solidFill>
-              <a:schemeClr val="accent1"/>
+              <a:schemeClr val="accent2">
+                <a:lumMod val="50000"/>
+              </a:schemeClr>
             </a:solidFill>
           </a:ln>
           <a:effectLst>
@@ -12061,7 +13239,7 @@
         <p:spPr>
           <a:xfrm>
             <a:off x="4269258" y="2173876"/>
-            <a:ext cx="1026371" cy="369332"/>
+            <a:ext cx="982513" cy="369332"/>
           </a:xfrm>
           <a:prstGeom prst="rect">
             <a:avLst/>
@@ -12075,9 +13253,14 @@
           <a:lstStyle/>
           <a:p>
             <a:r>
-              <a:rPr lang="en-US" dirty="0" smtClean="0"/>
-              <a:t>Received</a:t>
-            </a:r>
+              <a:rPr lang="hu-HU" dirty="0"/>
+              <a:t>r</a:t>
+            </a:r>
+            <a:r>
+              <a:rPr lang="en-US" dirty="0" err="1" smtClean="0"/>
+              <a:t>eceived</a:t>
+            </a:r>
+            <a:endParaRPr lang="en-US" dirty="0" smtClean="0"/>
           </a:p>
         </p:txBody>
       </p:sp>
@@ -12090,7 +13273,7 @@
         <p:spPr>
           <a:xfrm>
             <a:off x="7556916" y="2173876"/>
-            <a:ext cx="886781" cy="369332"/>
+            <a:ext cx="870751" cy="369332"/>
           </a:xfrm>
           <a:prstGeom prst="rect">
             <a:avLst/>
@@ -12104,8 +13287,12 @@
           <a:lstStyle/>
           <a:p>
             <a:r>
-              <a:rPr lang="en-US" dirty="0" err="1" smtClean="0"/>
-              <a:t>Sended</a:t>
+              <a:rPr lang="hu-HU" dirty="0" err="1"/>
+              <a:t>s</a:t>
+            </a:r>
+            <a:r>
+              <a:rPr lang="en-US" dirty="0" smtClean="0"/>
+              <a:t>ended</a:t>
             </a:r>
             <a:endParaRPr lang="en-US" dirty="0"/>
           </a:p>
@@ -12193,11 +13380,11 @@
   <p:clrMapOvr>
     <a:masterClrMapping/>
   </p:clrMapOvr>
-  <mc:AlternateContent xmlns:mc="http://schemas.openxmlformats.org/markup-compatibility/2006">
-    <mc:Choice xmlns:p14="http://schemas.microsoft.com/office/powerpoint/2010/main" Requires="p14">
+  <mc:AlternateContent xmlns:mc="http://schemas.openxmlformats.org/markup-compatibility/2006" xmlns:p14="http://schemas.microsoft.com/office/powerpoint/2010/main">
+    <mc:Choice Requires="p14">
       <p:transition p14:dur="0" advClick="0"/>
     </mc:Choice>
-    <mc:Fallback>
+    <mc:Fallback xmlns="">
       <p:transition advClick="0"/>
     </mc:Fallback>
   </mc:AlternateContent>
@@ -12244,8 +13431,12 @@
           <a:lstStyle/>
           <a:p>
             <a:r>
-              <a:rPr lang="en-US" dirty="0" smtClean="0"/>
-              <a:t>Property/Value/Conversation</a:t>
+              <a:rPr lang="hu-HU" dirty="0" smtClean="0"/>
+              <a:t>More </a:t>
+            </a:r>
+            <a:r>
+              <a:rPr lang="hu-HU" dirty="0" err="1" smtClean="0"/>
+              <a:t>abstraction</a:t>
             </a:r>
             <a:endParaRPr lang="en-US" dirty="0"/>
           </a:p>
@@ -12283,7 +13474,7 @@
         </p:nvSpPr>
         <p:spPr>
           <a:xfrm>
-            <a:off x="990600" y="1219200"/>
+            <a:off x="4837606" y="1590197"/>
             <a:ext cx="1498600" cy="749300"/>
           </a:xfrm>
           <a:prstGeom prst="rect">
@@ -12349,157 +13540,13 @@
       </p:sp>
       <p:sp>
         <p:nvSpPr>
-          <p:cNvPr id="7" name="Téglalap 6"/>
-          <p:cNvSpPr/>
-          <p:nvPr/>
-        </p:nvSpPr>
-        <p:spPr>
-          <a:xfrm>
-            <a:off x="4762500" y="1206500"/>
-            <a:ext cx="2082800" cy="762000"/>
-          </a:xfrm>
-          <a:prstGeom prst="rect">
-            <a:avLst/>
-          </a:prstGeom>
-          <a:solidFill>
-            <a:schemeClr val="bg2"/>
-          </a:solidFill>
-          <a:ln w="38100">
-            <a:solidFill>
-              <a:schemeClr val="accent1"/>
-            </a:solidFill>
-          </a:ln>
-          <a:effectLst>
-            <a:outerShdw blurRad="50800" dist="38100" dir="5400000" algn="t" rotWithShape="0">
-              <a:prstClr val="black">
-                <a:alpha val="40000"/>
-              </a:prstClr>
-            </a:outerShdw>
-          </a:effectLst>
-        </p:spPr>
-        <p:style>
-          <a:lnRef idx="2">
-            <a:schemeClr val="accent4">
-              <a:shade val="50000"/>
-            </a:schemeClr>
-          </a:lnRef>
-          <a:fillRef idx="1">
-            <a:schemeClr val="accent4"/>
-          </a:fillRef>
-          <a:effectRef idx="0">
-            <a:schemeClr val="accent4"/>
-          </a:effectRef>
-          <a:fontRef idx="minor">
-            <a:schemeClr val="lt1"/>
-          </a:fontRef>
-        </p:style>
-        <p:txBody>
-          <a:bodyPr rot="0" spcFirstLastPara="0" vertOverflow="overflow" horzOverflow="overflow" vert="horz" wrap="square" lIns="91440" tIns="45720" rIns="91440" bIns="45720" numCol="1" spcCol="0" rtlCol="0" fromWordArt="0" anchor="ctr" anchorCtr="0" forceAA="0" compatLnSpc="1">
-            <a:prstTxWarp prst="textNoShape">
-              <a:avLst/>
-            </a:prstTxWarp>
-            <a:noAutofit/>
-          </a:bodyPr>
-          <a:lstStyle/>
-          <a:p>
-            <a:pPr algn="ctr"/>
-            <a:r>
-              <a:rPr lang="en-US" sz="2400" i="1" dirty="0" err="1" smtClean="0">
-                <a:solidFill>
-                  <a:schemeClr val="tx2"/>
-                </a:solidFill>
-              </a:rPr>
-              <a:t>PropertyValue</a:t>
-            </a:r>
-            <a:endParaRPr lang="en-US" sz="2400" i="1" dirty="0">
-              <a:solidFill>
-                <a:schemeClr val="tx2"/>
-              </a:solidFill>
-            </a:endParaRPr>
-          </a:p>
-        </p:txBody>
-      </p:sp>
-      <p:sp>
-        <p:nvSpPr>
-          <p:cNvPr id="10" name="Téglalap 9"/>
-          <p:cNvSpPr/>
-          <p:nvPr/>
-        </p:nvSpPr>
-        <p:spPr>
-          <a:xfrm>
-            <a:off x="4762500" y="2646995"/>
-            <a:ext cx="2413000" cy="749300"/>
-          </a:xfrm>
-          <a:prstGeom prst="rect">
-            <a:avLst/>
-          </a:prstGeom>
-          <a:solidFill>
-            <a:schemeClr val="bg2"/>
-          </a:solidFill>
-          <a:ln w="38100">
-            <a:solidFill>
-              <a:schemeClr val="accent1"/>
-            </a:solidFill>
-          </a:ln>
-          <a:effectLst>
-            <a:outerShdw blurRad="50800" dist="38100" dir="5400000" algn="t" rotWithShape="0">
-              <a:prstClr val="black">
-                <a:alpha val="40000"/>
-              </a:prstClr>
-            </a:outerShdw>
-          </a:effectLst>
-        </p:spPr>
-        <p:style>
-          <a:lnRef idx="2">
-            <a:schemeClr val="accent4">
-              <a:shade val="50000"/>
-            </a:schemeClr>
-          </a:lnRef>
-          <a:fillRef idx="1">
-            <a:schemeClr val="accent4"/>
-          </a:fillRef>
-          <a:effectRef idx="0">
-            <a:schemeClr val="accent4"/>
-          </a:effectRef>
-          <a:fontRef idx="minor">
-            <a:schemeClr val="lt1"/>
-          </a:fontRef>
-        </p:style>
-        <p:txBody>
-          <a:bodyPr rot="0" spcFirstLastPara="0" vertOverflow="overflow" horzOverflow="overflow" vert="horz" wrap="square" lIns="91440" tIns="45720" rIns="91440" bIns="45720" numCol="1" spcCol="0" rtlCol="0" fromWordArt="0" anchor="ctr" anchorCtr="0" forceAA="0" compatLnSpc="1">
-            <a:prstTxWarp prst="textNoShape">
-              <a:avLst/>
-            </a:prstTxWarp>
-            <a:noAutofit/>
-          </a:bodyPr>
-          <a:lstStyle/>
-          <a:p>
-            <a:pPr algn="ctr"/>
-            <a:r>
-              <a:rPr lang="en-US" sz="2400" dirty="0" err="1" smtClean="0">
-                <a:solidFill>
-                  <a:schemeClr val="tx2"/>
-                </a:solidFill>
-              </a:rPr>
-              <a:t>MeasureProperty</a:t>
-            </a:r>
-            <a:endParaRPr lang="en-US" sz="2400" dirty="0">
-              <a:solidFill>
-                <a:schemeClr val="tx2"/>
-              </a:solidFill>
-            </a:endParaRPr>
-          </a:p>
-        </p:txBody>
-      </p:sp>
-      <p:sp>
-        <p:nvSpPr>
           <p:cNvPr id="11" name="Téglalap 10"/>
           <p:cNvSpPr/>
           <p:nvPr/>
         </p:nvSpPr>
         <p:spPr>
           <a:xfrm>
-            <a:off x="4889500" y="4074790"/>
+            <a:off x="4864100" y="3706490"/>
             <a:ext cx="2159000" cy="790574"/>
           </a:xfrm>
           <a:prstGeom prst="rect">
@@ -12571,7 +13618,7 @@
         </p:nvSpPr>
         <p:spPr>
           <a:xfrm>
-            <a:off x="927099" y="4074790"/>
+            <a:off x="901699" y="3706490"/>
             <a:ext cx="2616200" cy="790575"/>
           </a:xfrm>
           <a:prstGeom prst="rect">
@@ -12635,72 +13682,6 @@
           </a:p>
         </p:txBody>
       </p:sp>
-      <p:cxnSp>
-        <p:nvCxnSpPr>
-          <p:cNvPr id="14" name="Egyenes összekötő nyíllal 13"/>
-          <p:cNvCxnSpPr>
-            <a:endCxn id="7" idx="1"/>
-          </p:cNvCxnSpPr>
-          <p:nvPr/>
-        </p:nvCxnSpPr>
-        <p:spPr>
-          <a:xfrm flipV="1">
-            <a:off x="2590800" y="1587500"/>
-            <a:ext cx="2171700" cy="12700"/>
-          </a:xfrm>
-          <a:prstGeom prst="straightConnector1">
-            <a:avLst/>
-          </a:prstGeom>
-          <a:ln w="63500">
-            <a:headEnd type="diamond"/>
-            <a:tailEnd type="triangle"/>
-          </a:ln>
-        </p:spPr>
-        <p:style>
-          <a:lnRef idx="1">
-            <a:schemeClr val="accent1"/>
-          </a:lnRef>
-          <a:fillRef idx="0">
-            <a:schemeClr val="accent1"/>
-          </a:fillRef>
-          <a:effectRef idx="0">
-            <a:schemeClr val="accent1"/>
-          </a:effectRef>
-          <a:fontRef idx="minor">
-            <a:schemeClr val="tx1"/>
-          </a:fontRef>
-        </p:style>
-      </p:cxnSp>
-      <p:sp>
-        <p:nvSpPr>
-          <p:cNvPr id="16" name="Szövegdoboz 15"/>
-          <p:cNvSpPr txBox="1"/>
-          <p:nvPr/>
-        </p:nvSpPr>
-        <p:spPr>
-          <a:xfrm>
-            <a:off x="3200193" y="1675368"/>
-            <a:ext cx="686213" cy="369332"/>
-          </a:xfrm>
-          <a:prstGeom prst="rect">
-            <a:avLst/>
-          </a:prstGeom>
-          <a:noFill/>
-        </p:spPr>
-        <p:txBody>
-          <a:bodyPr wrap="none" rtlCol="0">
-            <a:spAutoFit/>
-          </a:bodyPr>
-          <a:lstStyle/>
-          <a:p>
-            <a:r>
-              <a:rPr lang="en-US" dirty="0" smtClean="0"/>
-              <a:t>value</a:t>
-            </a:r>
-            <a:endParaRPr lang="en-US" dirty="0"/>
-          </a:p>
-        </p:txBody>
-      </p:sp>
       <p:sp>
         <p:nvSpPr>
           <p:cNvPr id="29" name="Téglalap 28"/>
@@ -12709,7 +13690,7 @@
         </p:nvSpPr>
         <p:spPr>
           <a:xfrm>
-            <a:off x="914398" y="5349229"/>
+            <a:off x="888998" y="4980929"/>
             <a:ext cx="2781301" cy="790575"/>
           </a:xfrm>
           <a:prstGeom prst="rect">
@@ -12781,7 +13762,7 @@
         </p:nvCxnSpPr>
         <p:spPr>
           <a:xfrm flipH="1" flipV="1">
-            <a:off x="1231900" y="4865364"/>
+            <a:off x="1206500" y="4497064"/>
             <a:ext cx="12700" cy="455936"/>
           </a:xfrm>
           <a:prstGeom prst="straightConnector1">
@@ -12814,7 +13795,7 @@
         </p:nvCxnSpPr>
         <p:spPr>
           <a:xfrm>
-            <a:off x="3022600" y="4865364"/>
+            <a:off x="2997200" y="4497064"/>
             <a:ext cx="0" cy="483865"/>
           </a:xfrm>
           <a:prstGeom prst="straightConnector1">
@@ -12851,7 +13832,7 @@
         </p:nvCxnSpPr>
         <p:spPr>
           <a:xfrm flipH="1">
-            <a:off x="3543299" y="4470077"/>
+            <a:off x="3517899" y="4101777"/>
             <a:ext cx="1346201" cy="1"/>
           </a:xfrm>
           <a:prstGeom prst="straightConnector1">
@@ -12876,173 +13857,6 @@
           </a:fontRef>
         </p:style>
       </p:cxnSp>
-      <p:cxnSp>
-        <p:nvCxnSpPr>
-          <p:cNvPr id="27" name="Egyenes összekötő nyíllal 26"/>
-          <p:cNvCxnSpPr>
-            <a:stCxn id="10" idx="2"/>
-            <a:endCxn id="11" idx="0"/>
-          </p:cNvCxnSpPr>
-          <p:nvPr/>
-        </p:nvCxnSpPr>
-        <p:spPr>
-          <a:xfrm>
-            <a:off x="5969000" y="3396295"/>
-            <a:ext cx="0" cy="678495"/>
-          </a:xfrm>
-          <a:prstGeom prst="straightConnector1">
-            <a:avLst/>
-          </a:prstGeom>
-          <a:ln w="63500">
-            <a:headEnd type="diamond"/>
-            <a:tailEnd type="triangle"/>
-          </a:ln>
-        </p:spPr>
-        <p:style>
-          <a:lnRef idx="1">
-            <a:schemeClr val="accent1"/>
-          </a:lnRef>
-          <a:fillRef idx="0">
-            <a:schemeClr val="accent1"/>
-          </a:fillRef>
-          <a:effectRef idx="0">
-            <a:schemeClr val="accent1"/>
-          </a:effectRef>
-          <a:fontRef idx="minor">
-            <a:schemeClr val="tx1"/>
-          </a:fontRef>
-        </p:style>
-      </p:cxnSp>
-      <p:cxnSp>
-        <p:nvCxnSpPr>
-          <p:cNvPr id="30" name="Egyenes összekötő nyíllal 29"/>
-          <p:cNvCxnSpPr>
-            <a:stCxn id="10" idx="0"/>
-          </p:cNvCxnSpPr>
-          <p:nvPr/>
-        </p:nvCxnSpPr>
-        <p:spPr>
-          <a:xfrm flipV="1">
-            <a:off x="5969000" y="1968500"/>
-            <a:ext cx="0" cy="678495"/>
-          </a:xfrm>
-          <a:prstGeom prst="straightConnector1">
-            <a:avLst/>
-          </a:prstGeom>
-          <a:ln w="63500">
-            <a:prstDash val="sysDash"/>
-            <a:tailEnd type="triangle"/>
-          </a:ln>
-        </p:spPr>
-        <p:style>
-          <a:lnRef idx="1">
-            <a:schemeClr val="accent1"/>
-          </a:lnRef>
-          <a:fillRef idx="0">
-            <a:schemeClr val="accent1"/>
-          </a:fillRef>
-          <a:effectRef idx="0">
-            <a:schemeClr val="accent1"/>
-          </a:effectRef>
-          <a:fontRef idx="minor">
-            <a:schemeClr val="tx1"/>
-          </a:fontRef>
-        </p:style>
-      </p:cxnSp>
-      <p:sp>
-        <p:nvSpPr>
-          <p:cNvPr id="34" name="Háromszög 33"/>
-          <p:cNvSpPr/>
-          <p:nvPr/>
-        </p:nvSpPr>
-        <p:spPr>
-          <a:xfrm>
-            <a:off x="5822950" y="1880002"/>
-            <a:ext cx="292100" cy="257329"/>
-          </a:xfrm>
-          <a:prstGeom prst="triangle">
-            <a:avLst/>
-          </a:prstGeom>
-          <a:solidFill>
-            <a:schemeClr val="bg1"/>
-          </a:solidFill>
-          <a:ln w="38100">
-            <a:solidFill>
-              <a:schemeClr val="accent1"/>
-            </a:solidFill>
-          </a:ln>
-          <a:effectLst>
-            <a:outerShdw blurRad="50800" dist="38100" dir="5400000" algn="t" rotWithShape="0">
-              <a:prstClr val="black">
-                <a:alpha val="40000"/>
-              </a:prstClr>
-            </a:outerShdw>
-          </a:effectLst>
-        </p:spPr>
-        <p:style>
-          <a:lnRef idx="2">
-            <a:schemeClr val="accent4">
-              <a:shade val="50000"/>
-            </a:schemeClr>
-          </a:lnRef>
-          <a:fillRef idx="1">
-            <a:schemeClr val="accent4"/>
-          </a:fillRef>
-          <a:effectRef idx="0">
-            <a:schemeClr val="accent4"/>
-          </a:effectRef>
-          <a:fontRef idx="minor">
-            <a:schemeClr val="lt1"/>
-          </a:fontRef>
-        </p:style>
-        <p:txBody>
-          <a:bodyPr rot="0" spcFirstLastPara="0" vertOverflow="overflow" horzOverflow="overflow" vert="horz" wrap="square" lIns="91440" tIns="45720" rIns="91440" bIns="45720" numCol="1" spcCol="0" rtlCol="0" fromWordArt="0" anchor="ctr" anchorCtr="0" forceAA="0" compatLnSpc="1">
-            <a:prstTxWarp prst="textNoShape">
-              <a:avLst/>
-            </a:prstTxWarp>
-            <a:noAutofit/>
-          </a:bodyPr>
-          <a:lstStyle/>
-          <a:p>
-            <a:pPr algn="ctr"/>
-            <a:endParaRPr lang="en-US" sz="2400" dirty="0" err="1">
-              <a:solidFill>
-                <a:schemeClr val="tx2"/>
-              </a:solidFill>
-            </a:endParaRPr>
-          </a:p>
-        </p:txBody>
-      </p:sp>
-      <p:sp>
-        <p:nvSpPr>
-          <p:cNvPr id="47" name="Szövegdoboz 46"/>
-          <p:cNvSpPr txBox="1"/>
-          <p:nvPr/>
-        </p:nvSpPr>
-        <p:spPr>
-          <a:xfrm>
-            <a:off x="5162136" y="3503845"/>
-            <a:ext cx="686213" cy="369332"/>
-          </a:xfrm>
-          <a:prstGeom prst="rect">
-            <a:avLst/>
-          </a:prstGeom>
-          <a:noFill/>
-        </p:spPr>
-        <p:txBody>
-          <a:bodyPr wrap="none" rtlCol="0">
-            <a:spAutoFit/>
-          </a:bodyPr>
-          <a:lstStyle/>
-          <a:p>
-            <a:r>
-              <a:rPr lang="en-US" dirty="0" smtClean="0"/>
-              <a:t>value</a:t>
-            </a:r>
-            <a:endParaRPr lang="en-US" dirty="0"/>
-          </a:p>
-        </p:txBody>
-      </p:sp>
       <p:sp>
         <p:nvSpPr>
           <p:cNvPr id="49" name="Szövegdoboz 48"/>
@@ -13051,7 +13865,7 @@
         </p:nvSpPr>
         <p:spPr>
           <a:xfrm>
-            <a:off x="3695699" y="4100745"/>
+            <a:off x="3670299" y="3732445"/>
             <a:ext cx="1167307" cy="369332"/>
           </a:xfrm>
           <a:prstGeom prst="rect">
@@ -13081,7 +13895,7 @@
         </p:nvSpPr>
         <p:spPr>
           <a:xfrm>
-            <a:off x="1244600" y="5019338"/>
+            <a:off x="1219200" y="4651038"/>
             <a:ext cx="1167307" cy="369332"/>
           </a:xfrm>
           <a:prstGeom prst="rect">
@@ -13111,7 +13925,7 @@
         </p:nvSpPr>
         <p:spPr>
           <a:xfrm>
-            <a:off x="3112591" y="4951968"/>
+            <a:off x="3087191" y="4583668"/>
             <a:ext cx="1289969" cy="369332"/>
           </a:xfrm>
           <a:prstGeom prst="rect">
@@ -13141,8 +13955,8 @@
         </p:nvSpPr>
         <p:spPr>
           <a:xfrm>
-            <a:off x="1993693" y="2659973"/>
-            <a:ext cx="2413000" cy="749300"/>
+            <a:off x="1668853" y="1590197"/>
+            <a:ext cx="1435307" cy="749300"/>
           </a:xfrm>
           <a:prstGeom prst="rect">
             <a:avLst/>
@@ -13190,12 +14004,12 @@
           <a:p>
             <a:pPr algn="ctr"/>
             <a:r>
-              <a:rPr lang="en-US" sz="2400" dirty="0" err="1" smtClean="0">
+              <a:rPr lang="hu-HU" sz="2400" dirty="0" smtClean="0">
                 <a:solidFill>
                   <a:schemeClr val="tx2"/>
                 </a:solidFill>
               </a:rPr>
-              <a:t>StringProperty</a:t>
+              <a:t>…</a:t>
             </a:r>
             <a:endParaRPr lang="en-US" sz="2400" dirty="0">
               <a:solidFill>
@@ -13207,24 +14021,23 @@
       </p:sp>
       <p:cxnSp>
         <p:nvCxnSpPr>
-          <p:cNvPr id="40" name="Szögletes összekötő 39"/>
+          <p:cNvPr id="25" name="Egyenes összekötő nyíllal 24"/>
           <p:cNvCxnSpPr>
-            <a:stCxn id="53" idx="0"/>
-            <a:endCxn id="34" idx="3"/>
+            <a:stCxn id="53" idx="3"/>
+            <a:endCxn id="6" idx="1"/>
           </p:cNvCxnSpPr>
           <p:nvPr/>
         </p:nvCxnSpPr>
         <p:spPr>
-          <a:xfrm rot="5400000" flipH="1" flipV="1">
-            <a:off x="4323275" y="1014249"/>
-            <a:ext cx="522642" cy="2768807"/>
+          <a:xfrm>
+            <a:off x="3104160" y="1964847"/>
+            <a:ext cx="1733446" cy="0"/>
           </a:xfrm>
-          <a:prstGeom prst="bentConnector3">
+          <a:prstGeom prst="straightConnector1">
             <a:avLst/>
           </a:prstGeom>
           <a:ln w="63500">
-            <a:prstDash val="sysDash"/>
-            <a:tailEnd type="none"/>
+            <a:tailEnd type="triangle"/>
           </a:ln>
         </p:spPr>
         <p:style>
@@ -13242,6 +14055,100 @@
           </a:fontRef>
         </p:style>
       </p:cxnSp>
+      <p:sp>
+        <p:nvSpPr>
+          <p:cNvPr id="26" name="Szövegdoboz 25"/>
+          <p:cNvSpPr txBox="1"/>
+          <p:nvPr/>
+        </p:nvSpPr>
+        <p:spPr>
+          <a:xfrm>
+            <a:off x="4190999" y="1590197"/>
+            <a:ext cx="532518" cy="369332"/>
+          </a:xfrm>
+          <a:prstGeom prst="rect">
+            <a:avLst/>
+          </a:prstGeom>
+          <a:noFill/>
+        </p:spPr>
+        <p:txBody>
+          <a:bodyPr wrap="none" rtlCol="0">
+            <a:spAutoFit/>
+          </a:bodyPr>
+          <a:lstStyle/>
+          <a:p>
+            <a:r>
+              <a:rPr lang="hu-HU" dirty="0" smtClean="0"/>
+              <a:t>0..*</a:t>
+            </a:r>
+            <a:endParaRPr lang="en-US" dirty="0"/>
+          </a:p>
+        </p:txBody>
+      </p:sp>
+      <p:sp>
+        <p:nvSpPr>
+          <p:cNvPr id="8" name="Szövegdoboz 7"/>
+          <p:cNvSpPr txBox="1"/>
+          <p:nvPr/>
+        </p:nvSpPr>
+        <p:spPr>
+          <a:xfrm>
+            <a:off x="488947" y="920232"/>
+            <a:ext cx="6486456" cy="461665"/>
+          </a:xfrm>
+          <a:prstGeom prst="rect">
+            <a:avLst/>
+          </a:prstGeom>
+          <a:noFill/>
+        </p:spPr>
+        <p:txBody>
+          <a:bodyPr wrap="none" rtlCol="0">
+            <a:spAutoFit/>
+          </a:bodyPr>
+          <a:lstStyle/>
+          <a:p>
+            <a:r>
+              <a:rPr lang="hu-HU" sz="2400" dirty="0" smtClean="0"/>
+              <a:t>A legtöbb osztály szabadon bővíthető </a:t>
+            </a:r>
+            <a:r>
+              <a:rPr lang="hu-HU" sz="2400" dirty="0" err="1" smtClean="0"/>
+              <a:t>propertykkel</a:t>
+            </a:r>
+            <a:endParaRPr lang="hu-HU" sz="2400" dirty="0"/>
+          </a:p>
+        </p:txBody>
+      </p:sp>
+      <p:sp>
+        <p:nvSpPr>
+          <p:cNvPr id="31" name="Szövegdoboz 30"/>
+          <p:cNvSpPr txBox="1"/>
+          <p:nvPr/>
+        </p:nvSpPr>
+        <p:spPr>
+          <a:xfrm>
+            <a:off x="488947" y="3110466"/>
+            <a:ext cx="4820872" cy="461665"/>
+          </a:xfrm>
+          <a:prstGeom prst="rect">
+            <a:avLst/>
+          </a:prstGeom>
+          <a:noFill/>
+        </p:spPr>
+        <p:txBody>
+          <a:bodyPr wrap="none" rtlCol="0">
+            <a:spAutoFit/>
+          </a:bodyPr>
+          <a:lstStyle/>
+          <a:p>
+            <a:r>
+              <a:rPr lang="hu-HU" sz="2400" dirty="0" smtClean="0"/>
+              <a:t>Bármilyen mértékegység használható</a:t>
+            </a:r>
+            <a:endParaRPr lang="hu-HU" sz="2400" dirty="0"/>
+          </a:p>
+        </p:txBody>
+      </p:sp>
     </p:spTree>
     <p:extLst>
       <p:ext uri="{BB962C8B-B14F-4D97-AF65-F5344CB8AC3E}">
@@ -13252,11 +14159,11 @@
   <p:clrMapOvr>
     <a:masterClrMapping/>
   </p:clrMapOvr>
-  <mc:AlternateContent xmlns:mc="http://schemas.openxmlformats.org/markup-compatibility/2006">
-    <mc:Choice xmlns:p14="http://schemas.microsoft.com/office/powerpoint/2010/main" Requires="p14">
+  <mc:AlternateContent xmlns:mc="http://schemas.openxmlformats.org/markup-compatibility/2006" xmlns:p14="http://schemas.microsoft.com/office/powerpoint/2010/main">
+    <mc:Choice Requires="p14">
       <p:transition p14:dur="0" advClick="0"/>
     </mc:Choice>
-    <mc:Fallback>
+    <mc:Fallback xmlns="">
       <p:transition advClick="0"/>
     </mc:Fallback>
   </mc:AlternateContent>
@@ -13304,7 +14211,15 @@
           <a:p>
             <a:r>
               <a:rPr lang="hu-HU" dirty="0" err="1" smtClean="0"/>
-              <a:t>Choosing</a:t>
+              <a:t>Constraints</a:t>
+            </a:r>
+            <a:r>
+              <a:rPr lang="hu-HU" dirty="0" smtClean="0"/>
+              <a:t>, </a:t>
+            </a:r>
+            <a:r>
+              <a:rPr lang="hu-HU" dirty="0" err="1" smtClean="0"/>
+              <a:t>Derived</a:t>
             </a:r>
             <a:r>
               <a:rPr lang="hu-HU" dirty="0" smtClean="0"/>
@@ -13312,9 +14227,113 @@
             </a:r>
             <a:r>
               <a:rPr lang="hu-HU" dirty="0" err="1" smtClean="0"/>
-              <a:t>Templates</a:t>
+              <a:t>Features</a:t>
             </a:r>
             <a:endParaRPr lang="en-US" dirty="0"/>
+          </a:p>
+        </p:txBody>
+      </p:sp>
+      <p:sp>
+        <p:nvSpPr>
+          <p:cNvPr id="3" name="Tartalom helye 2"/>
+          <p:cNvSpPr>
+            <a:spLocks noGrp="1"/>
+          </p:cNvSpPr>
+          <p:nvPr>
+            <p:ph idx="1"/>
+          </p:nvPr>
+        </p:nvSpPr>
+        <p:spPr/>
+        <p:txBody>
+          <a:bodyPr/>
+          <a:lstStyle/>
+          <a:p>
+            <a:r>
+              <a:rPr lang="hu-HU" dirty="0" err="1" smtClean="0"/>
+              <a:t>Constraint</a:t>
+            </a:r>
+            <a:r>
+              <a:rPr lang="hu-HU" dirty="0" smtClean="0"/>
+              <a:t> példák:</a:t>
+            </a:r>
+          </a:p>
+          <a:p>
+            <a:pPr lvl="1"/>
+            <a:r>
+              <a:rPr lang="hu-HU" dirty="0"/>
+              <a:t>R</a:t>
+            </a:r>
+            <a:r>
+              <a:rPr lang="hu-HU" dirty="0" smtClean="0"/>
+              <a:t>obothoz egyszerre több misszió van rendelve</a:t>
+            </a:r>
+          </a:p>
+          <a:p>
+            <a:pPr lvl="1"/>
+            <a:r>
+              <a:rPr lang="hu-HU" dirty="0" smtClean="0"/>
+              <a:t>Egy megadott méret dimenziói között nincs konverzió</a:t>
+            </a:r>
+          </a:p>
+          <a:p>
+            <a:pPr lvl="1"/>
+            <a:r>
+              <a:rPr lang="hu-HU" dirty="0"/>
+              <a:t>R</a:t>
+            </a:r>
+            <a:r>
+              <a:rPr lang="hu-HU" dirty="0" smtClean="0"/>
+              <a:t>obot nem képes elvégezni a hozzárendelt feladatot</a:t>
+            </a:r>
+          </a:p>
+          <a:p>
+            <a:pPr lvl="1"/>
+            <a:r>
+              <a:rPr lang="hu-HU" dirty="0" err="1" smtClean="0"/>
+              <a:t>Task</a:t>
+            </a:r>
+            <a:r>
+              <a:rPr lang="hu-HU" dirty="0" smtClean="0"/>
+              <a:t> végrehajtása az előfeltételek teljesülése nélkül</a:t>
+            </a:r>
+          </a:p>
+          <a:p>
+            <a:r>
+              <a:rPr lang="hu-HU" dirty="0" err="1" smtClean="0"/>
+              <a:t>Derived</a:t>
+            </a:r>
+            <a:r>
+              <a:rPr lang="hu-HU" dirty="0" smtClean="0"/>
+              <a:t> </a:t>
+            </a:r>
+            <a:r>
+              <a:rPr lang="hu-HU" dirty="0" err="1" smtClean="0"/>
+              <a:t>feature</a:t>
+            </a:r>
+            <a:r>
+              <a:rPr lang="hu-HU" dirty="0" smtClean="0"/>
+              <a:t> példák:</a:t>
+            </a:r>
+          </a:p>
+          <a:p>
+            <a:pPr lvl="1"/>
+            <a:r>
+              <a:rPr lang="hu-HU" dirty="0" smtClean="0"/>
+              <a:t>Kapott üzenetek összegyűjtése a </a:t>
+            </a:r>
+            <a:r>
+              <a:rPr lang="hu-HU" dirty="0" err="1" smtClean="0"/>
+              <a:t>MessageRepositoryból</a:t>
+            </a:r>
+            <a:endParaRPr lang="hu-HU" dirty="0" smtClean="0"/>
+          </a:p>
+          <a:p>
+            <a:pPr lvl="1"/>
+            <a:r>
+              <a:rPr lang="hu-HU" dirty="0" smtClean="0"/>
+              <a:t>Robotok közötti együttműködés</a:t>
+            </a:r>
+            <a:endParaRPr lang="hu-HU" dirty="0"/>
           </a:p>
         </p:txBody>
       </p:sp>
@@ -13342,235 +14361,6 @@
           </a:p>
         </p:txBody>
       </p:sp>
-      <p:sp>
-        <p:nvSpPr>
-          <p:cNvPr id="5" name="Szövegdoboz 4"/>
-          <p:cNvSpPr txBox="1"/>
-          <p:nvPr/>
-        </p:nvSpPr>
-        <p:spPr>
-          <a:xfrm>
-            <a:off x="407773" y="976184"/>
-            <a:ext cx="5634681" cy="6740307"/>
-          </a:xfrm>
-          <a:prstGeom prst="rect">
-            <a:avLst/>
-          </a:prstGeom>
-          <a:noFill/>
-        </p:spPr>
-        <p:txBody>
-          <a:bodyPr wrap="square" rtlCol="0">
-            <a:spAutoFit/>
-          </a:bodyPr>
-          <a:lstStyle/>
-          <a:p>
-            <a:r>
-              <a:rPr lang="en-US" dirty="0" smtClean="0"/>
-              <a:t>Robot: capability – equipment</a:t>
-            </a:r>
-            <a:br>
-              <a:rPr lang="en-US" dirty="0" smtClean="0"/>
-            </a:br>
-            <a:r>
-              <a:rPr lang="en-US" dirty="0" smtClean="0"/>
-              <a:t>Task: required cap</a:t>
-            </a:r>
-          </a:p>
-          <a:p>
-            <a:r>
-              <a:rPr lang="en-US" dirty="0" err="1" smtClean="0"/>
-              <a:t>TaskRequirement</a:t>
-            </a:r>
-            <a:r>
-              <a:rPr lang="en-US" dirty="0" smtClean="0"/>
-              <a:t>, Descriptor</a:t>
-            </a:r>
-          </a:p>
-          <a:p>
-            <a:r>
-              <a:rPr lang="en-US" dirty="0" err="1" smtClean="0"/>
-              <a:t>TaskExecution</a:t>
-            </a:r>
-            <a:r>
-              <a:rPr lang="en-US" dirty="0" smtClean="0"/>
-              <a:t>: </a:t>
-            </a:r>
-            <a:r>
-              <a:rPr lang="en-US" dirty="0" err="1" smtClean="0"/>
-              <a:t>dinamikus</a:t>
-            </a:r>
-            <a:r>
-              <a:rPr lang="en-US" dirty="0" smtClean="0"/>
-              <a:t>, executors, state</a:t>
-            </a:r>
-          </a:p>
-          <a:p>
-            <a:r>
-              <a:rPr lang="en-US" dirty="0" err="1" smtClean="0"/>
-              <a:t>DynamicRobot</a:t>
-            </a:r>
-            <a:r>
-              <a:rPr lang="en-US" dirty="0" smtClean="0"/>
-              <a:t>: </a:t>
-            </a:r>
-            <a:r>
-              <a:rPr lang="en-US" dirty="0" err="1" smtClean="0"/>
-              <a:t>statikus</a:t>
-            </a:r>
-            <a:r>
-              <a:rPr lang="en-US" dirty="0" smtClean="0"/>
-              <a:t> – </a:t>
-            </a:r>
-            <a:r>
-              <a:rPr lang="en-US" dirty="0" err="1" smtClean="0"/>
-              <a:t>dinamic</a:t>
-            </a:r>
-            <a:r>
-              <a:rPr lang="en-US" dirty="0" smtClean="0"/>
-              <a:t> connector</a:t>
-            </a:r>
-          </a:p>
-          <a:p>
-            <a:endParaRPr lang="en-US" dirty="0"/>
-          </a:p>
-          <a:p>
-            <a:r>
-              <a:rPr lang="en-US" dirty="0" err="1" smtClean="0"/>
-              <a:t>AreaObject</a:t>
-            </a:r>
-            <a:endParaRPr lang="en-US" dirty="0" smtClean="0"/>
-          </a:p>
-          <a:p>
-            <a:r>
-              <a:rPr lang="en-US" dirty="0" err="1" smtClean="0"/>
-              <a:t>DetectedObject</a:t>
-            </a:r>
-            <a:r>
-              <a:rPr lang="en-US" dirty="0" smtClean="0"/>
-              <a:t>: obstacle</a:t>
-            </a:r>
-          </a:p>
-          <a:p>
-            <a:endParaRPr lang="en-US" dirty="0" smtClean="0"/>
-          </a:p>
-          <a:p>
-            <a:r>
-              <a:rPr lang="en-US" dirty="0" smtClean="0"/>
-              <a:t>Communication:</a:t>
-            </a:r>
-          </a:p>
-          <a:p>
-            <a:r>
-              <a:rPr lang="en-US" dirty="0"/>
-              <a:t>	</a:t>
-            </a:r>
-            <a:r>
-              <a:rPr lang="en-US" dirty="0" smtClean="0"/>
-              <a:t>Message: </a:t>
-            </a:r>
-          </a:p>
-          <a:p>
-            <a:r>
-              <a:rPr lang="en-US" dirty="0"/>
-              <a:t>	</a:t>
-            </a:r>
-            <a:r>
-              <a:rPr lang="en-US" dirty="0" smtClean="0"/>
-              <a:t>Repository</a:t>
-            </a:r>
-          </a:p>
-          <a:p>
-            <a:r>
-              <a:rPr lang="en-US" dirty="0"/>
-              <a:t>	</a:t>
-            </a:r>
-            <a:r>
-              <a:rPr lang="en-US" dirty="0" err="1" smtClean="0"/>
-              <a:t>RobotCollaboration</a:t>
-            </a:r>
-            <a:r>
-              <a:rPr lang="en-US" dirty="0" smtClean="0"/>
-              <a:t/>
-            </a:r>
-            <a:br>
-              <a:rPr lang="en-US" dirty="0" smtClean="0"/>
-            </a:br>
-            <a:endParaRPr lang="en-US" dirty="0" smtClean="0"/>
-          </a:p>
-          <a:p>
-            <a:r>
-              <a:rPr lang="en-US" dirty="0" smtClean="0"/>
-              <a:t>Property key: value</a:t>
-            </a:r>
-          </a:p>
-          <a:p>
-            <a:r>
-              <a:rPr lang="en-US" dirty="0" err="1" smtClean="0"/>
-              <a:t>MeasureValue</a:t>
-            </a:r>
-            <a:endParaRPr lang="en-US" dirty="0" smtClean="0"/>
-          </a:p>
-          <a:p>
-            <a:endParaRPr lang="en-US" dirty="0"/>
-          </a:p>
-          <a:p>
-            <a:r>
-              <a:rPr lang="en-US" dirty="0" err="1" smtClean="0"/>
-              <a:t>Derivedfeature</a:t>
-            </a:r>
-            <a:endParaRPr lang="en-US" dirty="0" smtClean="0"/>
-          </a:p>
-          <a:p>
-            <a:r>
-              <a:rPr lang="en-US" dirty="0" err="1" smtClean="0"/>
-              <a:t>Statisztika</a:t>
-            </a:r>
-            <a:r>
-              <a:rPr lang="en-US" dirty="0" smtClean="0"/>
-              <a:t> (</a:t>
-            </a:r>
-            <a:r>
-              <a:rPr lang="en-US" dirty="0" err="1" smtClean="0"/>
-              <a:t>kényszer</a:t>
-            </a:r>
-            <a:r>
-              <a:rPr lang="en-US" dirty="0" smtClean="0"/>
-              <a:t>, </a:t>
-            </a:r>
-            <a:r>
-              <a:rPr lang="en-US" dirty="0" err="1" smtClean="0"/>
-              <a:t>osztályszám</a:t>
-            </a:r>
-            <a:r>
-              <a:rPr lang="en-US" dirty="0" smtClean="0"/>
-              <a:t>, </a:t>
-            </a:r>
-            <a:r>
-              <a:rPr lang="en-US" dirty="0" err="1" smtClean="0"/>
-              <a:t>munkaóra</a:t>
-            </a:r>
-            <a:r>
-              <a:rPr lang="en-US" dirty="0" smtClean="0"/>
-              <a:t>)</a:t>
-            </a:r>
-          </a:p>
-          <a:p>
-            <a:endParaRPr lang="en-US" dirty="0"/>
-          </a:p>
-          <a:p>
-            <a:endParaRPr lang="en-US" dirty="0" smtClean="0"/>
-          </a:p>
-          <a:p>
-            <a:endParaRPr lang="en-US" dirty="0"/>
-          </a:p>
-          <a:p>
-            <a:endParaRPr lang="en-US" dirty="0" smtClean="0"/>
-          </a:p>
-          <a:p>
-            <a:endParaRPr lang="en-US" dirty="0"/>
-          </a:p>
-        </p:txBody>
-      </p:sp>
     </p:spTree>
     <p:extLst>
       <p:ext uri="{BB962C8B-B14F-4D97-AF65-F5344CB8AC3E}">
@@ -13581,11 +14371,11 @@
   <p:clrMapOvr>
     <a:masterClrMapping/>
   </p:clrMapOvr>
-  <mc:AlternateContent xmlns:mc="http://schemas.openxmlformats.org/markup-compatibility/2006">
-    <mc:Choice xmlns:p14="http://schemas.microsoft.com/office/powerpoint/2010/main" Requires="p14">
+  <mc:AlternateContent xmlns:mc="http://schemas.openxmlformats.org/markup-compatibility/2006" xmlns:p14="http://schemas.microsoft.com/office/powerpoint/2010/main">
+    <mc:Choice Requires="p14">
       <p:transition p14:dur="0" advClick="0"/>
     </mc:Choice>
-    <mc:Fallback>
+    <mc:Fallback xmlns="">
       <p:transition advClick="0"/>
     </mc:Fallback>
   </mc:AlternateContent>
@@ -13618,12 +14408,12 @@
       </p:grpSpPr>
       <p:sp>
         <p:nvSpPr>
-          <p:cNvPr id="5" name="Cím 4"/>
+          <p:cNvPr id="2" name="Cím 1"/>
           <p:cNvSpPr>
             <a:spLocks noGrp="1"/>
           </p:cNvSpPr>
           <p:nvPr>
-            <p:ph type="ctrTitle"/>
+            <p:ph type="title"/>
           </p:nvPr>
         </p:nvSpPr>
         <p:spPr/>
@@ -13632,20 +14422,8 @@
           <a:lstStyle/>
           <a:p>
             <a:r>
-              <a:rPr lang="en-US" dirty="0" err="1" smtClean="0"/>
-              <a:t>Köszönjük</a:t>
-            </a:r>
-            <a:r>
-              <a:rPr lang="en-US" dirty="0" smtClean="0"/>
-              <a:t> a </a:t>
-            </a:r>
-            <a:r>
-              <a:rPr lang="en-US" dirty="0" err="1" smtClean="0"/>
-              <a:t>figyelmet</a:t>
-            </a:r>
-            <a:r>
-              <a:rPr lang="en-US" dirty="0" smtClean="0"/>
-              <a:t>!</a:t>
+              <a:rPr lang="hu-HU" dirty="0" smtClean="0"/>
+              <a:t>Statisztika</a:t>
             </a:r>
             <a:endParaRPr lang="en-US" dirty="0"/>
           </a:p>
@@ -13653,12 +14431,12 @@
       </p:sp>
       <p:sp>
         <p:nvSpPr>
-          <p:cNvPr id="7" name="Alcím 6"/>
+          <p:cNvPr id="3" name="Tartalom helye 2"/>
           <p:cNvSpPr>
             <a:spLocks noGrp="1"/>
           </p:cNvSpPr>
           <p:nvPr>
-            <p:ph type="subTitle" idx="1"/>
+            <p:ph idx="1"/>
           </p:nvPr>
         </p:nvSpPr>
         <p:spPr/>
@@ -13666,7 +14444,65 @@
           <a:bodyPr/>
           <a:lstStyle/>
           <a:p>
-            <a:endParaRPr lang="en-US"/>
+            <a:r>
+              <a:rPr lang="hu-HU" dirty="0" smtClean="0"/>
+              <a:t>22 statikus modellbeli osztály</a:t>
+            </a:r>
+          </a:p>
+          <a:p>
+            <a:r>
+              <a:rPr lang="hu-HU" dirty="0" smtClean="0"/>
+              <a:t>14 viselkedési modellbeli osztály</a:t>
+            </a:r>
+          </a:p>
+          <a:p>
+            <a:r>
+              <a:rPr lang="hu-HU" dirty="0" smtClean="0"/>
+              <a:t>26 </a:t>
+            </a:r>
+            <a:r>
+              <a:rPr lang="hu-HU" dirty="0" err="1" smtClean="0"/>
+              <a:t>well-formedness</a:t>
+            </a:r>
+            <a:r>
+              <a:rPr lang="hu-HU" dirty="0" smtClean="0"/>
+              <a:t> </a:t>
+            </a:r>
+            <a:r>
+              <a:rPr lang="hu-HU" dirty="0" err="1" smtClean="0"/>
+              <a:t>constraint</a:t>
+            </a:r>
+            <a:endParaRPr lang="hu-HU" dirty="0"/>
+          </a:p>
+          <a:p>
+            <a:r>
+              <a:rPr lang="hu-HU" dirty="0"/>
+              <a:t>6</a:t>
+            </a:r>
+            <a:r>
+              <a:rPr lang="hu-HU" dirty="0" smtClean="0"/>
+              <a:t> </a:t>
+            </a:r>
+            <a:r>
+              <a:rPr lang="hu-HU" dirty="0" err="1" smtClean="0"/>
+              <a:t>derived</a:t>
+            </a:r>
+            <a:r>
+              <a:rPr lang="hu-HU" dirty="0" smtClean="0"/>
+              <a:t> </a:t>
+            </a:r>
+            <a:r>
+              <a:rPr lang="hu-HU" dirty="0" err="1" smtClean="0"/>
+              <a:t>feature</a:t>
+            </a:r>
+            <a:endParaRPr lang="hu-HU" dirty="0" smtClean="0"/>
+          </a:p>
+          <a:p>
+            <a:r>
+              <a:rPr lang="hu-HU" dirty="0" smtClean="0"/>
+              <a:t>Összesen kb. 50 munkaóra</a:t>
+            </a:r>
+            <a:endParaRPr lang="hu-HU" dirty="0"/>
           </a:p>
         </p:txBody>
       </p:sp>
@@ -13697,23 +14533,19 @@
     </p:spTree>
     <p:extLst>
       <p:ext uri="{BB962C8B-B14F-4D97-AF65-F5344CB8AC3E}">
-        <p14:creationId xmlns:p14="http://schemas.microsoft.com/office/powerpoint/2010/main" val="497278178"/>
+        <p14:creationId xmlns:p14="http://schemas.microsoft.com/office/powerpoint/2010/main" val="3325116921"/>
       </p:ext>
     </p:extLst>
   </p:cSld>
   <p:clrMapOvr>
     <a:masterClrMapping/>
   </p:clrMapOvr>
-  <mc:AlternateContent xmlns:mc="http://schemas.openxmlformats.org/markup-compatibility/2006">
-    <mc:Choice xmlns:p15="http://schemas.microsoft.com/office/powerpoint/2012/main" Requires="p15">
-      <p:transition xmlns:p14="http://schemas.microsoft.com/office/powerpoint/2010/main" spd="slow" p14:dur="3250" advClick="0">
-        <p15:prstTrans prst="origami"/>
-      </p:transition>
+  <mc:AlternateContent xmlns:mc="http://schemas.openxmlformats.org/markup-compatibility/2006" xmlns:p14="http://schemas.microsoft.com/office/powerpoint/2010/main">
+    <mc:Choice Requires="p14">
+      <p:transition p14:dur="0" advClick="0"/>
     </mc:Choice>
-    <mc:Fallback>
-      <p:transition spd="slow" advClick="0">
-        <p:fade/>
-      </p:transition>
+    <mc:Fallback xmlns="">
+      <p:transition advClick="0"/>
     </mc:Fallback>
   </mc:AlternateContent>
   <p:timing>
@@ -14185,6 +15017,464 @@
 </file>
 
 <file path=ppt/theme/theme2.xml><?xml version="1.0" encoding="utf-8"?>
+<a:theme xmlns:a="http://schemas.openxmlformats.org/drawingml/2006/main" name="1_FTSRG presentation">
+  <a:themeElements>
+    <a:clrScheme name="1. egyéni séma">
+      <a:dk1>
+        <a:srgbClr val="000000"/>
+      </a:dk1>
+      <a:lt1>
+        <a:srgbClr val="FFFFFF"/>
+      </a:lt1>
+      <a:dk2>
+        <a:srgbClr val="FFFFFF"/>
+      </a:dk2>
+      <a:lt2>
+        <a:srgbClr val="B83A55"/>
+      </a:lt2>
+      <a:accent1>
+        <a:srgbClr val="762536"/>
+      </a:accent1>
+      <a:accent2>
+        <a:srgbClr val="00B0F0"/>
+      </a:accent2>
+      <a:accent3>
+        <a:srgbClr val="007D00"/>
+      </a:accent3>
+      <a:accent4>
+        <a:srgbClr val="002060"/>
+      </a:accent4>
+      <a:accent5>
+        <a:srgbClr val="FFC000"/>
+      </a:accent5>
+      <a:accent6>
+        <a:srgbClr val="929598"/>
+      </a:accent6>
+      <a:hlink>
+        <a:srgbClr val="0038AE"/>
+      </a:hlink>
+      <a:folHlink>
+        <a:srgbClr val="0038AE"/>
+      </a:folHlink>
+    </a:clrScheme>
+    <a:fontScheme name="Office">
+      <a:majorFont>
+        <a:latin typeface="Calibri"/>
+        <a:ea typeface=""/>
+        <a:cs typeface=""/>
+        <a:font script="Jpan" typeface="ＭＳ Ｐゴシック"/>
+        <a:font script="Hang" typeface="맑은 고딕"/>
+        <a:font script="Hans" typeface="宋体"/>
+        <a:font script="Hant" typeface="新細明體"/>
+        <a:font script="Arab" typeface="Times New Roman"/>
+        <a:font script="Hebr" typeface="Times New Roman"/>
+        <a:font script="Thai" typeface="Angsana New"/>
+        <a:font script="Ethi" typeface="Nyala"/>
+        <a:font script="Beng" typeface="Vrinda"/>
+        <a:font script="Gujr" typeface="Shruti"/>
+        <a:font script="Khmr" typeface="MoolBoran"/>
+        <a:font script="Knda" typeface="Tunga"/>
+        <a:font script="Guru" typeface="Raavi"/>
+        <a:font script="Cans" typeface="Euphemia"/>
+        <a:font script="Cher" typeface="Plantagenet Cherokee"/>
+        <a:font script="Yiii" typeface="Microsoft Yi Baiti"/>
+        <a:font script="Tibt" typeface="Microsoft Himalaya"/>
+        <a:font script="Thaa" typeface="MV Boli"/>
+        <a:font script="Deva" typeface="Mangal"/>
+        <a:font script="Telu" typeface="Gautami"/>
+        <a:font script="Taml" typeface="Latha"/>
+        <a:font script="Syrc" typeface="Estrangelo Edessa"/>
+        <a:font script="Orya" typeface="Kalinga"/>
+        <a:font script="Mlym" typeface="Kartika"/>
+        <a:font script="Laoo" typeface="DokChampa"/>
+        <a:font script="Sinh" typeface="Iskoola Pota"/>
+        <a:font script="Mong" typeface="Mongolian Baiti"/>
+        <a:font script="Viet" typeface="Times New Roman"/>
+        <a:font script="Uigh" typeface="Microsoft Uighur"/>
+      </a:majorFont>
+      <a:minorFont>
+        <a:latin typeface="Calibri"/>
+        <a:ea typeface=""/>
+        <a:cs typeface=""/>
+        <a:font script="Jpan" typeface="ＭＳ Ｐゴシック"/>
+        <a:font script="Hang" typeface="맑은 고딕"/>
+        <a:font script="Hans" typeface="宋体"/>
+        <a:font script="Hant" typeface="新細明體"/>
+        <a:font script="Arab" typeface="Arial"/>
+        <a:font script="Hebr" typeface="Arial"/>
+        <a:font script="Thai" typeface="Cordia New"/>
+        <a:font script="Ethi" typeface="Nyala"/>
+        <a:font script="Beng" typeface="Vrinda"/>
+        <a:font script="Gujr" typeface="Shruti"/>
+        <a:font script="Khmr" typeface="DaunPenh"/>
+        <a:font script="Knda" typeface="Tunga"/>
+        <a:font script="Guru" typeface="Raavi"/>
+        <a:font script="Cans" typeface="Euphemia"/>
+        <a:font script="Cher" typeface="Plantagenet Cherokee"/>
+        <a:font script="Yiii" typeface="Microsoft Yi Baiti"/>
+        <a:font script="Tibt" typeface="Microsoft Himalaya"/>
+        <a:font script="Thaa" typeface="MV Boli"/>
+        <a:font script="Deva" typeface="Mangal"/>
+        <a:font script="Telu" typeface="Gautami"/>
+        <a:font script="Taml" typeface="Latha"/>
+        <a:font script="Syrc" typeface="Estrangelo Edessa"/>
+        <a:font script="Orya" typeface="Kalinga"/>
+        <a:font script="Mlym" typeface="Kartika"/>
+        <a:font script="Laoo" typeface="DokChampa"/>
+        <a:font script="Sinh" typeface="Iskoola Pota"/>
+        <a:font script="Mong" typeface="Mongolian Baiti"/>
+        <a:font script="Viet" typeface="Arial"/>
+        <a:font script="Uigh" typeface="Microsoft Uighur"/>
+      </a:minorFont>
+    </a:fontScheme>
+    <a:fmtScheme name="Office">
+      <a:fillStyleLst>
+        <a:solidFill>
+          <a:schemeClr val="phClr"/>
+        </a:solidFill>
+        <a:gradFill rotWithShape="1">
+          <a:gsLst>
+            <a:gs pos="0">
+              <a:schemeClr val="phClr">
+                <a:tint val="50000"/>
+                <a:satMod val="300000"/>
+              </a:schemeClr>
+            </a:gs>
+            <a:gs pos="35000">
+              <a:schemeClr val="phClr">
+                <a:tint val="37000"/>
+                <a:satMod val="300000"/>
+              </a:schemeClr>
+            </a:gs>
+            <a:gs pos="100000">
+              <a:schemeClr val="phClr">
+                <a:tint val="15000"/>
+                <a:satMod val="350000"/>
+              </a:schemeClr>
+            </a:gs>
+          </a:gsLst>
+          <a:lin ang="16200000" scaled="1"/>
+        </a:gradFill>
+        <a:gradFill rotWithShape="1">
+          <a:gsLst>
+            <a:gs pos="0">
+              <a:schemeClr val="phClr">
+                <a:shade val="51000"/>
+                <a:satMod val="130000"/>
+              </a:schemeClr>
+            </a:gs>
+            <a:gs pos="80000">
+              <a:schemeClr val="phClr">
+                <a:shade val="93000"/>
+                <a:satMod val="130000"/>
+              </a:schemeClr>
+            </a:gs>
+            <a:gs pos="100000">
+              <a:schemeClr val="phClr">
+                <a:shade val="94000"/>
+                <a:satMod val="135000"/>
+              </a:schemeClr>
+            </a:gs>
+          </a:gsLst>
+          <a:lin ang="16200000" scaled="0"/>
+        </a:gradFill>
+      </a:fillStyleLst>
+      <a:lnStyleLst>
+        <a:ln w="9525" cap="flat" cmpd="sng" algn="ctr">
+          <a:solidFill>
+            <a:schemeClr val="phClr">
+              <a:shade val="95000"/>
+              <a:satMod val="105000"/>
+            </a:schemeClr>
+          </a:solidFill>
+          <a:prstDash val="solid"/>
+        </a:ln>
+        <a:ln w="25400" cap="flat" cmpd="sng" algn="ctr">
+          <a:solidFill>
+            <a:schemeClr val="phClr"/>
+          </a:solidFill>
+          <a:prstDash val="solid"/>
+        </a:ln>
+        <a:ln w="38100" cap="flat" cmpd="sng" algn="ctr">
+          <a:solidFill>
+            <a:schemeClr val="phClr"/>
+          </a:solidFill>
+          <a:prstDash val="solid"/>
+        </a:ln>
+      </a:lnStyleLst>
+      <a:effectStyleLst>
+        <a:effectStyle>
+          <a:effectLst>
+            <a:outerShdw blurRad="40000" dist="20000" dir="5400000" rotWithShape="0">
+              <a:srgbClr val="000000">
+                <a:alpha val="38000"/>
+              </a:srgbClr>
+            </a:outerShdw>
+          </a:effectLst>
+        </a:effectStyle>
+        <a:effectStyle>
+          <a:effectLst>
+            <a:outerShdw blurRad="40000" dist="23000" dir="5400000" rotWithShape="0">
+              <a:srgbClr val="000000">
+                <a:alpha val="35000"/>
+              </a:srgbClr>
+            </a:outerShdw>
+          </a:effectLst>
+        </a:effectStyle>
+        <a:effectStyle>
+          <a:effectLst>
+            <a:outerShdw blurRad="40000" dist="23000" dir="5400000" rotWithShape="0">
+              <a:srgbClr val="000000">
+                <a:alpha val="35000"/>
+              </a:srgbClr>
+            </a:outerShdw>
+          </a:effectLst>
+          <a:scene3d>
+            <a:camera prst="orthographicFront">
+              <a:rot lat="0" lon="0" rev="0"/>
+            </a:camera>
+            <a:lightRig rig="threePt" dir="t">
+              <a:rot lat="0" lon="0" rev="1200000"/>
+            </a:lightRig>
+          </a:scene3d>
+          <a:sp3d>
+            <a:bevelT w="63500" h="25400"/>
+          </a:sp3d>
+        </a:effectStyle>
+      </a:effectStyleLst>
+      <a:bgFillStyleLst>
+        <a:solidFill>
+          <a:schemeClr val="phClr"/>
+        </a:solidFill>
+        <a:gradFill rotWithShape="1">
+          <a:gsLst>
+            <a:gs pos="0">
+              <a:schemeClr val="phClr">
+                <a:tint val="40000"/>
+                <a:satMod val="350000"/>
+              </a:schemeClr>
+            </a:gs>
+            <a:gs pos="40000">
+              <a:schemeClr val="phClr">
+                <a:tint val="45000"/>
+                <a:shade val="99000"/>
+                <a:satMod val="350000"/>
+              </a:schemeClr>
+            </a:gs>
+            <a:gs pos="100000">
+              <a:schemeClr val="phClr">
+                <a:shade val="20000"/>
+                <a:satMod val="255000"/>
+              </a:schemeClr>
+            </a:gs>
+          </a:gsLst>
+          <a:path path="circle">
+            <a:fillToRect l="50000" t="-80000" r="50000" b="180000"/>
+          </a:path>
+        </a:gradFill>
+        <a:gradFill rotWithShape="1">
+          <a:gsLst>
+            <a:gs pos="0">
+              <a:schemeClr val="phClr">
+                <a:tint val="80000"/>
+                <a:satMod val="300000"/>
+              </a:schemeClr>
+            </a:gs>
+            <a:gs pos="100000">
+              <a:schemeClr val="phClr">
+                <a:shade val="30000"/>
+                <a:satMod val="200000"/>
+              </a:schemeClr>
+            </a:gs>
+          </a:gsLst>
+          <a:path path="circle">
+            <a:fillToRect l="50000" t="50000" r="50000" b="50000"/>
+          </a:path>
+        </a:gradFill>
+      </a:bgFillStyleLst>
+    </a:fmtScheme>
+  </a:themeElements>
+  <a:objectDefaults>
+    <a:spDef>
+      <a:spPr>
+        <a:solidFill>
+          <a:schemeClr val="bg2"/>
+        </a:solidFill>
+        <a:ln w="38100">
+          <a:solidFill>
+            <a:schemeClr val="accent1"/>
+          </a:solidFill>
+        </a:ln>
+        <a:effectLst>
+          <a:outerShdw blurRad="50800" dist="38100" dir="5400000" algn="t" rotWithShape="0">
+            <a:prstClr val="black">
+              <a:alpha val="40000"/>
+            </a:prstClr>
+          </a:outerShdw>
+        </a:effectLst>
+      </a:spPr>
+      <a:bodyPr rot="0" spcFirstLastPara="0" vertOverflow="overflow" horzOverflow="overflow" vert="horz" wrap="square" lIns="91440" tIns="45720" rIns="91440" bIns="45720" numCol="1" spcCol="0" rtlCol="0" fromWordArt="0" anchor="ctr" anchorCtr="0" forceAA="0" compatLnSpc="1">
+        <a:prstTxWarp prst="textNoShape">
+          <a:avLst/>
+        </a:prstTxWarp>
+        <a:noAutofit/>
+      </a:bodyPr>
+      <a:lstStyle>
+        <a:defPPr algn="ctr">
+          <a:defRPr sz="2400" dirty="0" err="1">
+            <a:solidFill>
+              <a:schemeClr val="tx2"/>
+            </a:solidFill>
+          </a:defRPr>
+        </a:defPPr>
+      </a:lstStyle>
+      <a:style>
+        <a:lnRef idx="2">
+          <a:schemeClr val="accent4">
+            <a:shade val="50000"/>
+          </a:schemeClr>
+        </a:lnRef>
+        <a:fillRef idx="1">
+          <a:schemeClr val="accent4"/>
+        </a:fillRef>
+        <a:effectRef idx="0">
+          <a:schemeClr val="accent4"/>
+        </a:effectRef>
+        <a:fontRef idx="minor">
+          <a:schemeClr val="lt1"/>
+        </a:fontRef>
+      </a:style>
+    </a:spDef>
+  </a:objectDefaults>
+  <a:extraClrSchemeLst>
+    <a:extraClrScheme>
+      <a:clrScheme name="bme_ftsrg_hun_micskeiz_new_v6 1">
+        <a:dk1>
+          <a:srgbClr val="621E0F"/>
+        </a:dk1>
+        <a:lt1>
+          <a:srgbClr val="FFFFFF"/>
+        </a:lt1>
+        <a:dk2>
+          <a:srgbClr val="000000"/>
+        </a:dk2>
+        <a:lt2>
+          <a:srgbClr val="FFFFFF"/>
+        </a:lt2>
+        <a:accent1>
+          <a:srgbClr val="F9DD2F"/>
+        </a:accent1>
+        <a:accent2>
+          <a:srgbClr val="E67300"/>
+        </a:accent2>
+        <a:accent3>
+          <a:srgbClr val="AAAAAA"/>
+        </a:accent3>
+        <a:accent4>
+          <a:srgbClr val="DADADA"/>
+        </a:accent4>
+        <a:accent5>
+          <a:srgbClr val="FBEBAD"/>
+        </a:accent5>
+        <a:accent6>
+          <a:srgbClr val="D06800"/>
+        </a:accent6>
+        <a:hlink>
+          <a:srgbClr val="0038AE"/>
+        </a:hlink>
+        <a:folHlink>
+          <a:srgbClr val="0038AE"/>
+        </a:folHlink>
+      </a:clrScheme>
+      <a:clrMap bg1="dk2" tx1="lt1" bg2="dk1" tx2="lt2" accent1="accent1" accent2="accent2" accent3="accent3" accent4="accent4" accent5="accent5" accent6="accent6" hlink="hlink" folHlink="folHlink"/>
+    </a:extraClrScheme>
+    <a:extraClrScheme>
+      <a:clrScheme name="bme_ftsrg_hun_micskeiz_new_v6 2">
+        <a:dk1>
+          <a:srgbClr val="0099FF"/>
+        </a:dk1>
+        <a:lt1>
+          <a:srgbClr val="FFFFFF"/>
+        </a:lt1>
+        <a:dk2>
+          <a:srgbClr val="000000"/>
+        </a:dk2>
+        <a:lt2>
+          <a:srgbClr val="FFFF99"/>
+        </a:lt2>
+        <a:accent1>
+          <a:srgbClr val="762536"/>
+        </a:accent1>
+        <a:accent2>
+          <a:srgbClr val="81511D"/>
+        </a:accent2>
+        <a:accent3>
+          <a:srgbClr val="AAAAAA"/>
+        </a:accent3>
+        <a:accent4>
+          <a:srgbClr val="DADADA"/>
+        </a:accent4>
+        <a:accent5>
+          <a:srgbClr val="BDACAE"/>
+        </a:accent5>
+        <a:accent6>
+          <a:srgbClr val="744919"/>
+        </a:accent6>
+        <a:hlink>
+          <a:srgbClr val="002060"/>
+        </a:hlink>
+        <a:folHlink>
+          <a:srgbClr val="002060"/>
+        </a:folHlink>
+      </a:clrScheme>
+      <a:clrMap bg1="dk2" tx1="lt1" bg2="dk1" tx2="lt2" accent1="accent1" accent2="accent2" accent3="accent3" accent4="accent4" accent5="accent5" accent6="accent6" hlink="hlink" folHlink="folHlink"/>
+    </a:extraClrScheme>
+    <a:extraClrScheme>
+      <a:clrScheme name="bme_ftsrg_hun_micskeiz_new_v6 3">
+        <a:dk1>
+          <a:srgbClr val="000000"/>
+        </a:dk1>
+        <a:lt1>
+          <a:srgbClr val="FFFFFF"/>
+        </a:lt1>
+        <a:dk2>
+          <a:srgbClr val="000000"/>
+        </a:dk2>
+        <a:lt2>
+          <a:srgbClr val="FFFFFF"/>
+        </a:lt2>
+        <a:accent1>
+          <a:srgbClr val="FF3300"/>
+        </a:accent1>
+        <a:accent2>
+          <a:srgbClr val="00B686"/>
+        </a:accent2>
+        <a:accent3>
+          <a:srgbClr val="AAAAAA"/>
+        </a:accent3>
+        <a:accent4>
+          <a:srgbClr val="DADADA"/>
+        </a:accent4>
+        <a:accent5>
+          <a:srgbClr val="FFADAA"/>
+        </a:accent5>
+        <a:accent6>
+          <a:srgbClr val="00A579"/>
+        </a:accent6>
+        <a:hlink>
+          <a:srgbClr val="0098CE"/>
+        </a:hlink>
+        <a:folHlink>
+          <a:srgbClr val="FFCC00"/>
+        </a:folHlink>
+      </a:clrScheme>
+      <a:clrMap bg1="dk2" tx1="lt1" bg2="dk1" tx2="lt2" accent1="accent1" accent2="accent2" accent3="accent3" accent4="accent4" accent5="accent5" accent6="accent6" hlink="hlink" folHlink="folHlink"/>
+    </a:extraClrScheme>
+  </a:extraClrSchemeLst>
+</a:theme>
+</file>
+
+<file path=ppt/theme/theme3.xml><?xml version="1.0" encoding="utf-8"?>
 <a:theme xmlns:a="http://schemas.openxmlformats.org/drawingml/2006/main" name="FTSRG print">
   <a:themeElements>
     <a:clrScheme name="3. egyéni séma">
@@ -14642,7 +15932,7 @@
 </a:theme>
 </file>
 
-<file path=ppt/theme/theme3.xml><?xml version="1.0" encoding="utf-8"?>
+<file path=ppt/theme/theme4.xml><?xml version="1.0" encoding="utf-8"?>
 <a:theme xmlns:a="http://schemas.openxmlformats.org/drawingml/2006/main" name="Office Theme">
   <a:themeElements>
     <a:clrScheme name="Office">
@@ -14960,7 +16250,7 @@
 </a:theme>
 </file>
 
-<file path=ppt/theme/theme4.xml><?xml version="1.0" encoding="utf-8"?>
+<file path=ppt/theme/theme5.xml><?xml version="1.0" encoding="utf-8"?>
 <a:theme xmlns:a="http://schemas.openxmlformats.org/drawingml/2006/main" name="Office-téma">
   <a:themeElements>
     <a:clrScheme name="Office">
@@ -15003,7 +16293,7 @@
     </a:clrScheme>
     <a:fontScheme name="Office">
       <a:majorFont>
-        <a:latin typeface="Calibri Light" panose="020F0302020204030204"/>
+        <a:latin typeface="Calibri Light"/>
         <a:ea typeface=""/>
         <a:cs typeface=""/>
         <a:font script="Jpan" typeface="ＭＳ Ｐゴシック"/>
@@ -15038,7 +16328,7 @@
         <a:font script="Geor" typeface="Sylfaen"/>
       </a:majorFont>
       <a:minorFont>
-        <a:latin typeface="Calibri" panose="020F0502020204030204"/>
+        <a:latin typeface="Calibri"/>
         <a:ea typeface=""/>
         <a:cs typeface=""/>
         <a:font script="Jpan" typeface="ＭＳ Ｐゴシック"/>
@@ -15215,7 +16505,7 @@
   <a:extraClrSchemeLst/>
   <a:extLst>
     <a:ext uri="{05A4C25C-085E-4340-85A3-A5531E510DB2}">
-      <thm15:themeFamily xmlns:thm15="http://schemas.microsoft.com/office/thememl/2012/main" name="Office Theme" id="{62F939B6-93AF-4DB8-9C6B-D6C7DFDC589F}" vid="{4A3C46E8-61CC-4603-A589-7422A47A8E4A}"/>
+      <thm15:themeFamily xmlns:thm15="http://schemas.microsoft.com/office/thememl/2012/main" xmlns="" name="Office Theme" id="{62F939B6-93AF-4DB8-9C6B-D6C7DFDC589F}" vid="{4A3C46E8-61CC-4603-A589-7422A47A8E4A}"/>
     </a:ext>
   </a:extLst>
 </a:theme>
